--- a/Presentation.pptx
+++ b/Presentation.pptx
@@ -13358,6 +13358,13 @@
               <a:rPr lang="en-US" sz="2800" dirty="0"/>
               <a:t>Housing price always been a popular item that people wants to predict. Since it is critical for us to find out the factors that affecting transaction price. </a:t>
             </a:r>
+          </a:p>
+          <a:p>
+            <a:pPr>
+              <a:lnSpc>
+                <a:spcPct val="100000"/>
+              </a:lnSpc>
+            </a:pPr>
             <a:r>
               <a:rPr kumimoji="1" lang="en-US" altLang="zh-CN" sz="2800" dirty="0"/>
               <a:t>The data we collected and stored concerns predicting  housing</a:t>
@@ -16386,7 +16393,7 @@
         </p:spPr>
         <p:txBody>
           <a:bodyPr anchor="ctr">
-            <a:normAutofit/>
+            <a:normAutofit fontScale="92500" lnSpcReduction="10000"/>
           </a:bodyPr>
           <a:lstStyle/>
           <a:p>
@@ -16416,6 +16423,16 @@
             </a:pPr>
             <a:r>
               <a:rPr lang="en-US" sz="2800" dirty="0"/>
+              <a:t>Create multiple functions to avoid the repeat code</a:t>
+            </a:r>
+          </a:p>
+          <a:p>
+            <a:pPr>
+              <a:buFont typeface="Wingdings" pitchFamily="2" charset="2"/>
+              <a:buChar char="ü"/>
+            </a:pPr>
+            <a:r>
+              <a:rPr lang="en-US" sz="2800" dirty="0"/>
               <a:t>Run H2O </a:t>
             </a:r>
             <a:r>
@@ -16431,13 +16448,8 @@
             </a:br>
             <a:r>
               <a:rPr lang="en-US" sz="2800" dirty="0"/>
-              <a:t>( 300, 500, 1000, 1500, </a:t>
+              <a:t>( 300, 500, 1000, 1500, 2000 seconds)</a:t>
             </a:r>
-            <a:r>
-              <a:rPr lang="en-US" sz="2800"/>
-              <a:t>2000 seconds)</a:t>
-            </a:r>
-            <a:endParaRPr lang="en-US" sz="2800" dirty="0"/>
           </a:p>
           <a:p>
             <a:pPr>
@@ -16529,35 +16541,44 @@
           <a:bodyPr/>
           <a:lstStyle/>
           <a:p>
-            <a:endParaRPr lang="en-US"/>
+            <a:endParaRPr lang="en-US" dirty="0"/>
           </a:p>
         </p:txBody>
       </p:sp>
-      <p:sp>
-        <p:nvSpPr>
-          <p:cNvPr id="3" name="Content Placeholder 2">
+      <p:pic>
+        <p:nvPicPr>
+          <p:cNvPr id="8" name="Content Placeholder 7" descr="A screenshot of a cell phone&#10;&#10;Description automatically generated">
             <a:extLst>
               <a:ext uri="{FF2B5EF4-FFF2-40B4-BE49-F238E27FC236}">
-                <a16:creationId xmlns:a16="http://schemas.microsoft.com/office/drawing/2014/main" id="{05E98F2B-97EF-D046-980C-3D005A60E804}"/>
+                <a16:creationId xmlns:a16="http://schemas.microsoft.com/office/drawing/2014/main" id="{23DD35C2-B7CF-4A4E-A010-21BE6D000782}"/>
               </a:ext>
             </a:extLst>
           </p:cNvPr>
-          <p:cNvSpPr>
-            <a:spLocks noGrp="1"/>
-          </p:cNvSpPr>
+          <p:cNvPicPr>
+            <a:picLocks noGrp="1" noChangeAspect="1"/>
+          </p:cNvPicPr>
           <p:nvPr>
             <p:ph idx="1"/>
           </p:nvPr>
-        </p:nvSpPr>
-        <p:spPr/>
-        <p:txBody>
-          <a:bodyPr/>
-          <a:lstStyle/>
-          <a:p>
-            <a:endParaRPr lang="en-US"/>
-          </a:p>
-        </p:txBody>
-      </p:sp>
+        </p:nvPicPr>
+        <p:blipFill rotWithShape="1">
+          <a:blip r:embed="rId3">
+            <a:extLst>
+              <a:ext uri="{28A0092B-C50C-407E-A947-70E740481C1C}">
+                <a14:useLocalDpi xmlns:a14="http://schemas.microsoft.com/office/drawing/2010/main" val="0"/>
+              </a:ext>
+            </a:extLst>
+          </a:blip>
+          <a:srcRect t="51677"/>
+          <a:stretch/>
+        </p:blipFill>
+        <p:spPr>
+          <a:xfrm>
+            <a:off x="3398520" y="4686193"/>
+            <a:ext cx="5486400" cy="1982160"/>
+          </a:xfrm>
+        </p:spPr>
+      </p:pic>
       <p:pic>
         <p:nvPicPr>
           <p:cNvPr id="4" name="Picture 3" descr="A screenshot of a cell phone&#10;&#10;Description automatically generated">
@@ -16572,7 +16593,7 @@
           </p:cNvPicPr>
           <p:nvPr/>
         </p:nvPicPr>
-        <p:blipFill>
+        <p:blipFill rotWithShape="1">
           <a:blip r:embed="rId3">
             <a:extLst>
               <a:ext uri="{28A0092B-C50C-407E-A947-70E740481C1C}">
@@ -16580,14 +16601,83 @@
               </a:ext>
             </a:extLst>
           </a:blip>
-          <a:stretch>
-            <a:fillRect/>
-          </a:stretch>
+          <a:srcRect l="-26" t="-1516" r="26" b="46439"/>
+          <a:stretch/>
         </p:blipFill>
         <p:spPr>
           <a:xfrm>
-            <a:off x="2304827" y="382385"/>
-            <a:ext cx="8072023" cy="6035040"/>
+            <a:off x="3398520" y="1722166"/>
+            <a:ext cx="5486400" cy="2259154"/>
+          </a:xfrm>
+          <a:prstGeom prst="rect">
+            <a:avLst/>
+          </a:prstGeom>
+        </p:spPr>
+      </p:pic>
+      <p:pic>
+        <p:nvPicPr>
+          <p:cNvPr id="5" name="Content Placeholder 6" descr="A screenshot of a cell phone&#10;&#10;Description automatically generated">
+            <a:extLst>
+              <a:ext uri="{FF2B5EF4-FFF2-40B4-BE49-F238E27FC236}">
+                <a16:creationId xmlns:a16="http://schemas.microsoft.com/office/drawing/2014/main" id="{1B49BCB7-5838-5340-82B9-D29ED5CD757C}"/>
+              </a:ext>
+            </a:extLst>
+          </p:cNvPr>
+          <p:cNvPicPr>
+            <a:picLocks noChangeAspect="1"/>
+          </p:cNvPicPr>
+          <p:nvPr/>
+        </p:nvPicPr>
+        <p:blipFill rotWithShape="1">
+          <a:blip r:embed="rId4">
+            <a:extLst>
+              <a:ext uri="{28A0092B-C50C-407E-A947-70E740481C1C}">
+                <a14:useLocalDpi xmlns:a14="http://schemas.microsoft.com/office/drawing/2010/main" val="0"/>
+              </a:ext>
+            </a:extLst>
+          </a:blip>
+          <a:srcRect t="-1933" b="77629"/>
+          <a:stretch/>
+        </p:blipFill>
+        <p:spPr>
+          <a:xfrm>
+            <a:off x="3398520" y="285218"/>
+            <a:ext cx="5486400" cy="1407286"/>
+          </a:xfrm>
+          <a:prstGeom prst="rect">
+            <a:avLst/>
+          </a:prstGeom>
+        </p:spPr>
+      </p:pic>
+      <p:pic>
+        <p:nvPicPr>
+          <p:cNvPr id="6" name="Content Placeholder 6" descr="A screenshot of a cell phone&#10;&#10;Description automatically generated">
+            <a:extLst>
+              <a:ext uri="{FF2B5EF4-FFF2-40B4-BE49-F238E27FC236}">
+                <a16:creationId xmlns:a16="http://schemas.microsoft.com/office/drawing/2014/main" id="{CA3AE57D-46C6-4447-8412-5996E74E40BC}"/>
+              </a:ext>
+            </a:extLst>
+          </p:cNvPr>
+          <p:cNvPicPr>
+            <a:picLocks noChangeAspect="1"/>
+          </p:cNvPicPr>
+          <p:nvPr/>
+        </p:nvPicPr>
+        <p:blipFill rotWithShape="1">
+          <a:blip r:embed="rId5">
+            <a:extLst>
+              <a:ext uri="{28A0092B-C50C-407E-A947-70E740481C1C}">
+                <a14:useLocalDpi xmlns:a14="http://schemas.microsoft.com/office/drawing/2010/main" val="0"/>
+              </a:ext>
+            </a:extLst>
+          </a:blip>
+          <a:srcRect b="86541"/>
+          <a:stretch/>
+        </p:blipFill>
+        <p:spPr>
+          <a:xfrm>
+            <a:off x="3398520" y="3862884"/>
+            <a:ext cx="5486400" cy="817102"/>
           </a:xfrm>
           <a:prstGeom prst="rect">
             <a:avLst/>
@@ -16649,81 +16739,37 @@
           </a:p>
         </p:txBody>
       </p:sp>
-      <p:pic>
-        <p:nvPicPr>
-          <p:cNvPr id="7" name="Content Placeholder 6" descr="A screenshot of a cell phone&#10;&#10;Description automatically generated">
+      <p:sp>
+        <p:nvSpPr>
+          <p:cNvPr id="3" name="Content Placeholder 2">
             <a:extLst>
               <a:ext uri="{FF2B5EF4-FFF2-40B4-BE49-F238E27FC236}">
-                <a16:creationId xmlns:a16="http://schemas.microsoft.com/office/drawing/2014/main" id="{69549678-E870-8046-9207-DAC1AFAEB8DF}"/>
+                <a16:creationId xmlns:a16="http://schemas.microsoft.com/office/drawing/2014/main" id="{940579D2-60E5-C643-9BB5-8CAA6A591CC9}"/>
               </a:ext>
             </a:extLst>
           </p:cNvPr>
-          <p:cNvPicPr>
-            <a:picLocks noGrp="1" noChangeAspect="1"/>
-          </p:cNvPicPr>
+          <p:cNvSpPr>
+            <a:spLocks noGrp="1"/>
+          </p:cNvSpPr>
           <p:nvPr>
             <p:ph idx="1"/>
           </p:nvPr>
-        </p:nvPicPr>
-        <p:blipFill rotWithShape="1">
-          <a:blip r:embed="rId3">
-            <a:extLst>
-              <a:ext uri="{28A0092B-C50C-407E-A947-70E740481C1C}">
-                <a14:useLocalDpi xmlns:a14="http://schemas.microsoft.com/office/drawing/2010/main" val="0"/>
-              </a:ext>
-            </a:extLst>
-          </a:blip>
-          <a:srcRect b="86541"/>
-          <a:stretch/>
-        </p:blipFill>
-        <p:spPr>
-          <a:xfrm>
-            <a:off x="934695" y="1956209"/>
-            <a:ext cx="5284224" cy="786992"/>
-          </a:xfrm>
-        </p:spPr>
-      </p:pic>
+        </p:nvSpPr>
+        <p:spPr/>
+        <p:txBody>
+          <a:bodyPr/>
+          <a:lstStyle/>
+          <a:p>
+            <a:endParaRPr lang="en-US" dirty="0"/>
+          </a:p>
+        </p:txBody>
+      </p:sp>
       <p:pic>
         <p:nvPicPr>
-          <p:cNvPr id="4" name="Content Placeholder 6" descr="A screenshot of a cell phone&#10;&#10;Description automatically generated">
+          <p:cNvPr id="9" name="Picture 8" descr="A screenshot of a cell phone&#10;&#10;Description automatically generated">
             <a:extLst>
               <a:ext uri="{FF2B5EF4-FFF2-40B4-BE49-F238E27FC236}">
-                <a16:creationId xmlns:a16="http://schemas.microsoft.com/office/drawing/2014/main" id="{A088AF78-6F5D-4F41-94D2-B68BAFCB2D81}"/>
-              </a:ext>
-            </a:extLst>
-          </p:cNvPr>
-          <p:cNvPicPr>
-            <a:picLocks noChangeAspect="1"/>
-          </p:cNvPicPr>
-          <p:nvPr/>
-        </p:nvPicPr>
-        <p:blipFill rotWithShape="1">
-          <a:blip r:embed="rId4">
-            <a:extLst>
-              <a:ext uri="{28A0092B-C50C-407E-A947-70E740481C1C}">
-                <a14:useLocalDpi xmlns:a14="http://schemas.microsoft.com/office/drawing/2010/main" val="0"/>
-              </a:ext>
-            </a:extLst>
-          </a:blip>
-          <a:srcRect t="-1933" b="77629"/>
-          <a:stretch/>
-        </p:blipFill>
-        <p:spPr>
-          <a:xfrm>
-            <a:off x="949935" y="300693"/>
-            <a:ext cx="5284224" cy="1355429"/>
-          </a:xfrm>
-          <a:prstGeom prst="rect">
-            <a:avLst/>
-          </a:prstGeom>
-        </p:spPr>
-      </p:pic>
-      <p:pic>
-        <p:nvPicPr>
-          <p:cNvPr id="5" name="Picture 4" descr="A screenshot of a cell phone&#10;&#10;Description automatically generated">
-            <a:extLst>
-              <a:ext uri="{FF2B5EF4-FFF2-40B4-BE49-F238E27FC236}">
-                <a16:creationId xmlns:a16="http://schemas.microsoft.com/office/drawing/2014/main" id="{022E0388-F73F-E046-86C3-1DBE14959499}"/>
+                <a16:creationId xmlns:a16="http://schemas.microsoft.com/office/drawing/2014/main" id="{D90A2B9A-518B-7542-836C-81316D76C7BB}"/>
               </a:ext>
             </a:extLst>
           </p:cNvPr>
@@ -16740,13 +16786,13 @@
               </a:ext>
             </a:extLst>
           </a:blip>
-          <a:srcRect t="12889"/>
+          <a:srcRect t="12889" b="2898"/>
           <a:stretch/>
         </p:blipFill>
         <p:spPr>
           <a:xfrm>
-            <a:off x="6234159" y="382385"/>
-            <a:ext cx="5613405" cy="5418189"/>
+            <a:off x="3003279" y="314665"/>
+            <a:ext cx="6675120" cy="6228669"/>
           </a:xfrm>
           <a:prstGeom prst="rect">
             <a:avLst/>
@@ -16838,8 +16884,8 @@
         </p:blipFill>
         <p:spPr>
           <a:xfrm>
-            <a:off x="2145136" y="382385"/>
-            <a:ext cx="7901727" cy="6035040"/>
+            <a:off x="2596371" y="569117"/>
+            <a:ext cx="7488936" cy="5719766"/>
           </a:xfrm>
         </p:spPr>
       </p:pic>
@@ -16928,7 +16974,7 @@
         </p:blipFill>
         <p:spPr>
           <a:xfrm>
-            <a:off x="2351171" y="382385"/>
+            <a:off x="2351171" y="274320"/>
             <a:ext cx="7489658" cy="6309360"/>
           </a:xfrm>
         </p:spPr>

--- a/Presentation.pptx
+++ b/Presentation.pptx
@@ -5,17 +5,19 @@
     <p:sldMasterId id="2147483729" r:id="rId1"/>
   </p:sldMasterIdLst>
   <p:notesMasterIdLst>
-    <p:notesMasterId r:id="rId10"/>
+    <p:notesMasterId r:id="rId12"/>
   </p:notesMasterIdLst>
   <p:sldIdLst>
     <p:sldId id="258" r:id="rId2"/>
-    <p:sldId id="266" r:id="rId3"/>
-    <p:sldId id="260" r:id="rId4"/>
-    <p:sldId id="267" r:id="rId5"/>
-    <p:sldId id="268" r:id="rId6"/>
-    <p:sldId id="269" r:id="rId7"/>
-    <p:sldId id="270" r:id="rId8"/>
-    <p:sldId id="262" r:id="rId9"/>
+    <p:sldId id="272" r:id="rId3"/>
+    <p:sldId id="271" r:id="rId4"/>
+    <p:sldId id="266" r:id="rId5"/>
+    <p:sldId id="260" r:id="rId6"/>
+    <p:sldId id="267" r:id="rId7"/>
+    <p:sldId id="268" r:id="rId8"/>
+    <p:sldId id="269" r:id="rId9"/>
+    <p:sldId id="270" r:id="rId10"/>
+    <p:sldId id="262" r:id="rId11"/>
   </p:sldIdLst>
   <p:sldSz cx="12192000" cy="6858000"/>
   <p:notesSz cx="6858000" cy="9144000"/>
@@ -120,6 +122,2829 @@
     </p:ext>
   </p:extLst>
 </p:presentation>
+</file>
+
+<file path=ppt/diagrams/colors1.xml><?xml version="1.0" encoding="utf-8"?>
+<dgm:colorsDef xmlns:dgm="http://schemas.openxmlformats.org/drawingml/2006/diagram" xmlns:a="http://schemas.openxmlformats.org/drawingml/2006/main" uniqueId="urn:microsoft.com/office/officeart/2005/8/colors/colorful2">
+  <dgm:title val=""/>
+  <dgm:desc val=""/>
+  <dgm:catLst>
+    <dgm:cat type="colorful" pri="10200"/>
+  </dgm:catLst>
+  <dgm:styleLbl name="node0">
+    <dgm:fillClrLst meth="repeat">
+      <a:schemeClr val="accent1"/>
+    </dgm:fillClrLst>
+    <dgm:linClrLst meth="repeat">
+      <a:schemeClr val="lt1"/>
+    </dgm:linClrLst>
+    <dgm:effectClrLst/>
+    <dgm:txLinClrLst/>
+    <dgm:txFillClrLst/>
+    <dgm:txEffectClrLst/>
+  </dgm:styleLbl>
+  <dgm:styleLbl name="node1">
+    <dgm:fillClrLst>
+      <a:schemeClr val="accent2"/>
+      <a:schemeClr val="accent3"/>
+    </dgm:fillClrLst>
+    <dgm:linClrLst meth="repeat">
+      <a:schemeClr val="lt1"/>
+    </dgm:linClrLst>
+    <dgm:effectClrLst/>
+    <dgm:txLinClrLst/>
+    <dgm:txFillClrLst/>
+    <dgm:txEffectClrLst/>
+  </dgm:styleLbl>
+  <dgm:styleLbl name="alignNode1">
+    <dgm:fillClrLst>
+      <a:schemeClr val="accent2"/>
+      <a:schemeClr val="accent3"/>
+    </dgm:fillClrLst>
+    <dgm:linClrLst>
+      <a:schemeClr val="accent2"/>
+      <a:schemeClr val="accent3"/>
+    </dgm:linClrLst>
+    <dgm:effectClrLst/>
+    <dgm:txLinClrLst/>
+    <dgm:txFillClrLst/>
+    <dgm:txEffectClrLst/>
+  </dgm:styleLbl>
+  <dgm:styleLbl name="lnNode1">
+    <dgm:fillClrLst>
+      <a:schemeClr val="accent2"/>
+      <a:schemeClr val="accent3"/>
+    </dgm:fillClrLst>
+    <dgm:linClrLst meth="repeat">
+      <a:schemeClr val="lt1"/>
+    </dgm:linClrLst>
+    <dgm:effectClrLst/>
+    <dgm:txLinClrLst/>
+    <dgm:txFillClrLst/>
+    <dgm:txEffectClrLst/>
+  </dgm:styleLbl>
+  <dgm:styleLbl name="vennNode1">
+    <dgm:fillClrLst>
+      <a:schemeClr val="accent2">
+        <a:alpha val="50000"/>
+      </a:schemeClr>
+      <a:schemeClr val="accent3">
+        <a:alpha val="50000"/>
+      </a:schemeClr>
+    </dgm:fillClrLst>
+    <dgm:linClrLst meth="repeat">
+      <a:schemeClr val="lt1"/>
+    </dgm:linClrLst>
+    <dgm:effectClrLst/>
+    <dgm:txLinClrLst/>
+    <dgm:txFillClrLst/>
+    <dgm:txEffectClrLst/>
+  </dgm:styleLbl>
+  <dgm:styleLbl name="node2">
+    <dgm:fillClrLst>
+      <a:schemeClr val="accent3"/>
+    </dgm:fillClrLst>
+    <dgm:linClrLst meth="repeat">
+      <a:schemeClr val="lt1"/>
+    </dgm:linClrLst>
+    <dgm:effectClrLst/>
+    <dgm:txLinClrLst/>
+    <dgm:txFillClrLst/>
+    <dgm:txEffectClrLst/>
+  </dgm:styleLbl>
+  <dgm:styleLbl name="node3">
+    <dgm:fillClrLst>
+      <a:schemeClr val="accent4"/>
+    </dgm:fillClrLst>
+    <dgm:linClrLst meth="repeat">
+      <a:schemeClr val="lt1"/>
+    </dgm:linClrLst>
+    <dgm:effectClrLst/>
+    <dgm:txLinClrLst/>
+    <dgm:txFillClrLst/>
+    <dgm:txEffectClrLst/>
+  </dgm:styleLbl>
+  <dgm:styleLbl name="node4">
+    <dgm:fillClrLst>
+      <a:schemeClr val="accent5"/>
+    </dgm:fillClrLst>
+    <dgm:linClrLst meth="repeat">
+      <a:schemeClr val="lt1"/>
+    </dgm:linClrLst>
+    <dgm:effectClrLst/>
+    <dgm:txLinClrLst/>
+    <dgm:txFillClrLst/>
+    <dgm:txEffectClrLst/>
+  </dgm:styleLbl>
+  <dgm:styleLbl name="fgImgPlace1">
+    <dgm:fillClrLst>
+      <a:schemeClr val="accent2">
+        <a:tint val="50000"/>
+      </a:schemeClr>
+      <a:schemeClr val="accent3">
+        <a:tint val="50000"/>
+      </a:schemeClr>
+    </dgm:fillClrLst>
+    <dgm:linClrLst meth="repeat">
+      <a:schemeClr val="lt1"/>
+    </dgm:linClrLst>
+    <dgm:effectClrLst/>
+    <dgm:txLinClrLst/>
+    <dgm:txFillClrLst meth="repeat">
+      <a:schemeClr val="lt1"/>
+    </dgm:txFillClrLst>
+    <dgm:txEffectClrLst/>
+  </dgm:styleLbl>
+  <dgm:styleLbl name="alignImgPlace1">
+    <dgm:fillClrLst>
+      <a:schemeClr val="accent2">
+        <a:tint val="50000"/>
+      </a:schemeClr>
+      <a:schemeClr val="accent3">
+        <a:tint val="20000"/>
+      </a:schemeClr>
+    </dgm:fillClrLst>
+    <dgm:linClrLst meth="repeat">
+      <a:schemeClr val="lt1"/>
+    </dgm:linClrLst>
+    <dgm:effectClrLst/>
+    <dgm:txLinClrLst/>
+    <dgm:txFillClrLst meth="repeat">
+      <a:schemeClr val="lt1"/>
+    </dgm:txFillClrLst>
+    <dgm:txEffectClrLst/>
+  </dgm:styleLbl>
+  <dgm:styleLbl name="bgImgPlace1">
+    <dgm:fillClrLst>
+      <a:schemeClr val="accent2">
+        <a:tint val="50000"/>
+      </a:schemeClr>
+      <a:schemeClr val="accent3">
+        <a:tint val="20000"/>
+      </a:schemeClr>
+    </dgm:fillClrLst>
+    <dgm:linClrLst meth="repeat">
+      <a:schemeClr val="lt1"/>
+    </dgm:linClrLst>
+    <dgm:effectClrLst/>
+    <dgm:txLinClrLst/>
+    <dgm:txFillClrLst meth="repeat">
+      <a:schemeClr val="lt1"/>
+    </dgm:txFillClrLst>
+    <dgm:txEffectClrLst/>
+  </dgm:styleLbl>
+  <dgm:styleLbl name="sibTrans2D1">
+    <dgm:fillClrLst>
+      <a:schemeClr val="accent2"/>
+      <a:schemeClr val="accent3"/>
+    </dgm:fillClrLst>
+    <dgm:linClrLst meth="repeat">
+      <a:schemeClr val="lt1"/>
+    </dgm:linClrLst>
+    <dgm:effectClrLst/>
+    <dgm:txLinClrLst/>
+    <dgm:txFillClrLst/>
+    <dgm:txEffectClrLst/>
+  </dgm:styleLbl>
+  <dgm:styleLbl name="fgSibTrans2D1">
+    <dgm:fillClrLst>
+      <a:schemeClr val="accent2"/>
+      <a:schemeClr val="accent3"/>
+    </dgm:fillClrLst>
+    <dgm:linClrLst meth="repeat">
+      <a:schemeClr val="lt1"/>
+    </dgm:linClrLst>
+    <dgm:effectClrLst/>
+    <dgm:txLinClrLst/>
+    <dgm:txFillClrLst meth="repeat">
+      <a:schemeClr val="lt1"/>
+    </dgm:txFillClrLst>
+    <dgm:txEffectClrLst/>
+  </dgm:styleLbl>
+  <dgm:styleLbl name="bgSibTrans2D1">
+    <dgm:fillClrLst>
+      <a:schemeClr val="accent2"/>
+      <a:schemeClr val="accent3"/>
+    </dgm:fillClrLst>
+    <dgm:linClrLst meth="repeat">
+      <a:schemeClr val="lt1"/>
+    </dgm:linClrLst>
+    <dgm:effectClrLst/>
+    <dgm:txLinClrLst/>
+    <dgm:txFillClrLst meth="repeat">
+      <a:schemeClr val="lt1"/>
+    </dgm:txFillClrLst>
+    <dgm:txEffectClrLst/>
+  </dgm:styleLbl>
+  <dgm:styleLbl name="sibTrans1D1">
+    <dgm:fillClrLst/>
+    <dgm:linClrLst>
+      <a:schemeClr val="accent2"/>
+      <a:schemeClr val="accent3"/>
+    </dgm:linClrLst>
+    <dgm:effectClrLst/>
+    <dgm:txLinClrLst/>
+    <dgm:txFillClrLst meth="repeat">
+      <a:schemeClr val="tx1"/>
+    </dgm:txFillClrLst>
+    <dgm:txEffectClrLst/>
+  </dgm:styleLbl>
+  <dgm:styleLbl name="callout">
+    <dgm:fillClrLst meth="repeat">
+      <a:schemeClr val="accent2"/>
+    </dgm:fillClrLst>
+    <dgm:linClrLst meth="repeat">
+      <a:schemeClr val="accent2">
+        <a:tint val="50000"/>
+      </a:schemeClr>
+    </dgm:linClrLst>
+    <dgm:effectClrLst/>
+    <dgm:txLinClrLst/>
+    <dgm:txFillClrLst meth="repeat">
+      <a:schemeClr val="tx1"/>
+    </dgm:txFillClrLst>
+    <dgm:txEffectClrLst/>
+  </dgm:styleLbl>
+  <dgm:styleLbl name="asst0">
+    <dgm:fillClrLst meth="repeat">
+      <a:schemeClr val="accent2"/>
+    </dgm:fillClrLst>
+    <dgm:linClrLst meth="repeat">
+      <a:schemeClr val="lt1">
+        <a:shade val="80000"/>
+      </a:schemeClr>
+    </dgm:linClrLst>
+    <dgm:effectClrLst/>
+    <dgm:txLinClrLst/>
+    <dgm:txFillClrLst/>
+    <dgm:txEffectClrLst/>
+  </dgm:styleLbl>
+  <dgm:styleLbl name="asst1">
+    <dgm:fillClrLst meth="repeat">
+      <a:schemeClr val="accent3"/>
+    </dgm:fillClrLst>
+    <dgm:linClrLst meth="repeat">
+      <a:schemeClr val="lt1">
+        <a:shade val="80000"/>
+      </a:schemeClr>
+    </dgm:linClrLst>
+    <dgm:effectClrLst/>
+    <dgm:txLinClrLst/>
+    <dgm:txFillClrLst/>
+    <dgm:txEffectClrLst/>
+  </dgm:styleLbl>
+  <dgm:styleLbl name="asst2">
+    <dgm:fillClrLst>
+      <a:schemeClr val="accent4"/>
+    </dgm:fillClrLst>
+    <dgm:linClrLst meth="repeat">
+      <a:schemeClr val="lt1"/>
+    </dgm:linClrLst>
+    <dgm:effectClrLst/>
+    <dgm:txLinClrLst/>
+    <dgm:txFillClrLst/>
+    <dgm:txEffectClrLst/>
+  </dgm:styleLbl>
+  <dgm:styleLbl name="asst3">
+    <dgm:fillClrLst>
+      <a:schemeClr val="accent5"/>
+    </dgm:fillClrLst>
+    <dgm:linClrLst meth="repeat">
+      <a:schemeClr val="lt1"/>
+    </dgm:linClrLst>
+    <dgm:effectClrLst/>
+    <dgm:txLinClrLst/>
+    <dgm:txFillClrLst/>
+    <dgm:txEffectClrLst/>
+  </dgm:styleLbl>
+  <dgm:styleLbl name="asst4">
+    <dgm:fillClrLst>
+      <a:schemeClr val="accent6"/>
+    </dgm:fillClrLst>
+    <dgm:linClrLst meth="repeat">
+      <a:schemeClr val="lt1"/>
+    </dgm:linClrLst>
+    <dgm:effectClrLst/>
+    <dgm:txLinClrLst/>
+    <dgm:txFillClrLst/>
+    <dgm:txEffectClrLst/>
+  </dgm:styleLbl>
+  <dgm:styleLbl name="parChTrans2D1">
+    <dgm:fillClrLst meth="repeat">
+      <a:schemeClr val="accent2"/>
+    </dgm:fillClrLst>
+    <dgm:linClrLst meth="repeat">
+      <a:schemeClr val="lt1"/>
+    </dgm:linClrLst>
+    <dgm:effectClrLst/>
+    <dgm:txLinClrLst/>
+    <dgm:txFillClrLst meth="repeat">
+      <a:schemeClr val="lt1"/>
+    </dgm:txFillClrLst>
+    <dgm:txEffectClrLst/>
+  </dgm:styleLbl>
+  <dgm:styleLbl name="parChTrans2D2">
+    <dgm:fillClrLst meth="repeat">
+      <a:schemeClr val="accent3"/>
+    </dgm:fillClrLst>
+    <dgm:linClrLst meth="repeat">
+      <a:schemeClr val="lt1"/>
+    </dgm:linClrLst>
+    <dgm:effectClrLst/>
+    <dgm:txLinClrLst/>
+    <dgm:txFillClrLst/>
+    <dgm:txEffectClrLst/>
+  </dgm:styleLbl>
+  <dgm:styleLbl name="parChTrans2D3">
+    <dgm:fillClrLst meth="repeat">
+      <a:schemeClr val="accent4"/>
+    </dgm:fillClrLst>
+    <dgm:linClrLst meth="repeat">
+      <a:schemeClr val="lt1"/>
+    </dgm:linClrLst>
+    <dgm:effectClrLst/>
+    <dgm:txLinClrLst/>
+    <dgm:txFillClrLst/>
+    <dgm:txEffectClrLst/>
+  </dgm:styleLbl>
+  <dgm:styleLbl name="parChTrans2D4">
+    <dgm:fillClrLst meth="repeat">
+      <a:schemeClr val="accent5"/>
+    </dgm:fillClrLst>
+    <dgm:linClrLst meth="repeat">
+      <a:schemeClr val="lt1"/>
+    </dgm:linClrLst>
+    <dgm:effectClrLst/>
+    <dgm:txLinClrLst/>
+    <dgm:txFillClrLst meth="repeat">
+      <a:schemeClr val="lt1"/>
+    </dgm:txFillClrLst>
+    <dgm:txEffectClrLst/>
+  </dgm:styleLbl>
+  <dgm:styleLbl name="parChTrans1D1">
+    <dgm:fillClrLst meth="repeat">
+      <a:schemeClr val="accent2"/>
+    </dgm:fillClrLst>
+    <dgm:linClrLst meth="repeat">
+      <a:schemeClr val="accent2"/>
+    </dgm:linClrLst>
+    <dgm:effectClrLst/>
+    <dgm:txLinClrLst/>
+    <dgm:txFillClrLst meth="repeat">
+      <a:schemeClr val="tx1"/>
+    </dgm:txFillClrLst>
+    <dgm:txEffectClrLst/>
+  </dgm:styleLbl>
+  <dgm:styleLbl name="parChTrans1D2">
+    <dgm:fillClrLst meth="repeat">
+      <a:schemeClr val="accent2">
+        <a:tint val="90000"/>
+      </a:schemeClr>
+    </dgm:fillClrLst>
+    <dgm:linClrLst meth="repeat">
+      <a:schemeClr val="accent3"/>
+    </dgm:linClrLst>
+    <dgm:effectClrLst/>
+    <dgm:txLinClrLst/>
+    <dgm:txFillClrLst meth="repeat">
+      <a:schemeClr val="tx1"/>
+    </dgm:txFillClrLst>
+    <dgm:txEffectClrLst/>
+  </dgm:styleLbl>
+  <dgm:styleLbl name="parChTrans1D3">
+    <dgm:fillClrLst meth="repeat">
+      <a:schemeClr val="accent2">
+        <a:tint val="70000"/>
+      </a:schemeClr>
+    </dgm:fillClrLst>
+    <dgm:linClrLst meth="repeat">
+      <a:schemeClr val="accent4"/>
+    </dgm:linClrLst>
+    <dgm:effectClrLst/>
+    <dgm:txLinClrLst/>
+    <dgm:txFillClrLst meth="repeat">
+      <a:schemeClr val="tx1"/>
+    </dgm:txFillClrLst>
+    <dgm:txEffectClrLst/>
+  </dgm:styleLbl>
+  <dgm:styleLbl name="parChTrans1D4">
+    <dgm:fillClrLst meth="repeat">
+      <a:schemeClr val="accent2">
+        <a:tint val="50000"/>
+      </a:schemeClr>
+    </dgm:fillClrLst>
+    <dgm:linClrLst meth="repeat">
+      <a:schemeClr val="accent5"/>
+    </dgm:linClrLst>
+    <dgm:effectClrLst/>
+    <dgm:txLinClrLst/>
+    <dgm:txFillClrLst meth="repeat">
+      <a:schemeClr val="tx1"/>
+    </dgm:txFillClrLst>
+    <dgm:txEffectClrLst/>
+  </dgm:styleLbl>
+  <dgm:styleLbl name="fgAcc1">
+    <dgm:fillClrLst meth="repeat">
+      <a:schemeClr val="lt1">
+        <a:alpha val="90000"/>
+      </a:schemeClr>
+    </dgm:fillClrLst>
+    <dgm:linClrLst>
+      <a:schemeClr val="accent2"/>
+      <a:schemeClr val="accent3"/>
+    </dgm:linClrLst>
+    <dgm:effectClrLst/>
+    <dgm:txLinClrLst/>
+    <dgm:txFillClrLst meth="repeat">
+      <a:schemeClr val="dk1"/>
+    </dgm:txFillClrLst>
+    <dgm:txEffectClrLst/>
+  </dgm:styleLbl>
+  <dgm:styleLbl name="conFgAcc1">
+    <dgm:fillClrLst meth="repeat">
+      <a:schemeClr val="lt1">
+        <a:alpha val="90000"/>
+      </a:schemeClr>
+    </dgm:fillClrLst>
+    <dgm:linClrLst>
+      <a:schemeClr val="accent2"/>
+      <a:schemeClr val="accent3"/>
+    </dgm:linClrLst>
+    <dgm:effectClrLst/>
+    <dgm:txLinClrLst/>
+    <dgm:txFillClrLst meth="repeat">
+      <a:schemeClr val="dk1"/>
+    </dgm:txFillClrLst>
+    <dgm:txEffectClrLst/>
+  </dgm:styleLbl>
+  <dgm:styleLbl name="alignAcc1">
+    <dgm:fillClrLst meth="repeat">
+      <a:schemeClr val="lt1">
+        <a:alpha val="90000"/>
+      </a:schemeClr>
+    </dgm:fillClrLst>
+    <dgm:linClrLst>
+      <a:schemeClr val="accent2"/>
+      <a:schemeClr val="accent3"/>
+    </dgm:linClrLst>
+    <dgm:effectClrLst/>
+    <dgm:txLinClrLst/>
+    <dgm:txFillClrLst meth="repeat">
+      <a:schemeClr val="dk1"/>
+    </dgm:txFillClrLst>
+    <dgm:txEffectClrLst/>
+  </dgm:styleLbl>
+  <dgm:styleLbl name="trAlignAcc1">
+    <dgm:fillClrLst meth="repeat">
+      <a:schemeClr val="lt1">
+        <a:alpha val="40000"/>
+      </a:schemeClr>
+    </dgm:fillClrLst>
+    <dgm:linClrLst meth="repeat">
+      <a:schemeClr val="accent2"/>
+    </dgm:linClrLst>
+    <dgm:effectClrLst/>
+    <dgm:txLinClrLst/>
+    <dgm:txFillClrLst meth="repeat">
+      <a:schemeClr val="dk1"/>
+    </dgm:txFillClrLst>
+    <dgm:txEffectClrLst/>
+  </dgm:styleLbl>
+  <dgm:styleLbl name="bgAcc1">
+    <dgm:fillClrLst meth="repeat">
+      <a:schemeClr val="lt1">
+        <a:alpha val="90000"/>
+      </a:schemeClr>
+    </dgm:fillClrLst>
+    <dgm:linClrLst>
+      <a:schemeClr val="accent2"/>
+      <a:schemeClr val="accent3"/>
+    </dgm:linClrLst>
+    <dgm:effectClrLst/>
+    <dgm:txLinClrLst/>
+    <dgm:txFillClrLst meth="repeat">
+      <a:schemeClr val="dk1"/>
+    </dgm:txFillClrLst>
+    <dgm:txEffectClrLst/>
+  </dgm:styleLbl>
+  <dgm:styleLbl name="solidFgAcc1">
+    <dgm:fillClrLst meth="repeat">
+      <a:schemeClr val="lt1"/>
+    </dgm:fillClrLst>
+    <dgm:linClrLst>
+      <a:schemeClr val="accent2"/>
+      <a:schemeClr val="accent3"/>
+    </dgm:linClrLst>
+    <dgm:effectClrLst/>
+    <dgm:txLinClrLst/>
+    <dgm:txFillClrLst meth="repeat">
+      <a:schemeClr val="dk1"/>
+    </dgm:txFillClrLst>
+    <dgm:txEffectClrLst/>
+  </dgm:styleLbl>
+  <dgm:styleLbl name="solidAlignAcc1">
+    <dgm:fillClrLst meth="repeat">
+      <a:schemeClr val="lt1"/>
+    </dgm:fillClrLst>
+    <dgm:linClrLst>
+      <a:schemeClr val="accent2"/>
+      <a:schemeClr val="accent3"/>
+    </dgm:linClrLst>
+    <dgm:effectClrLst/>
+    <dgm:txLinClrLst/>
+    <dgm:txFillClrLst meth="repeat">
+      <a:schemeClr val="dk1"/>
+    </dgm:txFillClrLst>
+    <dgm:txEffectClrLst/>
+  </dgm:styleLbl>
+  <dgm:styleLbl name="solidBgAcc1">
+    <dgm:fillClrLst meth="repeat">
+      <a:schemeClr val="lt1"/>
+    </dgm:fillClrLst>
+    <dgm:linClrLst>
+      <a:schemeClr val="accent2"/>
+      <a:schemeClr val="accent3"/>
+    </dgm:linClrLst>
+    <dgm:effectClrLst/>
+    <dgm:txLinClrLst/>
+    <dgm:txFillClrLst meth="repeat">
+      <a:schemeClr val="dk1"/>
+    </dgm:txFillClrLst>
+    <dgm:txEffectClrLst/>
+  </dgm:styleLbl>
+  <dgm:styleLbl name="fgAccFollowNode1">
+    <dgm:fillClrLst>
+      <a:schemeClr val="accent2">
+        <a:tint val="40000"/>
+        <a:alpha val="90000"/>
+      </a:schemeClr>
+      <a:schemeClr val="accent3">
+        <a:tint val="40000"/>
+        <a:alpha val="90000"/>
+      </a:schemeClr>
+    </dgm:fillClrLst>
+    <dgm:linClrLst>
+      <a:schemeClr val="accent2">
+        <a:tint val="40000"/>
+        <a:alpha val="90000"/>
+      </a:schemeClr>
+      <a:schemeClr val="accent3">
+        <a:tint val="40000"/>
+        <a:alpha val="90000"/>
+      </a:schemeClr>
+    </dgm:linClrLst>
+    <dgm:effectClrLst/>
+    <dgm:txLinClrLst/>
+    <dgm:txFillClrLst meth="repeat">
+      <a:schemeClr val="dk1"/>
+    </dgm:txFillClrLst>
+    <dgm:txEffectClrLst/>
+  </dgm:styleLbl>
+  <dgm:styleLbl name="alignAccFollowNode1">
+    <dgm:fillClrLst>
+      <a:schemeClr val="accent2">
+        <a:tint val="40000"/>
+        <a:alpha val="90000"/>
+      </a:schemeClr>
+      <a:schemeClr val="accent3">
+        <a:tint val="40000"/>
+        <a:alpha val="90000"/>
+      </a:schemeClr>
+    </dgm:fillClrLst>
+    <dgm:linClrLst>
+      <a:schemeClr val="accent2">
+        <a:tint val="40000"/>
+        <a:alpha val="90000"/>
+      </a:schemeClr>
+      <a:schemeClr val="accent3">
+        <a:tint val="40000"/>
+        <a:alpha val="90000"/>
+      </a:schemeClr>
+    </dgm:linClrLst>
+    <dgm:effectClrLst/>
+    <dgm:txLinClrLst/>
+    <dgm:txFillClrLst meth="repeat">
+      <a:schemeClr val="dk1"/>
+    </dgm:txFillClrLst>
+    <dgm:txEffectClrLst/>
+  </dgm:styleLbl>
+  <dgm:styleLbl name="bgAccFollowNode1">
+    <dgm:fillClrLst>
+      <a:schemeClr val="accent2">
+        <a:tint val="40000"/>
+        <a:alpha val="90000"/>
+      </a:schemeClr>
+      <a:schemeClr val="accent3">
+        <a:tint val="40000"/>
+        <a:alpha val="90000"/>
+      </a:schemeClr>
+    </dgm:fillClrLst>
+    <dgm:linClrLst>
+      <a:schemeClr val="accent2">
+        <a:tint val="40000"/>
+        <a:alpha val="90000"/>
+      </a:schemeClr>
+      <a:schemeClr val="accent3">
+        <a:tint val="40000"/>
+        <a:alpha val="90000"/>
+      </a:schemeClr>
+    </dgm:linClrLst>
+    <dgm:effectClrLst/>
+    <dgm:txLinClrLst/>
+    <dgm:txFillClrLst meth="repeat">
+      <a:schemeClr val="dk1"/>
+    </dgm:txFillClrLst>
+    <dgm:txEffectClrLst/>
+  </dgm:styleLbl>
+  <dgm:styleLbl name="fgAcc0">
+    <dgm:fillClrLst meth="repeat">
+      <a:schemeClr val="lt1">
+        <a:alpha val="90000"/>
+      </a:schemeClr>
+    </dgm:fillClrLst>
+    <dgm:linClrLst>
+      <a:schemeClr val="accent1"/>
+    </dgm:linClrLst>
+    <dgm:effectClrLst/>
+    <dgm:txLinClrLst/>
+    <dgm:txFillClrLst meth="repeat">
+      <a:schemeClr val="dk1"/>
+    </dgm:txFillClrLst>
+    <dgm:txEffectClrLst/>
+  </dgm:styleLbl>
+  <dgm:styleLbl name="fgAcc2">
+    <dgm:fillClrLst meth="repeat">
+      <a:schemeClr val="lt1">
+        <a:alpha val="90000"/>
+      </a:schemeClr>
+    </dgm:fillClrLst>
+    <dgm:linClrLst>
+      <a:schemeClr val="accent3"/>
+    </dgm:linClrLst>
+    <dgm:effectClrLst/>
+    <dgm:txLinClrLst/>
+    <dgm:txFillClrLst meth="repeat">
+      <a:schemeClr val="dk1"/>
+    </dgm:txFillClrLst>
+    <dgm:txEffectClrLst/>
+  </dgm:styleLbl>
+  <dgm:styleLbl name="fgAcc3">
+    <dgm:fillClrLst meth="repeat">
+      <a:schemeClr val="lt1">
+        <a:alpha val="90000"/>
+      </a:schemeClr>
+    </dgm:fillClrLst>
+    <dgm:linClrLst>
+      <a:schemeClr val="accent4"/>
+    </dgm:linClrLst>
+    <dgm:effectClrLst/>
+    <dgm:txLinClrLst/>
+    <dgm:txFillClrLst meth="repeat">
+      <a:schemeClr val="dk1"/>
+    </dgm:txFillClrLst>
+    <dgm:txEffectClrLst/>
+  </dgm:styleLbl>
+  <dgm:styleLbl name="fgAcc4">
+    <dgm:fillClrLst meth="repeat">
+      <a:schemeClr val="lt1">
+        <a:alpha val="90000"/>
+      </a:schemeClr>
+    </dgm:fillClrLst>
+    <dgm:linClrLst>
+      <a:schemeClr val="accent5"/>
+    </dgm:linClrLst>
+    <dgm:effectClrLst/>
+    <dgm:txLinClrLst/>
+    <dgm:txFillClrLst meth="repeat">
+      <a:schemeClr val="dk1"/>
+    </dgm:txFillClrLst>
+    <dgm:txEffectClrLst/>
+  </dgm:styleLbl>
+  <dgm:styleLbl name="bgShp">
+    <dgm:fillClrLst meth="repeat">
+      <a:schemeClr val="accent2">
+        <a:tint val="40000"/>
+      </a:schemeClr>
+    </dgm:fillClrLst>
+    <dgm:linClrLst meth="repeat">
+      <a:schemeClr val="dk1"/>
+    </dgm:linClrLst>
+    <dgm:effectClrLst/>
+    <dgm:txLinClrLst/>
+    <dgm:txFillClrLst meth="repeat">
+      <a:schemeClr val="dk1"/>
+    </dgm:txFillClrLst>
+    <dgm:txEffectClrLst/>
+  </dgm:styleLbl>
+  <dgm:styleLbl name="dkBgShp">
+    <dgm:fillClrLst meth="repeat">
+      <a:schemeClr val="accent2">
+        <a:shade val="90000"/>
+      </a:schemeClr>
+    </dgm:fillClrLst>
+    <dgm:linClrLst meth="repeat">
+      <a:schemeClr val="dk1"/>
+    </dgm:linClrLst>
+    <dgm:effectClrLst/>
+    <dgm:txLinClrLst/>
+    <dgm:txFillClrLst meth="repeat">
+      <a:schemeClr val="lt1"/>
+    </dgm:txFillClrLst>
+    <dgm:txEffectClrLst/>
+  </dgm:styleLbl>
+  <dgm:styleLbl name="trBgShp">
+    <dgm:fillClrLst meth="repeat">
+      <a:schemeClr val="accent2">
+        <a:tint val="50000"/>
+        <a:alpha val="40000"/>
+      </a:schemeClr>
+    </dgm:fillClrLst>
+    <dgm:linClrLst meth="repeat">
+      <a:schemeClr val="accent2"/>
+    </dgm:linClrLst>
+    <dgm:effectClrLst/>
+    <dgm:txLinClrLst/>
+    <dgm:txFillClrLst meth="repeat">
+      <a:schemeClr val="lt1"/>
+    </dgm:txFillClrLst>
+    <dgm:txEffectClrLst/>
+  </dgm:styleLbl>
+  <dgm:styleLbl name="fgShp">
+    <dgm:fillClrLst meth="repeat">
+      <a:schemeClr val="accent2">
+        <a:tint val="40000"/>
+      </a:schemeClr>
+    </dgm:fillClrLst>
+    <dgm:linClrLst meth="repeat">
+      <a:schemeClr val="lt1"/>
+    </dgm:linClrLst>
+    <dgm:effectClrLst/>
+    <dgm:txLinClrLst/>
+    <dgm:txFillClrLst meth="repeat">
+      <a:schemeClr val="dk1"/>
+    </dgm:txFillClrLst>
+    <dgm:txEffectClrLst/>
+  </dgm:styleLbl>
+  <dgm:styleLbl name="revTx">
+    <dgm:fillClrLst meth="repeat">
+      <a:schemeClr val="lt1">
+        <a:alpha val="0"/>
+      </a:schemeClr>
+    </dgm:fillClrLst>
+    <dgm:linClrLst meth="repeat">
+      <a:schemeClr val="dk1">
+        <a:alpha val="0"/>
+      </a:schemeClr>
+    </dgm:linClrLst>
+    <dgm:effectClrLst/>
+    <dgm:txLinClrLst/>
+    <dgm:txFillClrLst meth="repeat">
+      <a:schemeClr val="tx1"/>
+    </dgm:txFillClrLst>
+    <dgm:txEffectClrLst/>
+  </dgm:styleLbl>
+</dgm:colorsDef>
+</file>
+
+<file path=ppt/diagrams/data1.xml><?xml version="1.0" encoding="utf-8"?>
+<dgm:dataModel xmlns:dgm="http://schemas.openxmlformats.org/drawingml/2006/diagram" xmlns:a="http://schemas.openxmlformats.org/drawingml/2006/main">
+  <dgm:ptLst>
+    <dgm:pt modelId="{CB5DA457-7F82-4BDA-897D-957D058800EC}" type="doc">
+      <dgm:prSet loTypeId="urn:microsoft.com/office/officeart/2005/8/layout/hierarchy1" loCatId="hierarchy" qsTypeId="urn:microsoft.com/office/officeart/2005/8/quickstyle/simple1" qsCatId="simple" csTypeId="urn:microsoft.com/office/officeart/2005/8/colors/colorful2" csCatId="colorful"/>
+      <dgm:spPr/>
+      <dgm:t>
+        <a:bodyPr/>
+        <a:lstStyle/>
+        <a:p>
+          <a:endParaRPr lang="en-US"/>
+        </a:p>
+      </dgm:t>
+    </dgm:pt>
+    <dgm:pt modelId="{03EF236B-4E79-40C9-B2CB-B2449484E6B6}">
+      <dgm:prSet/>
+      <dgm:spPr/>
+      <dgm:t>
+        <a:bodyPr/>
+        <a:lstStyle/>
+        <a:p>
+          <a:r>
+            <a:rPr lang="en-US"/>
+            <a:t>Hyperparameters are parameters that are specified prior to running machine learning algorithms that have a large effect on the predictive power of statistical models. </a:t>
+          </a:r>
+        </a:p>
+      </dgm:t>
+    </dgm:pt>
+    <dgm:pt modelId="{1D1BEBFA-BFC4-47E2-BE94-0A3F54CC091D}" type="parTrans" cxnId="{747EF2B2-F597-4C82-B109-A6B009EE4306}">
+      <dgm:prSet/>
+      <dgm:spPr/>
+      <dgm:t>
+        <a:bodyPr/>
+        <a:lstStyle/>
+        <a:p>
+          <a:endParaRPr lang="en-US"/>
+        </a:p>
+      </dgm:t>
+    </dgm:pt>
+    <dgm:pt modelId="{DA4CDC3C-38C4-4A6F-9A8D-4DA076CE6B84}" type="sibTrans" cxnId="{747EF2B2-F597-4C82-B109-A6B009EE4306}">
+      <dgm:prSet/>
+      <dgm:spPr/>
+      <dgm:t>
+        <a:bodyPr/>
+        <a:lstStyle/>
+        <a:p>
+          <a:endParaRPr lang="en-US"/>
+        </a:p>
+      </dgm:t>
+    </dgm:pt>
+    <dgm:pt modelId="{A58D000D-17D8-48A1-9720-B09207E991A3}">
+      <dgm:prSet/>
+      <dgm:spPr/>
+      <dgm:t>
+        <a:bodyPr/>
+        <a:lstStyle/>
+        <a:p>
+          <a:r>
+            <a:rPr lang="en-US"/>
+            <a:t>Knowledge of the relative importance of a hyperparameter to an algorithm and its range of values is crucial to hyperparameter tuning and creating effective models. </a:t>
+          </a:r>
+        </a:p>
+      </dgm:t>
+    </dgm:pt>
+    <dgm:pt modelId="{B8AFEA7E-71F6-422A-8972-562B26C5F631}" type="parTrans" cxnId="{A4BD9FB5-AA78-4F60-ADFB-606449195E1C}">
+      <dgm:prSet/>
+      <dgm:spPr/>
+      <dgm:t>
+        <a:bodyPr/>
+        <a:lstStyle/>
+        <a:p>
+          <a:endParaRPr lang="en-US"/>
+        </a:p>
+      </dgm:t>
+    </dgm:pt>
+    <dgm:pt modelId="{9503A72F-9D14-434E-9330-9888F1B2B2DB}" type="sibTrans" cxnId="{A4BD9FB5-AA78-4F60-ADFB-606449195E1C}">
+      <dgm:prSet/>
+      <dgm:spPr/>
+      <dgm:t>
+        <a:bodyPr/>
+        <a:lstStyle/>
+        <a:p>
+          <a:endParaRPr lang="en-US"/>
+        </a:p>
+      </dgm:t>
+    </dgm:pt>
+    <dgm:pt modelId="{0D8F351D-EB71-CD44-8298-8570BB741442}" type="pres">
+      <dgm:prSet presAssocID="{CB5DA457-7F82-4BDA-897D-957D058800EC}" presName="hierChild1" presStyleCnt="0">
+        <dgm:presLayoutVars>
+          <dgm:chPref val="1"/>
+          <dgm:dir/>
+          <dgm:animOne val="branch"/>
+          <dgm:animLvl val="lvl"/>
+          <dgm:resizeHandles/>
+        </dgm:presLayoutVars>
+      </dgm:prSet>
+      <dgm:spPr/>
+    </dgm:pt>
+    <dgm:pt modelId="{B6C29349-EE32-F14D-B786-50626D43CE08}" type="pres">
+      <dgm:prSet presAssocID="{03EF236B-4E79-40C9-B2CB-B2449484E6B6}" presName="hierRoot1" presStyleCnt="0"/>
+      <dgm:spPr/>
+    </dgm:pt>
+    <dgm:pt modelId="{051DAAA5-3894-E648-9DC3-2AF8C468F639}" type="pres">
+      <dgm:prSet presAssocID="{03EF236B-4E79-40C9-B2CB-B2449484E6B6}" presName="composite" presStyleCnt="0"/>
+      <dgm:spPr/>
+    </dgm:pt>
+    <dgm:pt modelId="{C83815B3-45A2-064F-995F-5F2D25068977}" type="pres">
+      <dgm:prSet presAssocID="{03EF236B-4E79-40C9-B2CB-B2449484E6B6}" presName="background" presStyleLbl="node0" presStyleIdx="0" presStyleCnt="2"/>
+      <dgm:spPr/>
+    </dgm:pt>
+    <dgm:pt modelId="{EB76D59A-DD20-C940-BC7E-F2711AD22934}" type="pres">
+      <dgm:prSet presAssocID="{03EF236B-4E79-40C9-B2CB-B2449484E6B6}" presName="text" presStyleLbl="fgAcc0" presStyleIdx="0" presStyleCnt="2">
+        <dgm:presLayoutVars>
+          <dgm:chPref val="3"/>
+        </dgm:presLayoutVars>
+      </dgm:prSet>
+      <dgm:spPr/>
+    </dgm:pt>
+    <dgm:pt modelId="{36FEDDEE-9675-804C-9A24-F0EBA6CA5739}" type="pres">
+      <dgm:prSet presAssocID="{03EF236B-4E79-40C9-B2CB-B2449484E6B6}" presName="hierChild2" presStyleCnt="0"/>
+      <dgm:spPr/>
+    </dgm:pt>
+    <dgm:pt modelId="{6E96DD52-805D-A14A-8994-7857099805C8}" type="pres">
+      <dgm:prSet presAssocID="{A58D000D-17D8-48A1-9720-B09207E991A3}" presName="hierRoot1" presStyleCnt="0"/>
+      <dgm:spPr/>
+    </dgm:pt>
+    <dgm:pt modelId="{8F68A39E-C04D-F44C-8481-D47B835B3617}" type="pres">
+      <dgm:prSet presAssocID="{A58D000D-17D8-48A1-9720-B09207E991A3}" presName="composite" presStyleCnt="0"/>
+      <dgm:spPr/>
+    </dgm:pt>
+    <dgm:pt modelId="{EDB00A9D-5946-9241-8C80-202180BF93C8}" type="pres">
+      <dgm:prSet presAssocID="{A58D000D-17D8-48A1-9720-B09207E991A3}" presName="background" presStyleLbl="node0" presStyleIdx="1" presStyleCnt="2"/>
+      <dgm:spPr/>
+    </dgm:pt>
+    <dgm:pt modelId="{85C52269-0C83-8145-BD7B-BBEA4DF8440D}" type="pres">
+      <dgm:prSet presAssocID="{A58D000D-17D8-48A1-9720-B09207E991A3}" presName="text" presStyleLbl="fgAcc0" presStyleIdx="1" presStyleCnt="2">
+        <dgm:presLayoutVars>
+          <dgm:chPref val="3"/>
+        </dgm:presLayoutVars>
+      </dgm:prSet>
+      <dgm:spPr/>
+    </dgm:pt>
+    <dgm:pt modelId="{7067883E-6B57-5F42-94C0-35B5E4FCB8E5}" type="pres">
+      <dgm:prSet presAssocID="{A58D000D-17D8-48A1-9720-B09207E991A3}" presName="hierChild2" presStyleCnt="0"/>
+      <dgm:spPr/>
+    </dgm:pt>
+  </dgm:ptLst>
+  <dgm:cxnLst>
+    <dgm:cxn modelId="{8A7B8E2E-C6E3-744F-82E4-9B1A8CFD023B}" type="presOf" srcId="{CB5DA457-7F82-4BDA-897D-957D058800EC}" destId="{0D8F351D-EB71-CD44-8298-8570BB741442}" srcOrd="0" destOrd="0" presId="urn:microsoft.com/office/officeart/2005/8/layout/hierarchy1"/>
+    <dgm:cxn modelId="{00FA2862-5700-944B-BB4F-648078C1BA59}" type="presOf" srcId="{03EF236B-4E79-40C9-B2CB-B2449484E6B6}" destId="{EB76D59A-DD20-C940-BC7E-F2711AD22934}" srcOrd="0" destOrd="0" presId="urn:microsoft.com/office/officeart/2005/8/layout/hierarchy1"/>
+    <dgm:cxn modelId="{9252787A-59DE-2247-BFAC-B96424BB1416}" type="presOf" srcId="{A58D000D-17D8-48A1-9720-B09207E991A3}" destId="{85C52269-0C83-8145-BD7B-BBEA4DF8440D}" srcOrd="0" destOrd="0" presId="urn:microsoft.com/office/officeart/2005/8/layout/hierarchy1"/>
+    <dgm:cxn modelId="{747EF2B2-F597-4C82-B109-A6B009EE4306}" srcId="{CB5DA457-7F82-4BDA-897D-957D058800EC}" destId="{03EF236B-4E79-40C9-B2CB-B2449484E6B6}" srcOrd="0" destOrd="0" parTransId="{1D1BEBFA-BFC4-47E2-BE94-0A3F54CC091D}" sibTransId="{DA4CDC3C-38C4-4A6F-9A8D-4DA076CE6B84}"/>
+    <dgm:cxn modelId="{A4BD9FB5-AA78-4F60-ADFB-606449195E1C}" srcId="{CB5DA457-7F82-4BDA-897D-957D058800EC}" destId="{A58D000D-17D8-48A1-9720-B09207E991A3}" srcOrd="1" destOrd="0" parTransId="{B8AFEA7E-71F6-422A-8972-562B26C5F631}" sibTransId="{9503A72F-9D14-434E-9330-9888F1B2B2DB}"/>
+    <dgm:cxn modelId="{5E98C707-DDD3-C54C-AAB0-1B7DCFCA002A}" type="presParOf" srcId="{0D8F351D-EB71-CD44-8298-8570BB741442}" destId="{B6C29349-EE32-F14D-B786-50626D43CE08}" srcOrd="0" destOrd="0" presId="urn:microsoft.com/office/officeart/2005/8/layout/hierarchy1"/>
+    <dgm:cxn modelId="{82B8B543-A96A-2240-8343-9183E410E9B9}" type="presParOf" srcId="{B6C29349-EE32-F14D-B786-50626D43CE08}" destId="{051DAAA5-3894-E648-9DC3-2AF8C468F639}" srcOrd="0" destOrd="0" presId="urn:microsoft.com/office/officeart/2005/8/layout/hierarchy1"/>
+    <dgm:cxn modelId="{B9CDB5AE-BDC7-554D-BF58-723D86E51668}" type="presParOf" srcId="{051DAAA5-3894-E648-9DC3-2AF8C468F639}" destId="{C83815B3-45A2-064F-995F-5F2D25068977}" srcOrd="0" destOrd="0" presId="urn:microsoft.com/office/officeart/2005/8/layout/hierarchy1"/>
+    <dgm:cxn modelId="{3099540B-C31D-F441-BCE5-95FD9F33C882}" type="presParOf" srcId="{051DAAA5-3894-E648-9DC3-2AF8C468F639}" destId="{EB76D59A-DD20-C940-BC7E-F2711AD22934}" srcOrd="1" destOrd="0" presId="urn:microsoft.com/office/officeart/2005/8/layout/hierarchy1"/>
+    <dgm:cxn modelId="{7C79AEDC-82E3-D441-880C-2B9A37AF3A39}" type="presParOf" srcId="{B6C29349-EE32-F14D-B786-50626D43CE08}" destId="{36FEDDEE-9675-804C-9A24-F0EBA6CA5739}" srcOrd="1" destOrd="0" presId="urn:microsoft.com/office/officeart/2005/8/layout/hierarchy1"/>
+    <dgm:cxn modelId="{5CAC6F97-135C-1E4C-A8A2-ECC7DF14372A}" type="presParOf" srcId="{0D8F351D-EB71-CD44-8298-8570BB741442}" destId="{6E96DD52-805D-A14A-8994-7857099805C8}" srcOrd="1" destOrd="0" presId="urn:microsoft.com/office/officeart/2005/8/layout/hierarchy1"/>
+    <dgm:cxn modelId="{E2E04DA0-60B8-A84B-9B82-02C6F1C3A098}" type="presParOf" srcId="{6E96DD52-805D-A14A-8994-7857099805C8}" destId="{8F68A39E-C04D-F44C-8481-D47B835B3617}" srcOrd="0" destOrd="0" presId="urn:microsoft.com/office/officeart/2005/8/layout/hierarchy1"/>
+    <dgm:cxn modelId="{77AD9347-444D-BF4E-8621-6E3B9260F201}" type="presParOf" srcId="{8F68A39E-C04D-F44C-8481-D47B835B3617}" destId="{EDB00A9D-5946-9241-8C80-202180BF93C8}" srcOrd="0" destOrd="0" presId="urn:microsoft.com/office/officeart/2005/8/layout/hierarchy1"/>
+    <dgm:cxn modelId="{BAF5CE13-9385-F348-AA2B-E64D00E2689D}" type="presParOf" srcId="{8F68A39E-C04D-F44C-8481-D47B835B3617}" destId="{85C52269-0C83-8145-BD7B-BBEA4DF8440D}" srcOrd="1" destOrd="0" presId="urn:microsoft.com/office/officeart/2005/8/layout/hierarchy1"/>
+    <dgm:cxn modelId="{16A85914-7985-4441-8EA4-AE387A59FB58}" type="presParOf" srcId="{6E96DD52-805D-A14A-8994-7857099805C8}" destId="{7067883E-6B57-5F42-94C0-35B5E4FCB8E5}" srcOrd="1" destOrd="0" presId="urn:microsoft.com/office/officeart/2005/8/layout/hierarchy1"/>
+  </dgm:cxnLst>
+  <dgm:bg/>
+  <dgm:whole/>
+  <dgm:extLst>
+    <a:ext uri="http://schemas.microsoft.com/office/drawing/2008/diagram">
+      <dsp:dataModelExt xmlns:dsp="http://schemas.microsoft.com/office/drawing/2008/diagram" relId="rId7" minVer="http://schemas.openxmlformats.org/drawingml/2006/diagram"/>
+    </a:ext>
+  </dgm:extLst>
+</dgm:dataModel>
+</file>
+
+<file path=ppt/diagrams/drawing1.xml><?xml version="1.0" encoding="utf-8"?>
+<dsp:drawing xmlns:dgm="http://schemas.openxmlformats.org/drawingml/2006/diagram" xmlns:dsp="http://schemas.microsoft.com/office/drawing/2008/diagram" xmlns:a="http://schemas.openxmlformats.org/drawingml/2006/main">
+  <dsp:spTree>
+    <dsp:nvGrpSpPr>
+      <dsp:cNvPr id="0" name=""/>
+      <dsp:cNvGrpSpPr/>
+    </dsp:nvGrpSpPr>
+    <dsp:grpSpPr/>
+    <dsp:sp modelId="{C83815B3-45A2-064F-995F-5F2D25068977}">
+      <dsp:nvSpPr>
+        <dsp:cNvPr id="0" name=""/>
+        <dsp:cNvSpPr/>
+      </dsp:nvSpPr>
+      <dsp:spPr>
+        <a:xfrm>
+          <a:off x="1242" y="182126"/>
+          <a:ext cx="4361384" cy="2769479"/>
+        </a:xfrm>
+        <a:prstGeom prst="roundRect">
+          <a:avLst>
+            <a:gd name="adj" fmla="val 10000"/>
+          </a:avLst>
+        </a:prstGeom>
+        <a:solidFill>
+          <a:schemeClr val="accent1">
+            <a:hueOff val="0"/>
+            <a:satOff val="0"/>
+            <a:lumOff val="0"/>
+            <a:alphaOff val="0"/>
+          </a:schemeClr>
+        </a:solidFill>
+        <a:ln w="12700" cap="flat" cmpd="sng" algn="in">
+          <a:solidFill>
+            <a:schemeClr val="lt1">
+              <a:hueOff val="0"/>
+              <a:satOff val="0"/>
+              <a:lumOff val="0"/>
+              <a:alphaOff val="0"/>
+            </a:schemeClr>
+          </a:solidFill>
+          <a:prstDash val="solid"/>
+        </a:ln>
+        <a:effectLst/>
+      </dsp:spPr>
+      <dsp:style>
+        <a:lnRef idx="2">
+          <a:scrgbClr r="0" g="0" b="0"/>
+        </a:lnRef>
+        <a:fillRef idx="1">
+          <a:scrgbClr r="0" g="0" b="0"/>
+        </a:fillRef>
+        <a:effectRef idx="0">
+          <a:scrgbClr r="0" g="0" b="0"/>
+        </a:effectRef>
+        <a:fontRef idx="minor">
+          <a:schemeClr val="lt1"/>
+        </a:fontRef>
+      </dsp:style>
+    </dsp:sp>
+    <dsp:sp modelId="{EB76D59A-DD20-C940-BC7E-F2711AD22934}">
+      <dsp:nvSpPr>
+        <dsp:cNvPr id="0" name=""/>
+        <dsp:cNvSpPr/>
+      </dsp:nvSpPr>
+      <dsp:spPr>
+        <a:xfrm>
+          <a:off x="485840" y="642494"/>
+          <a:ext cx="4361384" cy="2769479"/>
+        </a:xfrm>
+        <a:prstGeom prst="roundRect">
+          <a:avLst>
+            <a:gd name="adj" fmla="val 10000"/>
+          </a:avLst>
+        </a:prstGeom>
+        <a:solidFill>
+          <a:schemeClr val="lt1">
+            <a:alpha val="90000"/>
+            <a:hueOff val="0"/>
+            <a:satOff val="0"/>
+            <a:lumOff val="0"/>
+            <a:alphaOff val="0"/>
+          </a:schemeClr>
+        </a:solidFill>
+        <a:ln w="12700" cap="flat" cmpd="sng" algn="in">
+          <a:solidFill>
+            <a:schemeClr val="accent1">
+              <a:hueOff val="0"/>
+              <a:satOff val="0"/>
+              <a:lumOff val="0"/>
+              <a:alphaOff val="0"/>
+            </a:schemeClr>
+          </a:solidFill>
+          <a:prstDash val="solid"/>
+        </a:ln>
+        <a:effectLst/>
+      </dsp:spPr>
+      <dsp:style>
+        <a:lnRef idx="2">
+          <a:scrgbClr r="0" g="0" b="0"/>
+        </a:lnRef>
+        <a:fillRef idx="1">
+          <a:scrgbClr r="0" g="0" b="0"/>
+        </a:fillRef>
+        <a:effectRef idx="0">
+          <a:scrgbClr r="0" g="0" b="0"/>
+        </a:effectRef>
+        <a:fontRef idx="minor"/>
+      </dsp:style>
+      <dsp:txBody>
+        <a:bodyPr spcFirstLastPara="0" vert="horz" wrap="square" lIns="95250" tIns="95250" rIns="95250" bIns="95250" numCol="1" spcCol="1270" anchor="ctr" anchorCtr="0">
+          <a:noAutofit/>
+        </a:bodyPr>
+        <a:lstStyle/>
+        <a:p>
+          <a:pPr marL="0" lvl="0" indent="0" algn="ctr" defTabSz="1111250">
+            <a:lnSpc>
+              <a:spcPct val="90000"/>
+            </a:lnSpc>
+            <a:spcBef>
+              <a:spcPct val="0"/>
+            </a:spcBef>
+            <a:spcAft>
+              <a:spcPct val="35000"/>
+            </a:spcAft>
+            <a:buNone/>
+          </a:pPr>
+          <a:r>
+            <a:rPr lang="en-US" sz="2500" kern="1200"/>
+            <a:t>Hyperparameters are parameters that are specified prior to running machine learning algorithms that have a large effect on the predictive power of statistical models. </a:t>
+          </a:r>
+        </a:p>
+      </dsp:txBody>
+      <dsp:txXfrm>
+        <a:off x="566955" y="723609"/>
+        <a:ext cx="4199154" cy="2607249"/>
+      </dsp:txXfrm>
+    </dsp:sp>
+    <dsp:sp modelId="{EDB00A9D-5946-9241-8C80-202180BF93C8}">
+      <dsp:nvSpPr>
+        <dsp:cNvPr id="0" name=""/>
+        <dsp:cNvSpPr/>
+      </dsp:nvSpPr>
+      <dsp:spPr>
+        <a:xfrm>
+          <a:off x="5331824" y="182126"/>
+          <a:ext cx="4361384" cy="2769479"/>
+        </a:xfrm>
+        <a:prstGeom prst="roundRect">
+          <a:avLst>
+            <a:gd name="adj" fmla="val 10000"/>
+          </a:avLst>
+        </a:prstGeom>
+        <a:solidFill>
+          <a:schemeClr val="accent1">
+            <a:hueOff val="0"/>
+            <a:satOff val="0"/>
+            <a:lumOff val="0"/>
+            <a:alphaOff val="0"/>
+          </a:schemeClr>
+        </a:solidFill>
+        <a:ln w="12700" cap="flat" cmpd="sng" algn="in">
+          <a:solidFill>
+            <a:schemeClr val="lt1">
+              <a:hueOff val="0"/>
+              <a:satOff val="0"/>
+              <a:lumOff val="0"/>
+              <a:alphaOff val="0"/>
+            </a:schemeClr>
+          </a:solidFill>
+          <a:prstDash val="solid"/>
+        </a:ln>
+        <a:effectLst/>
+      </dsp:spPr>
+      <dsp:style>
+        <a:lnRef idx="2">
+          <a:scrgbClr r="0" g="0" b="0"/>
+        </a:lnRef>
+        <a:fillRef idx="1">
+          <a:scrgbClr r="0" g="0" b="0"/>
+        </a:fillRef>
+        <a:effectRef idx="0">
+          <a:scrgbClr r="0" g="0" b="0"/>
+        </a:effectRef>
+        <a:fontRef idx="minor">
+          <a:schemeClr val="lt1"/>
+        </a:fontRef>
+      </dsp:style>
+    </dsp:sp>
+    <dsp:sp modelId="{85C52269-0C83-8145-BD7B-BBEA4DF8440D}">
+      <dsp:nvSpPr>
+        <dsp:cNvPr id="0" name=""/>
+        <dsp:cNvSpPr/>
+      </dsp:nvSpPr>
+      <dsp:spPr>
+        <a:xfrm>
+          <a:off x="5816422" y="642494"/>
+          <a:ext cx="4361384" cy="2769479"/>
+        </a:xfrm>
+        <a:prstGeom prst="roundRect">
+          <a:avLst>
+            <a:gd name="adj" fmla="val 10000"/>
+          </a:avLst>
+        </a:prstGeom>
+        <a:solidFill>
+          <a:schemeClr val="lt1">
+            <a:alpha val="90000"/>
+            <a:hueOff val="0"/>
+            <a:satOff val="0"/>
+            <a:lumOff val="0"/>
+            <a:alphaOff val="0"/>
+          </a:schemeClr>
+        </a:solidFill>
+        <a:ln w="12700" cap="flat" cmpd="sng" algn="in">
+          <a:solidFill>
+            <a:schemeClr val="accent1">
+              <a:hueOff val="0"/>
+              <a:satOff val="0"/>
+              <a:lumOff val="0"/>
+              <a:alphaOff val="0"/>
+            </a:schemeClr>
+          </a:solidFill>
+          <a:prstDash val="solid"/>
+        </a:ln>
+        <a:effectLst/>
+      </dsp:spPr>
+      <dsp:style>
+        <a:lnRef idx="2">
+          <a:scrgbClr r="0" g="0" b="0"/>
+        </a:lnRef>
+        <a:fillRef idx="1">
+          <a:scrgbClr r="0" g="0" b="0"/>
+        </a:fillRef>
+        <a:effectRef idx="0">
+          <a:scrgbClr r="0" g="0" b="0"/>
+        </a:effectRef>
+        <a:fontRef idx="minor"/>
+      </dsp:style>
+      <dsp:txBody>
+        <a:bodyPr spcFirstLastPara="0" vert="horz" wrap="square" lIns="95250" tIns="95250" rIns="95250" bIns="95250" numCol="1" spcCol="1270" anchor="ctr" anchorCtr="0">
+          <a:noAutofit/>
+        </a:bodyPr>
+        <a:lstStyle/>
+        <a:p>
+          <a:pPr marL="0" lvl="0" indent="0" algn="ctr" defTabSz="1111250">
+            <a:lnSpc>
+              <a:spcPct val="90000"/>
+            </a:lnSpc>
+            <a:spcBef>
+              <a:spcPct val="0"/>
+            </a:spcBef>
+            <a:spcAft>
+              <a:spcPct val="35000"/>
+            </a:spcAft>
+            <a:buNone/>
+          </a:pPr>
+          <a:r>
+            <a:rPr lang="en-US" sz="2500" kern="1200"/>
+            <a:t>Knowledge of the relative importance of a hyperparameter to an algorithm and its range of values is crucial to hyperparameter tuning and creating effective models. </a:t>
+          </a:r>
+        </a:p>
+      </dsp:txBody>
+      <dsp:txXfrm>
+        <a:off x="5897537" y="723609"/>
+        <a:ext cx="4199154" cy="2607249"/>
+      </dsp:txXfrm>
+    </dsp:sp>
+  </dsp:spTree>
+</dsp:drawing>
+</file>
+
+<file path=ppt/diagrams/layout1.xml><?xml version="1.0" encoding="utf-8"?>
+<dgm:layoutDef xmlns:dgm="http://schemas.openxmlformats.org/drawingml/2006/diagram" xmlns:a="http://schemas.openxmlformats.org/drawingml/2006/main" uniqueId="urn:microsoft.com/office/officeart/2005/8/layout/hierarchy1">
+  <dgm:title val=""/>
+  <dgm:desc val=""/>
+  <dgm:catLst>
+    <dgm:cat type="hierarchy" pri="2000"/>
+  </dgm:catLst>
+  <dgm:sampData>
+    <dgm:dataModel>
+      <dgm:ptLst>
+        <dgm:pt modelId="0" type="doc"/>
+        <dgm:pt modelId="1">
+          <dgm:prSet phldr="1"/>
+        </dgm:pt>
+        <dgm:pt modelId="2">
+          <dgm:prSet phldr="1"/>
+        </dgm:pt>
+        <dgm:pt modelId="21">
+          <dgm:prSet phldr="1"/>
+        </dgm:pt>
+        <dgm:pt modelId="22">
+          <dgm:prSet phldr="1"/>
+        </dgm:pt>
+        <dgm:pt modelId="3">
+          <dgm:prSet phldr="1"/>
+        </dgm:pt>
+        <dgm:pt modelId="31">
+          <dgm:prSet phldr="1"/>
+        </dgm:pt>
+      </dgm:ptLst>
+      <dgm:cxnLst>
+        <dgm:cxn modelId="4" srcId="0" destId="1" srcOrd="0" destOrd="0"/>
+        <dgm:cxn modelId="5" srcId="1" destId="2" srcOrd="0" destOrd="0"/>
+        <dgm:cxn modelId="6" srcId="1" destId="3" srcOrd="1" destOrd="0"/>
+        <dgm:cxn modelId="23" srcId="2" destId="21" srcOrd="0" destOrd="0"/>
+        <dgm:cxn modelId="24" srcId="2" destId="22" srcOrd="1" destOrd="0"/>
+        <dgm:cxn modelId="33" srcId="3" destId="31" srcOrd="0" destOrd="0"/>
+      </dgm:cxnLst>
+      <dgm:bg/>
+      <dgm:whole/>
+    </dgm:dataModel>
+  </dgm:sampData>
+  <dgm:styleData>
+    <dgm:dataModel>
+      <dgm:ptLst>
+        <dgm:pt modelId="0" type="doc"/>
+        <dgm:pt modelId="1"/>
+        <dgm:pt modelId="11"/>
+        <dgm:pt modelId="12"/>
+      </dgm:ptLst>
+      <dgm:cxnLst>
+        <dgm:cxn modelId="2" srcId="0" destId="1" srcOrd="0" destOrd="0"/>
+        <dgm:cxn modelId="13" srcId="1" destId="11" srcOrd="0" destOrd="0"/>
+        <dgm:cxn modelId="14" srcId="1" destId="12" srcOrd="1" destOrd="0"/>
+      </dgm:cxnLst>
+      <dgm:bg/>
+      <dgm:whole/>
+    </dgm:dataModel>
+  </dgm:styleData>
+  <dgm:clrData>
+    <dgm:dataModel>
+      <dgm:ptLst>
+        <dgm:pt modelId="0" type="doc"/>
+        <dgm:pt modelId="1"/>
+        <dgm:pt modelId="2"/>
+        <dgm:pt modelId="21"/>
+        <dgm:pt modelId="211"/>
+        <dgm:pt modelId="3"/>
+        <dgm:pt modelId="31"/>
+        <dgm:pt modelId="311"/>
+      </dgm:ptLst>
+      <dgm:cxnLst>
+        <dgm:cxn modelId="4" srcId="0" destId="1" srcOrd="0" destOrd="0"/>
+        <dgm:cxn modelId="5" srcId="1" destId="2" srcOrd="0" destOrd="0"/>
+        <dgm:cxn modelId="6" srcId="1" destId="3" srcOrd="1" destOrd="0"/>
+        <dgm:cxn modelId="23" srcId="2" destId="21" srcOrd="0" destOrd="0"/>
+        <dgm:cxn modelId="24" srcId="21" destId="211" srcOrd="0" destOrd="0"/>
+        <dgm:cxn modelId="33" srcId="3" destId="31" srcOrd="0" destOrd="0"/>
+        <dgm:cxn modelId="34" srcId="31" destId="311" srcOrd="0" destOrd="0"/>
+      </dgm:cxnLst>
+      <dgm:bg/>
+      <dgm:whole/>
+    </dgm:dataModel>
+  </dgm:clrData>
+  <dgm:layoutNode name="hierChild1">
+    <dgm:varLst>
+      <dgm:chPref val="1"/>
+      <dgm:dir/>
+      <dgm:animOne val="branch"/>
+      <dgm:animLvl val="lvl"/>
+      <dgm:resizeHandles/>
+    </dgm:varLst>
+    <dgm:choose name="Name0">
+      <dgm:if name="Name1" func="var" arg="dir" op="equ" val="norm">
+        <dgm:alg type="hierChild">
+          <dgm:param type="linDir" val="fromL"/>
+        </dgm:alg>
+      </dgm:if>
+      <dgm:else name="Name2">
+        <dgm:alg type="hierChild">
+          <dgm:param type="linDir" val="fromR"/>
+        </dgm:alg>
+      </dgm:else>
+    </dgm:choose>
+    <dgm:shape xmlns:r="http://schemas.openxmlformats.org/officeDocument/2006/relationships" r:blip="">
+      <dgm:adjLst/>
+    </dgm:shape>
+    <dgm:presOf/>
+    <dgm:constrLst>
+      <dgm:constr type="primFontSz" for="des" ptType="node" op="equ" val="65"/>
+      <dgm:constr type="w" for="des" forName="composite" refType="w"/>
+      <dgm:constr type="h" for="des" forName="composite" refType="w" refFor="des" refForName="composite" fact="0.667"/>
+      <dgm:constr type="w" for="des" forName="composite2" refType="w" refFor="des" refForName="composite"/>
+      <dgm:constr type="h" for="des" forName="composite2" refType="h" refFor="des" refForName="composite"/>
+      <dgm:constr type="w" for="des" forName="composite3" refType="w" refFor="des" refForName="composite"/>
+      <dgm:constr type="h" for="des" forName="composite3" refType="h" refFor="des" refForName="composite"/>
+      <dgm:constr type="w" for="des" forName="composite4" refType="w" refFor="des" refForName="composite"/>
+      <dgm:constr type="h" for="des" forName="composite4" refType="h" refFor="des" refForName="composite"/>
+      <dgm:constr type="w" for="des" forName="composite5" refType="w" refFor="des" refForName="composite"/>
+      <dgm:constr type="h" for="des" forName="composite5" refType="h" refFor="des" refForName="composite"/>
+      <dgm:constr type="sibSp" refType="w" refFor="des" refForName="composite" fact="0.1"/>
+      <dgm:constr type="sibSp" for="des" forName="hierChild2" refType="sibSp"/>
+      <dgm:constr type="sibSp" for="des" forName="hierChild3" refType="sibSp"/>
+      <dgm:constr type="sibSp" for="des" forName="hierChild4" refType="sibSp"/>
+      <dgm:constr type="sibSp" for="des" forName="hierChild5" refType="sibSp"/>
+      <dgm:constr type="sibSp" for="des" forName="hierChild6" refType="sibSp"/>
+      <dgm:constr type="sp" for="des" forName="hierRoot1" refType="h" refFor="des" refForName="composite" fact="0.25"/>
+      <dgm:constr type="sp" for="des" forName="hierRoot2" refType="sp" refFor="des" refForName="hierRoot1"/>
+      <dgm:constr type="sp" for="des" forName="hierRoot3" refType="sp" refFor="des" refForName="hierRoot1"/>
+      <dgm:constr type="sp" for="des" forName="hierRoot4" refType="sp" refFor="des" refForName="hierRoot1"/>
+      <dgm:constr type="sp" for="des" forName="hierRoot5" refType="sp" refFor="des" refForName="hierRoot1"/>
+    </dgm:constrLst>
+    <dgm:ruleLst/>
+    <dgm:forEach name="Name3" axis="ch">
+      <dgm:forEach name="Name4" axis="self" ptType="node">
+        <dgm:layoutNode name="hierRoot1">
+          <dgm:alg type="hierRoot"/>
+          <dgm:shape xmlns:r="http://schemas.openxmlformats.org/officeDocument/2006/relationships" r:blip="">
+            <dgm:adjLst/>
+          </dgm:shape>
+          <dgm:presOf/>
+          <dgm:constrLst>
+            <dgm:constr type="bendDist" for="des" ptType="parTrans" refType="sp" fact="0.5"/>
+          </dgm:constrLst>
+          <dgm:ruleLst/>
+          <dgm:layoutNode name="composite">
+            <dgm:alg type="composite"/>
+            <dgm:shape xmlns:r="http://schemas.openxmlformats.org/officeDocument/2006/relationships" r:blip="">
+              <dgm:adjLst/>
+            </dgm:shape>
+            <dgm:presOf/>
+            <dgm:constrLst>
+              <dgm:constr type="w" for="ch" forName="background" refType="w" fact="0.9"/>
+              <dgm:constr type="h" for="ch" forName="background" refType="w" refFor="ch" refForName="background" fact="0.635"/>
+              <dgm:constr type="t" for="ch" forName="background"/>
+              <dgm:constr type="l" for="ch" forName="background"/>
+              <dgm:constr type="w" for="ch" forName="text" refType="w" fact="0.9"/>
+              <dgm:constr type="h" for="ch" forName="text" refType="w" refFor="ch" refForName="text" fact="0.635"/>
+              <dgm:constr type="t" for="ch" forName="text" refType="w" fact="0.095"/>
+              <dgm:constr type="l" for="ch" forName="text" refType="w" fact="0.1"/>
+            </dgm:constrLst>
+            <dgm:ruleLst/>
+            <dgm:layoutNode name="background" styleLbl="node0" moveWith="text">
+              <dgm:alg type="sp"/>
+              <dgm:shape xmlns:r="http://schemas.openxmlformats.org/officeDocument/2006/relationships" type="roundRect" r:blip="">
+                <dgm:adjLst>
+                  <dgm:adj idx="1" val="0.1"/>
+                </dgm:adjLst>
+              </dgm:shape>
+              <dgm:presOf/>
+              <dgm:constrLst/>
+              <dgm:ruleLst/>
+            </dgm:layoutNode>
+            <dgm:layoutNode name="text" styleLbl="fgAcc0">
+              <dgm:varLst>
+                <dgm:chPref val="3"/>
+              </dgm:varLst>
+              <dgm:alg type="tx"/>
+              <dgm:shape xmlns:r="http://schemas.openxmlformats.org/officeDocument/2006/relationships" type="roundRect" r:blip="">
+                <dgm:adjLst>
+                  <dgm:adj idx="1" val="0.1"/>
+                </dgm:adjLst>
+              </dgm:shape>
+              <dgm:presOf axis="self"/>
+              <dgm:constrLst>
+                <dgm:constr type="tMarg" refType="primFontSz" fact="0.3"/>
+                <dgm:constr type="bMarg" refType="primFontSz" fact="0.3"/>
+                <dgm:constr type="lMarg" refType="primFontSz" fact="0.3"/>
+                <dgm:constr type="rMarg" refType="primFontSz" fact="0.3"/>
+              </dgm:constrLst>
+              <dgm:ruleLst>
+                <dgm:rule type="primFontSz" val="5" fact="NaN" max="NaN"/>
+              </dgm:ruleLst>
+            </dgm:layoutNode>
+          </dgm:layoutNode>
+          <dgm:layoutNode name="hierChild2">
+            <dgm:choose name="Name5">
+              <dgm:if name="Name6" func="var" arg="dir" op="equ" val="norm">
+                <dgm:alg type="hierChild">
+                  <dgm:param type="linDir" val="fromL"/>
+                </dgm:alg>
+              </dgm:if>
+              <dgm:else name="Name7">
+                <dgm:alg type="hierChild">
+                  <dgm:param type="linDir" val="fromR"/>
+                </dgm:alg>
+              </dgm:else>
+            </dgm:choose>
+            <dgm:shape xmlns:r="http://schemas.openxmlformats.org/officeDocument/2006/relationships" r:blip="">
+              <dgm:adjLst/>
+            </dgm:shape>
+            <dgm:presOf/>
+            <dgm:constrLst/>
+            <dgm:ruleLst/>
+            <dgm:forEach name="Name8" axis="ch">
+              <dgm:forEach name="Name9" axis="self" ptType="parTrans" cnt="1">
+                <dgm:layoutNode name="Name10">
+                  <dgm:alg type="conn">
+                    <dgm:param type="dim" val="1D"/>
+                    <dgm:param type="endSty" val="noArr"/>
+                    <dgm:param type="connRout" val="bend"/>
+                    <dgm:param type="bendPt" val="end"/>
+                    <dgm:param type="begPts" val="bCtr"/>
+                    <dgm:param type="endPts" val="tCtr"/>
+                    <dgm:param type="srcNode" val="background"/>
+                    <dgm:param type="dstNode" val="background2"/>
+                  </dgm:alg>
+                  <dgm:shape xmlns:r="http://schemas.openxmlformats.org/officeDocument/2006/relationships" type="conn" r:blip="" zOrderOff="-999">
+                    <dgm:adjLst/>
+                  </dgm:shape>
+                  <dgm:presOf axis="self"/>
+                  <dgm:constrLst>
+                    <dgm:constr type="begPad"/>
+                    <dgm:constr type="endPad"/>
+                  </dgm:constrLst>
+                  <dgm:ruleLst/>
+                </dgm:layoutNode>
+              </dgm:forEach>
+              <dgm:forEach name="Name11" axis="self" ptType="node">
+                <dgm:layoutNode name="hierRoot2">
+                  <dgm:alg type="hierRoot"/>
+                  <dgm:shape xmlns:r="http://schemas.openxmlformats.org/officeDocument/2006/relationships" r:blip="">
+                    <dgm:adjLst/>
+                  </dgm:shape>
+                  <dgm:presOf/>
+                  <dgm:constrLst>
+                    <dgm:constr type="bendDist" for="des" ptType="parTrans" refType="sp" fact="0.5"/>
+                  </dgm:constrLst>
+                  <dgm:ruleLst/>
+                  <dgm:layoutNode name="composite2">
+                    <dgm:alg type="composite"/>
+                    <dgm:shape xmlns:r="http://schemas.openxmlformats.org/officeDocument/2006/relationships" r:blip="">
+                      <dgm:adjLst/>
+                    </dgm:shape>
+                    <dgm:presOf/>
+                    <dgm:constrLst>
+                      <dgm:constr type="w" for="ch" forName="background2" refType="w" fact="0.9"/>
+                      <dgm:constr type="h" for="ch" forName="background2" refType="w" refFor="ch" refForName="background2" fact="0.635"/>
+                      <dgm:constr type="t" for="ch" forName="background2"/>
+                      <dgm:constr type="l" for="ch" forName="background2"/>
+                      <dgm:constr type="w" for="ch" forName="text2" refType="w" fact="0.9"/>
+                      <dgm:constr type="h" for="ch" forName="text2" refType="w" refFor="ch" refForName="text2" fact="0.635"/>
+                      <dgm:constr type="t" for="ch" forName="text2" refType="w" fact="0.095"/>
+                      <dgm:constr type="l" for="ch" forName="text2" refType="w" fact="0.1"/>
+                    </dgm:constrLst>
+                    <dgm:ruleLst/>
+                    <dgm:layoutNode name="background2" moveWith="text2">
+                      <dgm:alg type="sp"/>
+                      <dgm:shape xmlns:r="http://schemas.openxmlformats.org/officeDocument/2006/relationships" type="roundRect" r:blip="">
+                        <dgm:adjLst>
+                          <dgm:adj idx="1" val="0.1"/>
+                        </dgm:adjLst>
+                      </dgm:shape>
+                      <dgm:presOf/>
+                      <dgm:constrLst/>
+                      <dgm:ruleLst/>
+                    </dgm:layoutNode>
+                    <dgm:layoutNode name="text2" styleLbl="fgAcc2">
+                      <dgm:varLst>
+                        <dgm:chPref val="3"/>
+                      </dgm:varLst>
+                      <dgm:alg type="tx"/>
+                      <dgm:shape xmlns:r="http://schemas.openxmlformats.org/officeDocument/2006/relationships" type="roundRect" r:blip="">
+                        <dgm:adjLst>
+                          <dgm:adj idx="1" val="0.1"/>
+                        </dgm:adjLst>
+                      </dgm:shape>
+                      <dgm:presOf axis="self"/>
+                      <dgm:constrLst>
+                        <dgm:constr type="tMarg" refType="primFontSz" fact="0.3"/>
+                        <dgm:constr type="bMarg" refType="primFontSz" fact="0.3"/>
+                        <dgm:constr type="lMarg" refType="primFontSz" fact="0.3"/>
+                        <dgm:constr type="rMarg" refType="primFontSz" fact="0.3"/>
+                      </dgm:constrLst>
+                      <dgm:ruleLst>
+                        <dgm:rule type="primFontSz" val="5" fact="NaN" max="NaN"/>
+                      </dgm:ruleLst>
+                    </dgm:layoutNode>
+                  </dgm:layoutNode>
+                  <dgm:layoutNode name="hierChild3">
+                    <dgm:choose name="Name12">
+                      <dgm:if name="Name13" func="var" arg="dir" op="equ" val="norm">
+                        <dgm:alg type="hierChild">
+                          <dgm:param type="linDir" val="fromL"/>
+                        </dgm:alg>
+                      </dgm:if>
+                      <dgm:else name="Name14">
+                        <dgm:alg type="hierChild">
+                          <dgm:param type="linDir" val="fromR"/>
+                        </dgm:alg>
+                      </dgm:else>
+                    </dgm:choose>
+                    <dgm:shape xmlns:r="http://schemas.openxmlformats.org/officeDocument/2006/relationships" r:blip="">
+                      <dgm:adjLst/>
+                    </dgm:shape>
+                    <dgm:presOf/>
+                    <dgm:constrLst/>
+                    <dgm:ruleLst/>
+                    <dgm:forEach name="Name15" axis="ch">
+                      <dgm:forEach name="Name16" axis="self" ptType="parTrans" cnt="1">
+                        <dgm:layoutNode name="Name17">
+                          <dgm:alg type="conn">
+                            <dgm:param type="dim" val="1D"/>
+                            <dgm:param type="endSty" val="noArr"/>
+                            <dgm:param type="connRout" val="bend"/>
+                            <dgm:param type="bendPt" val="end"/>
+                            <dgm:param type="begPts" val="bCtr"/>
+                            <dgm:param type="endPts" val="tCtr"/>
+                            <dgm:param type="srcNode" val="background2"/>
+                            <dgm:param type="dstNode" val="background3"/>
+                          </dgm:alg>
+                          <dgm:shape xmlns:r="http://schemas.openxmlformats.org/officeDocument/2006/relationships" type="conn" r:blip="" zOrderOff="-999">
+                            <dgm:adjLst/>
+                          </dgm:shape>
+                          <dgm:presOf axis="self"/>
+                          <dgm:constrLst>
+                            <dgm:constr type="begPad"/>
+                            <dgm:constr type="endPad"/>
+                          </dgm:constrLst>
+                          <dgm:ruleLst/>
+                        </dgm:layoutNode>
+                      </dgm:forEach>
+                      <dgm:forEach name="Name18" axis="self" ptType="node">
+                        <dgm:layoutNode name="hierRoot3">
+                          <dgm:alg type="hierRoot"/>
+                          <dgm:shape xmlns:r="http://schemas.openxmlformats.org/officeDocument/2006/relationships" r:blip="">
+                            <dgm:adjLst/>
+                          </dgm:shape>
+                          <dgm:presOf/>
+                          <dgm:constrLst>
+                            <dgm:constr type="bendDist" for="des" ptType="parTrans" refType="sp" fact="0.5"/>
+                          </dgm:constrLst>
+                          <dgm:ruleLst/>
+                          <dgm:layoutNode name="composite3">
+                            <dgm:alg type="composite"/>
+                            <dgm:shape xmlns:r="http://schemas.openxmlformats.org/officeDocument/2006/relationships" r:blip="">
+                              <dgm:adjLst/>
+                            </dgm:shape>
+                            <dgm:presOf/>
+                            <dgm:constrLst>
+                              <dgm:constr type="w" for="ch" forName="background3" refType="w" fact="0.9"/>
+                              <dgm:constr type="h" for="ch" forName="background3" refType="w" refFor="ch" refForName="background3" fact="0.635"/>
+                              <dgm:constr type="t" for="ch" forName="background3"/>
+                              <dgm:constr type="l" for="ch" forName="background3"/>
+                              <dgm:constr type="w" for="ch" forName="text3" refType="w" fact="0.9"/>
+                              <dgm:constr type="h" for="ch" forName="text3" refType="w" refFor="ch" refForName="text3" fact="0.635"/>
+                              <dgm:constr type="t" for="ch" forName="text3" refType="w" fact="0.095"/>
+                              <dgm:constr type="l" for="ch" forName="text3" refType="w" fact="0.1"/>
+                            </dgm:constrLst>
+                            <dgm:ruleLst/>
+                            <dgm:layoutNode name="background3" moveWith="text3">
+                              <dgm:alg type="sp"/>
+                              <dgm:shape xmlns:r="http://schemas.openxmlformats.org/officeDocument/2006/relationships" type="roundRect" r:blip="">
+                                <dgm:adjLst>
+                                  <dgm:adj idx="1" val="0.1"/>
+                                </dgm:adjLst>
+                              </dgm:shape>
+                              <dgm:presOf/>
+                              <dgm:constrLst/>
+                              <dgm:ruleLst/>
+                            </dgm:layoutNode>
+                            <dgm:layoutNode name="text3" styleLbl="fgAcc3">
+                              <dgm:varLst>
+                                <dgm:chPref val="3"/>
+                              </dgm:varLst>
+                              <dgm:alg type="tx"/>
+                              <dgm:shape xmlns:r="http://schemas.openxmlformats.org/officeDocument/2006/relationships" type="roundRect" r:blip="">
+                                <dgm:adjLst>
+                                  <dgm:adj idx="1" val="0.1"/>
+                                </dgm:adjLst>
+                              </dgm:shape>
+                              <dgm:presOf axis="self"/>
+                              <dgm:constrLst>
+                                <dgm:constr type="tMarg" refType="primFontSz" fact="0.3"/>
+                                <dgm:constr type="bMarg" refType="primFontSz" fact="0.3"/>
+                                <dgm:constr type="lMarg" refType="primFontSz" fact="0.3"/>
+                                <dgm:constr type="rMarg" refType="primFontSz" fact="0.3"/>
+                              </dgm:constrLst>
+                              <dgm:ruleLst>
+                                <dgm:rule type="primFontSz" val="5" fact="NaN" max="NaN"/>
+                              </dgm:ruleLst>
+                            </dgm:layoutNode>
+                          </dgm:layoutNode>
+                          <dgm:layoutNode name="hierChild4">
+                            <dgm:choose name="Name19">
+                              <dgm:if name="Name20" func="var" arg="dir" op="equ" val="norm">
+                                <dgm:alg type="hierChild">
+                                  <dgm:param type="linDir" val="fromL"/>
+                                </dgm:alg>
+                              </dgm:if>
+                              <dgm:else name="Name21">
+                                <dgm:alg type="hierChild">
+                                  <dgm:param type="linDir" val="fromR"/>
+                                </dgm:alg>
+                              </dgm:else>
+                            </dgm:choose>
+                            <dgm:shape xmlns:r="http://schemas.openxmlformats.org/officeDocument/2006/relationships" r:blip="">
+                              <dgm:adjLst/>
+                            </dgm:shape>
+                            <dgm:presOf/>
+                            <dgm:constrLst/>
+                            <dgm:ruleLst/>
+                            <dgm:forEach name="repeat" axis="ch">
+                              <dgm:forEach name="Name22" axis="self" ptType="parTrans" cnt="1">
+                                <dgm:layoutNode name="Name23">
+                                  <dgm:choose name="Name24">
+                                    <dgm:if name="Name25" axis="self" func="depth" op="lte" val="4">
+                                      <dgm:alg type="conn">
+                                        <dgm:param type="dim" val="1D"/>
+                                        <dgm:param type="endSty" val="noArr"/>
+                                        <dgm:param type="connRout" val="bend"/>
+                                        <dgm:param type="bendPt" val="end"/>
+                                        <dgm:param type="begPts" val="bCtr"/>
+                                        <dgm:param type="endPts" val="tCtr"/>
+                                        <dgm:param type="srcNode" val="background3"/>
+                                        <dgm:param type="dstNode" val="background4"/>
+                                      </dgm:alg>
+                                    </dgm:if>
+                                    <dgm:else name="Name26">
+                                      <dgm:alg type="conn">
+                                        <dgm:param type="dim" val="1D"/>
+                                        <dgm:param type="endSty" val="noArr"/>
+                                        <dgm:param type="connRout" val="bend"/>
+                                        <dgm:param type="bendPt" val="end"/>
+                                        <dgm:param type="begPts" val="bCtr"/>
+                                        <dgm:param type="endPts" val="tCtr"/>
+                                        <dgm:param type="srcNode" val="background4"/>
+                                        <dgm:param type="dstNode" val="background4"/>
+                                      </dgm:alg>
+                                    </dgm:else>
+                                  </dgm:choose>
+                                  <dgm:shape xmlns:r="http://schemas.openxmlformats.org/officeDocument/2006/relationships" type="conn" r:blip="" zOrderOff="-999">
+                                    <dgm:adjLst/>
+                                  </dgm:shape>
+                                  <dgm:presOf axis="self"/>
+                                  <dgm:constrLst>
+                                    <dgm:constr type="begPad"/>
+                                    <dgm:constr type="endPad"/>
+                                  </dgm:constrLst>
+                                  <dgm:ruleLst/>
+                                </dgm:layoutNode>
+                              </dgm:forEach>
+                              <dgm:forEach name="Name27" axis="self" ptType="node">
+                                <dgm:layoutNode name="hierRoot4">
+                                  <dgm:alg type="hierRoot"/>
+                                  <dgm:shape xmlns:r="http://schemas.openxmlformats.org/officeDocument/2006/relationships" r:blip="">
+                                    <dgm:adjLst/>
+                                  </dgm:shape>
+                                  <dgm:presOf/>
+                                  <dgm:constrLst>
+                                    <dgm:constr type="bendDist" for="des" ptType="parTrans" refType="sp" fact="0.5"/>
+                                  </dgm:constrLst>
+                                  <dgm:ruleLst/>
+                                  <dgm:layoutNode name="composite4">
+                                    <dgm:alg type="composite"/>
+                                    <dgm:shape xmlns:r="http://schemas.openxmlformats.org/officeDocument/2006/relationships" r:blip="">
+                                      <dgm:adjLst/>
+                                    </dgm:shape>
+                                    <dgm:presOf/>
+                                    <dgm:constrLst>
+                                      <dgm:constr type="w" for="ch" forName="background4" refType="w" fact="0.9"/>
+                                      <dgm:constr type="h" for="ch" forName="background4" refType="w" refFor="ch" refForName="background4" fact="0.635"/>
+                                      <dgm:constr type="t" for="ch" forName="background4"/>
+                                      <dgm:constr type="l" for="ch" forName="background4"/>
+                                      <dgm:constr type="w" for="ch" forName="text4" refType="w" fact="0.9"/>
+                                      <dgm:constr type="h" for="ch" forName="text4" refType="w" refFor="ch" refForName="text4" fact="0.635"/>
+                                      <dgm:constr type="t" for="ch" forName="text4" refType="w" fact="0.095"/>
+                                      <dgm:constr type="l" for="ch" forName="text4" refType="w" fact="0.1"/>
+                                    </dgm:constrLst>
+                                    <dgm:ruleLst/>
+                                    <dgm:layoutNode name="background4" moveWith="text4">
+                                      <dgm:alg type="sp"/>
+                                      <dgm:shape xmlns:r="http://schemas.openxmlformats.org/officeDocument/2006/relationships" type="roundRect" r:blip="">
+                                        <dgm:adjLst>
+                                          <dgm:adj idx="1" val="0.1"/>
+                                        </dgm:adjLst>
+                                      </dgm:shape>
+                                      <dgm:presOf/>
+                                      <dgm:constrLst/>
+                                      <dgm:ruleLst/>
+                                    </dgm:layoutNode>
+                                    <dgm:layoutNode name="text4" styleLbl="fgAcc4">
+                                      <dgm:varLst>
+                                        <dgm:chPref val="3"/>
+                                      </dgm:varLst>
+                                      <dgm:alg type="tx"/>
+                                      <dgm:shape xmlns:r="http://schemas.openxmlformats.org/officeDocument/2006/relationships" type="roundRect" r:blip="">
+                                        <dgm:adjLst>
+                                          <dgm:adj idx="1" val="0.1"/>
+                                        </dgm:adjLst>
+                                      </dgm:shape>
+                                      <dgm:presOf axis="self"/>
+                                      <dgm:constrLst>
+                                        <dgm:constr type="tMarg" refType="primFontSz" fact="0.3"/>
+                                        <dgm:constr type="bMarg" refType="primFontSz" fact="0.3"/>
+                                        <dgm:constr type="lMarg" refType="primFontSz" fact="0.3"/>
+                                        <dgm:constr type="rMarg" refType="primFontSz" fact="0.3"/>
+                                      </dgm:constrLst>
+                                      <dgm:ruleLst>
+                                        <dgm:rule type="primFontSz" val="5" fact="NaN" max="NaN"/>
+                                      </dgm:ruleLst>
+                                    </dgm:layoutNode>
+                                  </dgm:layoutNode>
+                                  <dgm:layoutNode name="hierChild5">
+                                    <dgm:choose name="Name28">
+                                      <dgm:if name="Name29" func="var" arg="dir" op="equ" val="norm">
+                                        <dgm:alg type="hierChild">
+                                          <dgm:param type="linDir" val="fromL"/>
+                                        </dgm:alg>
+                                      </dgm:if>
+                                      <dgm:else name="Name30">
+                                        <dgm:alg type="hierChild">
+                                          <dgm:param type="linDir" val="fromR"/>
+                                        </dgm:alg>
+                                      </dgm:else>
+                                    </dgm:choose>
+                                    <dgm:shape xmlns:r="http://schemas.openxmlformats.org/officeDocument/2006/relationships" r:blip="">
+                                      <dgm:adjLst/>
+                                    </dgm:shape>
+                                    <dgm:presOf/>
+                                    <dgm:constrLst/>
+                                    <dgm:ruleLst/>
+                                    <dgm:forEach name="Name31" ref="repeat"/>
+                                  </dgm:layoutNode>
+                                </dgm:layoutNode>
+                              </dgm:forEach>
+                            </dgm:forEach>
+                          </dgm:layoutNode>
+                        </dgm:layoutNode>
+                      </dgm:forEach>
+                    </dgm:forEach>
+                  </dgm:layoutNode>
+                </dgm:layoutNode>
+              </dgm:forEach>
+            </dgm:forEach>
+          </dgm:layoutNode>
+        </dgm:layoutNode>
+      </dgm:forEach>
+    </dgm:forEach>
+  </dgm:layoutNode>
+</dgm:layoutDef>
+</file>
+
+<file path=ppt/diagrams/quickStyle1.xml><?xml version="1.0" encoding="utf-8"?>
+<dgm:styleDef xmlns:dgm="http://schemas.openxmlformats.org/drawingml/2006/diagram" xmlns:a="http://schemas.openxmlformats.org/drawingml/2006/main" uniqueId="urn:microsoft.com/office/officeart/2005/8/quickstyle/simple1">
+  <dgm:title val=""/>
+  <dgm:desc val=""/>
+  <dgm:catLst>
+    <dgm:cat type="simple" pri="10100"/>
+  </dgm:catLst>
+  <dgm:scene3d>
+    <a:camera prst="orthographicFront"/>
+    <a:lightRig rig="threePt" dir="t"/>
+  </dgm:scene3d>
+  <dgm:styleLbl name="node0">
+    <dgm:scene3d>
+      <a:camera prst="orthographicFront"/>
+      <a:lightRig rig="threePt" dir="t"/>
+    </dgm:scene3d>
+    <dgm:sp3d/>
+    <dgm:txPr/>
+    <dgm:style>
+      <a:lnRef idx="2">
+        <a:scrgbClr r="0" g="0" b="0"/>
+      </a:lnRef>
+      <a:fillRef idx="1">
+        <a:scrgbClr r="0" g="0" b="0"/>
+      </a:fillRef>
+      <a:effectRef idx="0">
+        <a:scrgbClr r="0" g="0" b="0"/>
+      </a:effectRef>
+      <a:fontRef idx="minor">
+        <a:schemeClr val="lt1"/>
+      </a:fontRef>
+    </dgm:style>
+  </dgm:styleLbl>
+  <dgm:styleLbl name="lnNode1">
+    <dgm:scene3d>
+      <a:camera prst="orthographicFront"/>
+      <a:lightRig rig="threePt" dir="t"/>
+    </dgm:scene3d>
+    <dgm:sp3d/>
+    <dgm:txPr/>
+    <dgm:style>
+      <a:lnRef idx="2">
+        <a:scrgbClr r="0" g="0" b="0"/>
+      </a:lnRef>
+      <a:fillRef idx="1">
+        <a:scrgbClr r="0" g="0" b="0"/>
+      </a:fillRef>
+      <a:effectRef idx="0">
+        <a:scrgbClr r="0" g="0" b="0"/>
+      </a:effectRef>
+      <a:fontRef idx="minor">
+        <a:schemeClr val="lt1"/>
+      </a:fontRef>
+    </dgm:style>
+  </dgm:styleLbl>
+  <dgm:styleLbl name="vennNode1">
+    <dgm:scene3d>
+      <a:camera prst="orthographicFront"/>
+      <a:lightRig rig="threePt" dir="t"/>
+    </dgm:scene3d>
+    <dgm:sp3d/>
+    <dgm:txPr/>
+    <dgm:style>
+      <a:lnRef idx="2">
+        <a:scrgbClr r="0" g="0" b="0"/>
+      </a:lnRef>
+      <a:fillRef idx="1">
+        <a:scrgbClr r="0" g="0" b="0"/>
+      </a:fillRef>
+      <a:effectRef idx="0">
+        <a:scrgbClr r="0" g="0" b="0"/>
+      </a:effectRef>
+      <a:fontRef idx="minor">
+        <a:schemeClr val="tx1"/>
+      </a:fontRef>
+    </dgm:style>
+  </dgm:styleLbl>
+  <dgm:styleLbl name="alignNode1">
+    <dgm:scene3d>
+      <a:camera prst="orthographicFront"/>
+      <a:lightRig rig="threePt" dir="t"/>
+    </dgm:scene3d>
+    <dgm:sp3d/>
+    <dgm:txPr/>
+    <dgm:style>
+      <a:lnRef idx="2">
+        <a:scrgbClr r="0" g="0" b="0"/>
+      </a:lnRef>
+      <a:fillRef idx="1">
+        <a:scrgbClr r="0" g="0" b="0"/>
+      </a:fillRef>
+      <a:effectRef idx="0">
+        <a:scrgbClr r="0" g="0" b="0"/>
+      </a:effectRef>
+      <a:fontRef idx="minor">
+        <a:schemeClr val="lt1"/>
+      </a:fontRef>
+    </dgm:style>
+  </dgm:styleLbl>
+  <dgm:styleLbl name="node1">
+    <dgm:scene3d>
+      <a:camera prst="orthographicFront"/>
+      <a:lightRig rig="threePt" dir="t"/>
+    </dgm:scene3d>
+    <dgm:sp3d/>
+    <dgm:txPr/>
+    <dgm:style>
+      <a:lnRef idx="2">
+        <a:scrgbClr r="0" g="0" b="0"/>
+      </a:lnRef>
+      <a:fillRef idx="1">
+        <a:scrgbClr r="0" g="0" b="0"/>
+      </a:fillRef>
+      <a:effectRef idx="0">
+        <a:scrgbClr r="0" g="0" b="0"/>
+      </a:effectRef>
+      <a:fontRef idx="minor">
+        <a:schemeClr val="lt1"/>
+      </a:fontRef>
+    </dgm:style>
+  </dgm:styleLbl>
+  <dgm:styleLbl name="node2">
+    <dgm:scene3d>
+      <a:camera prst="orthographicFront"/>
+      <a:lightRig rig="threePt" dir="t"/>
+    </dgm:scene3d>
+    <dgm:sp3d/>
+    <dgm:txPr/>
+    <dgm:style>
+      <a:lnRef idx="2">
+        <a:scrgbClr r="0" g="0" b="0"/>
+      </a:lnRef>
+      <a:fillRef idx="1">
+        <a:scrgbClr r="0" g="0" b="0"/>
+      </a:fillRef>
+      <a:effectRef idx="0">
+        <a:scrgbClr r="0" g="0" b="0"/>
+      </a:effectRef>
+      <a:fontRef idx="minor">
+        <a:schemeClr val="lt1"/>
+      </a:fontRef>
+    </dgm:style>
+  </dgm:styleLbl>
+  <dgm:styleLbl name="node3">
+    <dgm:scene3d>
+      <a:camera prst="orthographicFront"/>
+      <a:lightRig rig="threePt" dir="t"/>
+    </dgm:scene3d>
+    <dgm:sp3d/>
+    <dgm:txPr/>
+    <dgm:style>
+      <a:lnRef idx="2">
+        <a:scrgbClr r="0" g="0" b="0"/>
+      </a:lnRef>
+      <a:fillRef idx="1">
+        <a:scrgbClr r="0" g="0" b="0"/>
+      </a:fillRef>
+      <a:effectRef idx="0">
+        <a:scrgbClr r="0" g="0" b="0"/>
+      </a:effectRef>
+      <a:fontRef idx="minor">
+        <a:schemeClr val="lt1"/>
+      </a:fontRef>
+    </dgm:style>
+  </dgm:styleLbl>
+  <dgm:styleLbl name="node4">
+    <dgm:scene3d>
+      <a:camera prst="orthographicFront"/>
+      <a:lightRig rig="threePt" dir="t"/>
+    </dgm:scene3d>
+    <dgm:sp3d/>
+    <dgm:txPr/>
+    <dgm:style>
+      <a:lnRef idx="2">
+        <a:scrgbClr r="0" g="0" b="0"/>
+      </a:lnRef>
+      <a:fillRef idx="1">
+        <a:scrgbClr r="0" g="0" b="0"/>
+      </a:fillRef>
+      <a:effectRef idx="0">
+        <a:scrgbClr r="0" g="0" b="0"/>
+      </a:effectRef>
+      <a:fontRef idx="minor">
+        <a:schemeClr val="lt1"/>
+      </a:fontRef>
+    </dgm:style>
+  </dgm:styleLbl>
+  <dgm:styleLbl name="fgImgPlace1">
+    <dgm:scene3d>
+      <a:camera prst="orthographicFront"/>
+      <a:lightRig rig="threePt" dir="t"/>
+    </dgm:scene3d>
+    <dgm:sp3d/>
+    <dgm:txPr/>
+    <dgm:style>
+      <a:lnRef idx="2">
+        <a:scrgbClr r="0" g="0" b="0"/>
+      </a:lnRef>
+      <a:fillRef idx="1">
+        <a:scrgbClr r="0" g="0" b="0"/>
+      </a:fillRef>
+      <a:effectRef idx="0">
+        <a:scrgbClr r="0" g="0" b="0"/>
+      </a:effectRef>
+      <a:fontRef idx="minor"/>
+    </dgm:style>
+  </dgm:styleLbl>
+  <dgm:styleLbl name="alignImgPlace1">
+    <dgm:scene3d>
+      <a:camera prst="orthographicFront"/>
+      <a:lightRig rig="threePt" dir="t"/>
+    </dgm:scene3d>
+    <dgm:sp3d/>
+    <dgm:txPr/>
+    <dgm:style>
+      <a:lnRef idx="2">
+        <a:scrgbClr r="0" g="0" b="0"/>
+      </a:lnRef>
+      <a:fillRef idx="1">
+        <a:scrgbClr r="0" g="0" b="0"/>
+      </a:fillRef>
+      <a:effectRef idx="0">
+        <a:scrgbClr r="0" g="0" b="0"/>
+      </a:effectRef>
+      <a:fontRef idx="minor"/>
+    </dgm:style>
+  </dgm:styleLbl>
+  <dgm:styleLbl name="bgImgPlace1">
+    <dgm:scene3d>
+      <a:camera prst="orthographicFront"/>
+      <a:lightRig rig="threePt" dir="t"/>
+    </dgm:scene3d>
+    <dgm:sp3d/>
+    <dgm:txPr/>
+    <dgm:style>
+      <a:lnRef idx="2">
+        <a:scrgbClr r="0" g="0" b="0"/>
+      </a:lnRef>
+      <a:fillRef idx="1">
+        <a:scrgbClr r="0" g="0" b="0"/>
+      </a:fillRef>
+      <a:effectRef idx="0">
+        <a:scrgbClr r="0" g="0" b="0"/>
+      </a:effectRef>
+      <a:fontRef idx="minor"/>
+    </dgm:style>
+  </dgm:styleLbl>
+  <dgm:styleLbl name="sibTrans2D1">
+    <dgm:scene3d>
+      <a:camera prst="orthographicFront"/>
+      <a:lightRig rig="threePt" dir="t"/>
+    </dgm:scene3d>
+    <dgm:sp3d/>
+    <dgm:txPr/>
+    <dgm:style>
+      <a:lnRef idx="0">
+        <a:scrgbClr r="0" g="0" b="0"/>
+      </a:lnRef>
+      <a:fillRef idx="1">
+        <a:scrgbClr r="0" g="0" b="0"/>
+      </a:fillRef>
+      <a:effectRef idx="0">
+        <a:scrgbClr r="0" g="0" b="0"/>
+      </a:effectRef>
+      <a:fontRef idx="minor">
+        <a:schemeClr val="lt1"/>
+      </a:fontRef>
+    </dgm:style>
+  </dgm:styleLbl>
+  <dgm:styleLbl name="fgSibTrans2D1">
+    <dgm:scene3d>
+      <a:camera prst="orthographicFront"/>
+      <a:lightRig rig="threePt" dir="t"/>
+    </dgm:scene3d>
+    <dgm:sp3d/>
+    <dgm:txPr/>
+    <dgm:style>
+      <a:lnRef idx="0">
+        <a:scrgbClr r="0" g="0" b="0"/>
+      </a:lnRef>
+      <a:fillRef idx="1">
+        <a:scrgbClr r="0" g="0" b="0"/>
+      </a:fillRef>
+      <a:effectRef idx="0">
+        <a:scrgbClr r="0" g="0" b="0"/>
+      </a:effectRef>
+      <a:fontRef idx="minor">
+        <a:schemeClr val="lt1"/>
+      </a:fontRef>
+    </dgm:style>
+  </dgm:styleLbl>
+  <dgm:styleLbl name="bgSibTrans2D1">
+    <dgm:scene3d>
+      <a:camera prst="orthographicFront"/>
+      <a:lightRig rig="threePt" dir="t"/>
+    </dgm:scene3d>
+    <dgm:sp3d/>
+    <dgm:txPr/>
+    <dgm:style>
+      <a:lnRef idx="0">
+        <a:scrgbClr r="0" g="0" b="0"/>
+      </a:lnRef>
+      <a:fillRef idx="1">
+        <a:scrgbClr r="0" g="0" b="0"/>
+      </a:fillRef>
+      <a:effectRef idx="0">
+        <a:scrgbClr r="0" g="0" b="0"/>
+      </a:effectRef>
+      <a:fontRef idx="minor">
+        <a:schemeClr val="lt1"/>
+      </a:fontRef>
+    </dgm:style>
+  </dgm:styleLbl>
+  <dgm:styleLbl name="sibTrans1D1">
+    <dgm:scene3d>
+      <a:camera prst="orthographicFront"/>
+      <a:lightRig rig="threePt" dir="t"/>
+    </dgm:scene3d>
+    <dgm:sp3d/>
+    <dgm:txPr/>
+    <dgm:style>
+      <a:lnRef idx="1">
+        <a:scrgbClr r="0" g="0" b="0"/>
+      </a:lnRef>
+      <a:fillRef idx="0">
+        <a:scrgbClr r="0" g="0" b="0"/>
+      </a:fillRef>
+      <a:effectRef idx="0">
+        <a:scrgbClr r="0" g="0" b="0"/>
+      </a:effectRef>
+      <a:fontRef idx="minor"/>
+    </dgm:style>
+  </dgm:styleLbl>
+  <dgm:styleLbl name="callout">
+    <dgm:scene3d>
+      <a:camera prst="orthographicFront"/>
+      <a:lightRig rig="threePt" dir="t"/>
+    </dgm:scene3d>
+    <dgm:sp3d/>
+    <dgm:txPr/>
+    <dgm:style>
+      <a:lnRef idx="2">
+        <a:scrgbClr r="0" g="0" b="0"/>
+      </a:lnRef>
+      <a:fillRef idx="1">
+        <a:scrgbClr r="0" g="0" b="0"/>
+      </a:fillRef>
+      <a:effectRef idx="0">
+        <a:scrgbClr r="0" g="0" b="0"/>
+      </a:effectRef>
+      <a:fontRef idx="minor"/>
+    </dgm:style>
+  </dgm:styleLbl>
+  <dgm:styleLbl name="asst0">
+    <dgm:scene3d>
+      <a:camera prst="orthographicFront"/>
+      <a:lightRig rig="threePt" dir="t"/>
+    </dgm:scene3d>
+    <dgm:sp3d/>
+    <dgm:txPr/>
+    <dgm:style>
+      <a:lnRef idx="2">
+        <a:scrgbClr r="0" g="0" b="0"/>
+      </a:lnRef>
+      <a:fillRef idx="1">
+        <a:scrgbClr r="0" g="0" b="0"/>
+      </a:fillRef>
+      <a:effectRef idx="0">
+        <a:scrgbClr r="0" g="0" b="0"/>
+      </a:effectRef>
+      <a:fontRef idx="minor">
+        <a:schemeClr val="lt1"/>
+      </a:fontRef>
+    </dgm:style>
+  </dgm:styleLbl>
+  <dgm:styleLbl name="asst1">
+    <dgm:scene3d>
+      <a:camera prst="orthographicFront"/>
+      <a:lightRig rig="threePt" dir="t"/>
+    </dgm:scene3d>
+    <dgm:sp3d/>
+    <dgm:txPr/>
+    <dgm:style>
+      <a:lnRef idx="2">
+        <a:scrgbClr r="0" g="0" b="0"/>
+      </a:lnRef>
+      <a:fillRef idx="1">
+        <a:scrgbClr r="0" g="0" b="0"/>
+      </a:fillRef>
+      <a:effectRef idx="0">
+        <a:scrgbClr r="0" g="0" b="0"/>
+      </a:effectRef>
+      <a:fontRef idx="minor">
+        <a:schemeClr val="lt1"/>
+      </a:fontRef>
+    </dgm:style>
+  </dgm:styleLbl>
+  <dgm:styleLbl name="asst2">
+    <dgm:scene3d>
+      <a:camera prst="orthographicFront"/>
+      <a:lightRig rig="threePt" dir="t"/>
+    </dgm:scene3d>
+    <dgm:sp3d/>
+    <dgm:txPr/>
+    <dgm:style>
+      <a:lnRef idx="2">
+        <a:scrgbClr r="0" g="0" b="0"/>
+      </a:lnRef>
+      <a:fillRef idx="1">
+        <a:scrgbClr r="0" g="0" b="0"/>
+      </a:fillRef>
+      <a:effectRef idx="0">
+        <a:scrgbClr r="0" g="0" b="0"/>
+      </a:effectRef>
+      <a:fontRef idx="minor">
+        <a:schemeClr val="lt1"/>
+      </a:fontRef>
+    </dgm:style>
+  </dgm:styleLbl>
+  <dgm:styleLbl name="asst3">
+    <dgm:scene3d>
+      <a:camera prst="orthographicFront"/>
+      <a:lightRig rig="threePt" dir="t"/>
+    </dgm:scene3d>
+    <dgm:sp3d/>
+    <dgm:txPr/>
+    <dgm:style>
+      <a:lnRef idx="2">
+        <a:scrgbClr r="0" g="0" b="0"/>
+      </a:lnRef>
+      <a:fillRef idx="1">
+        <a:scrgbClr r="0" g="0" b="0"/>
+      </a:fillRef>
+      <a:effectRef idx="0">
+        <a:scrgbClr r="0" g="0" b="0"/>
+      </a:effectRef>
+      <a:fontRef idx="minor">
+        <a:schemeClr val="lt1"/>
+      </a:fontRef>
+    </dgm:style>
+  </dgm:styleLbl>
+  <dgm:styleLbl name="asst4">
+    <dgm:scene3d>
+      <a:camera prst="orthographicFront"/>
+      <a:lightRig rig="threePt" dir="t"/>
+    </dgm:scene3d>
+    <dgm:sp3d/>
+    <dgm:txPr/>
+    <dgm:style>
+      <a:lnRef idx="2">
+        <a:scrgbClr r="0" g="0" b="0"/>
+      </a:lnRef>
+      <a:fillRef idx="1">
+        <a:scrgbClr r="0" g="0" b="0"/>
+      </a:fillRef>
+      <a:effectRef idx="0">
+        <a:scrgbClr r="0" g="0" b="0"/>
+      </a:effectRef>
+      <a:fontRef idx="minor">
+        <a:schemeClr val="lt1"/>
+      </a:fontRef>
+    </dgm:style>
+  </dgm:styleLbl>
+  <dgm:styleLbl name="parChTrans2D1">
+    <dgm:scene3d>
+      <a:camera prst="orthographicFront"/>
+      <a:lightRig rig="threePt" dir="t"/>
+    </dgm:scene3d>
+    <dgm:sp3d/>
+    <dgm:txPr/>
+    <dgm:style>
+      <a:lnRef idx="2">
+        <a:scrgbClr r="0" g="0" b="0"/>
+      </a:lnRef>
+      <a:fillRef idx="1">
+        <a:scrgbClr r="0" g="0" b="0"/>
+      </a:fillRef>
+      <a:effectRef idx="0">
+        <a:scrgbClr r="0" g="0" b="0"/>
+      </a:effectRef>
+      <a:fontRef idx="minor">
+        <a:schemeClr val="lt1"/>
+      </a:fontRef>
+    </dgm:style>
+  </dgm:styleLbl>
+  <dgm:styleLbl name="parChTrans2D2">
+    <dgm:scene3d>
+      <a:camera prst="orthographicFront"/>
+      <a:lightRig rig="threePt" dir="t"/>
+    </dgm:scene3d>
+    <dgm:sp3d/>
+    <dgm:txPr/>
+    <dgm:style>
+      <a:lnRef idx="2">
+        <a:scrgbClr r="0" g="0" b="0"/>
+      </a:lnRef>
+      <a:fillRef idx="1">
+        <a:scrgbClr r="0" g="0" b="0"/>
+      </a:fillRef>
+      <a:effectRef idx="0">
+        <a:scrgbClr r="0" g="0" b="0"/>
+      </a:effectRef>
+      <a:fontRef idx="minor">
+        <a:schemeClr val="lt1"/>
+      </a:fontRef>
+    </dgm:style>
+  </dgm:styleLbl>
+  <dgm:styleLbl name="parChTrans2D3">
+    <dgm:scene3d>
+      <a:camera prst="orthographicFront"/>
+      <a:lightRig rig="threePt" dir="t"/>
+    </dgm:scene3d>
+    <dgm:sp3d/>
+    <dgm:txPr/>
+    <dgm:style>
+      <a:lnRef idx="2">
+        <a:scrgbClr r="0" g="0" b="0"/>
+      </a:lnRef>
+      <a:fillRef idx="1">
+        <a:scrgbClr r="0" g="0" b="0"/>
+      </a:fillRef>
+      <a:effectRef idx="0">
+        <a:scrgbClr r="0" g="0" b="0"/>
+      </a:effectRef>
+      <a:fontRef idx="minor">
+        <a:schemeClr val="lt1"/>
+      </a:fontRef>
+    </dgm:style>
+  </dgm:styleLbl>
+  <dgm:styleLbl name="parChTrans2D4">
+    <dgm:scene3d>
+      <a:camera prst="orthographicFront"/>
+      <a:lightRig rig="threePt" dir="t"/>
+    </dgm:scene3d>
+    <dgm:sp3d/>
+    <dgm:txPr/>
+    <dgm:style>
+      <a:lnRef idx="2">
+        <a:scrgbClr r="0" g="0" b="0"/>
+      </a:lnRef>
+      <a:fillRef idx="1">
+        <a:scrgbClr r="0" g="0" b="0"/>
+      </a:fillRef>
+      <a:effectRef idx="0">
+        <a:scrgbClr r="0" g="0" b="0"/>
+      </a:effectRef>
+      <a:fontRef idx="minor">
+        <a:schemeClr val="lt1"/>
+      </a:fontRef>
+    </dgm:style>
+  </dgm:styleLbl>
+  <dgm:styleLbl name="parChTrans1D1">
+    <dgm:scene3d>
+      <a:camera prst="orthographicFront"/>
+      <a:lightRig rig="threePt" dir="t"/>
+    </dgm:scene3d>
+    <dgm:sp3d/>
+    <dgm:txPr/>
+    <dgm:style>
+      <a:lnRef idx="2">
+        <a:scrgbClr r="0" g="0" b="0"/>
+      </a:lnRef>
+      <a:fillRef idx="0">
+        <a:scrgbClr r="0" g="0" b="0"/>
+      </a:fillRef>
+      <a:effectRef idx="0">
+        <a:scrgbClr r="0" g="0" b="0"/>
+      </a:effectRef>
+      <a:fontRef idx="minor"/>
+    </dgm:style>
+  </dgm:styleLbl>
+  <dgm:styleLbl name="parChTrans1D2">
+    <dgm:scene3d>
+      <a:camera prst="orthographicFront"/>
+      <a:lightRig rig="threePt" dir="t"/>
+    </dgm:scene3d>
+    <dgm:sp3d/>
+    <dgm:txPr/>
+    <dgm:style>
+      <a:lnRef idx="2">
+        <a:scrgbClr r="0" g="0" b="0"/>
+      </a:lnRef>
+      <a:fillRef idx="0">
+        <a:scrgbClr r="0" g="0" b="0"/>
+      </a:fillRef>
+      <a:effectRef idx="0">
+        <a:scrgbClr r="0" g="0" b="0"/>
+      </a:effectRef>
+      <a:fontRef idx="minor"/>
+    </dgm:style>
+  </dgm:styleLbl>
+  <dgm:styleLbl name="parChTrans1D3">
+    <dgm:scene3d>
+      <a:camera prst="orthographicFront"/>
+      <a:lightRig rig="threePt" dir="t"/>
+    </dgm:scene3d>
+    <dgm:sp3d/>
+    <dgm:txPr/>
+    <dgm:style>
+      <a:lnRef idx="2">
+        <a:scrgbClr r="0" g="0" b="0"/>
+      </a:lnRef>
+      <a:fillRef idx="0">
+        <a:scrgbClr r="0" g="0" b="0"/>
+      </a:fillRef>
+      <a:effectRef idx="0">
+        <a:scrgbClr r="0" g="0" b="0"/>
+      </a:effectRef>
+      <a:fontRef idx="minor"/>
+    </dgm:style>
+  </dgm:styleLbl>
+  <dgm:styleLbl name="parChTrans1D4">
+    <dgm:scene3d>
+      <a:camera prst="orthographicFront"/>
+      <a:lightRig rig="threePt" dir="t"/>
+    </dgm:scene3d>
+    <dgm:sp3d/>
+    <dgm:txPr/>
+    <dgm:style>
+      <a:lnRef idx="2">
+        <a:scrgbClr r="0" g="0" b="0"/>
+      </a:lnRef>
+      <a:fillRef idx="0">
+        <a:scrgbClr r="0" g="0" b="0"/>
+      </a:fillRef>
+      <a:effectRef idx="0">
+        <a:scrgbClr r="0" g="0" b="0"/>
+      </a:effectRef>
+      <a:fontRef idx="minor"/>
+    </dgm:style>
+  </dgm:styleLbl>
+  <dgm:styleLbl name="fgAcc1">
+    <dgm:scene3d>
+      <a:camera prst="orthographicFront"/>
+      <a:lightRig rig="threePt" dir="t"/>
+    </dgm:scene3d>
+    <dgm:sp3d/>
+    <dgm:txPr/>
+    <dgm:style>
+      <a:lnRef idx="2">
+        <a:scrgbClr r="0" g="0" b="0"/>
+      </a:lnRef>
+      <a:fillRef idx="1">
+        <a:scrgbClr r="0" g="0" b="0"/>
+      </a:fillRef>
+      <a:effectRef idx="0">
+        <a:scrgbClr r="0" g="0" b="0"/>
+      </a:effectRef>
+      <a:fontRef idx="minor"/>
+    </dgm:style>
+  </dgm:styleLbl>
+  <dgm:styleLbl name="conFgAcc1">
+    <dgm:scene3d>
+      <a:camera prst="orthographicFront"/>
+      <a:lightRig rig="threePt" dir="t"/>
+    </dgm:scene3d>
+    <dgm:sp3d/>
+    <dgm:txPr/>
+    <dgm:style>
+      <a:lnRef idx="2">
+        <a:scrgbClr r="0" g="0" b="0"/>
+      </a:lnRef>
+      <a:fillRef idx="1">
+        <a:scrgbClr r="0" g="0" b="0"/>
+      </a:fillRef>
+      <a:effectRef idx="0">
+        <a:scrgbClr r="0" g="0" b="0"/>
+      </a:effectRef>
+      <a:fontRef idx="minor"/>
+    </dgm:style>
+  </dgm:styleLbl>
+  <dgm:styleLbl name="alignAcc1">
+    <dgm:scene3d>
+      <a:camera prst="orthographicFront"/>
+      <a:lightRig rig="threePt" dir="t"/>
+    </dgm:scene3d>
+    <dgm:sp3d/>
+    <dgm:txPr/>
+    <dgm:style>
+      <a:lnRef idx="2">
+        <a:scrgbClr r="0" g="0" b="0"/>
+      </a:lnRef>
+      <a:fillRef idx="1">
+        <a:scrgbClr r="0" g="0" b="0"/>
+      </a:fillRef>
+      <a:effectRef idx="0">
+        <a:scrgbClr r="0" g="0" b="0"/>
+      </a:effectRef>
+      <a:fontRef idx="minor"/>
+    </dgm:style>
+  </dgm:styleLbl>
+  <dgm:styleLbl name="trAlignAcc1">
+    <dgm:scene3d>
+      <a:camera prst="orthographicFront"/>
+      <a:lightRig rig="threePt" dir="t"/>
+    </dgm:scene3d>
+    <dgm:sp3d/>
+    <dgm:txPr/>
+    <dgm:style>
+      <a:lnRef idx="1">
+        <a:scrgbClr r="0" g="0" b="0"/>
+      </a:lnRef>
+      <a:fillRef idx="1">
+        <a:scrgbClr r="0" g="0" b="0"/>
+      </a:fillRef>
+      <a:effectRef idx="0">
+        <a:scrgbClr r="0" g="0" b="0"/>
+      </a:effectRef>
+      <a:fontRef idx="minor"/>
+    </dgm:style>
+  </dgm:styleLbl>
+  <dgm:styleLbl name="bgAcc1">
+    <dgm:scene3d>
+      <a:camera prst="orthographicFront"/>
+      <a:lightRig rig="threePt" dir="t"/>
+    </dgm:scene3d>
+    <dgm:sp3d/>
+    <dgm:txPr/>
+    <dgm:style>
+      <a:lnRef idx="2">
+        <a:scrgbClr r="0" g="0" b="0"/>
+      </a:lnRef>
+      <a:fillRef idx="1">
+        <a:scrgbClr r="0" g="0" b="0"/>
+      </a:fillRef>
+      <a:effectRef idx="0">
+        <a:scrgbClr r="0" g="0" b="0"/>
+      </a:effectRef>
+      <a:fontRef idx="minor"/>
+    </dgm:style>
+  </dgm:styleLbl>
+  <dgm:styleLbl name="solidFgAcc1">
+    <dgm:scene3d>
+      <a:camera prst="orthographicFront"/>
+      <a:lightRig rig="threePt" dir="t"/>
+    </dgm:scene3d>
+    <dgm:sp3d/>
+    <dgm:txPr/>
+    <dgm:style>
+      <a:lnRef idx="2">
+        <a:scrgbClr r="0" g="0" b="0"/>
+      </a:lnRef>
+      <a:fillRef idx="1">
+        <a:scrgbClr r="0" g="0" b="0"/>
+      </a:fillRef>
+      <a:effectRef idx="0">
+        <a:scrgbClr r="0" g="0" b="0"/>
+      </a:effectRef>
+      <a:fontRef idx="minor"/>
+    </dgm:style>
+  </dgm:styleLbl>
+  <dgm:styleLbl name="solidAlignAcc1">
+    <dgm:scene3d>
+      <a:camera prst="orthographicFront"/>
+      <a:lightRig rig="threePt" dir="t"/>
+    </dgm:scene3d>
+    <dgm:sp3d/>
+    <dgm:txPr/>
+    <dgm:style>
+      <a:lnRef idx="2">
+        <a:scrgbClr r="0" g="0" b="0"/>
+      </a:lnRef>
+      <a:fillRef idx="1">
+        <a:scrgbClr r="0" g="0" b="0"/>
+      </a:fillRef>
+      <a:effectRef idx="0">
+        <a:scrgbClr r="0" g="0" b="0"/>
+      </a:effectRef>
+      <a:fontRef idx="minor"/>
+    </dgm:style>
+  </dgm:styleLbl>
+  <dgm:styleLbl name="solidBgAcc1">
+    <dgm:scene3d>
+      <a:camera prst="orthographicFront"/>
+      <a:lightRig rig="threePt" dir="t"/>
+    </dgm:scene3d>
+    <dgm:sp3d/>
+    <dgm:txPr/>
+    <dgm:style>
+      <a:lnRef idx="2">
+        <a:scrgbClr r="0" g="0" b="0"/>
+      </a:lnRef>
+      <a:fillRef idx="1">
+        <a:scrgbClr r="0" g="0" b="0"/>
+      </a:fillRef>
+      <a:effectRef idx="0">
+        <a:scrgbClr r="0" g="0" b="0"/>
+      </a:effectRef>
+      <a:fontRef idx="minor"/>
+    </dgm:style>
+  </dgm:styleLbl>
+  <dgm:styleLbl name="fgAccFollowNode1">
+    <dgm:scene3d>
+      <a:camera prst="orthographicFront"/>
+      <a:lightRig rig="threePt" dir="t"/>
+    </dgm:scene3d>
+    <dgm:sp3d/>
+    <dgm:txPr/>
+    <dgm:style>
+      <a:lnRef idx="2">
+        <a:scrgbClr r="0" g="0" b="0"/>
+      </a:lnRef>
+      <a:fillRef idx="1">
+        <a:scrgbClr r="0" g="0" b="0"/>
+      </a:fillRef>
+      <a:effectRef idx="0">
+        <a:scrgbClr r="0" g="0" b="0"/>
+      </a:effectRef>
+      <a:fontRef idx="minor"/>
+    </dgm:style>
+  </dgm:styleLbl>
+  <dgm:styleLbl name="alignAccFollowNode1">
+    <dgm:scene3d>
+      <a:camera prst="orthographicFront"/>
+      <a:lightRig rig="threePt" dir="t"/>
+    </dgm:scene3d>
+    <dgm:sp3d/>
+    <dgm:txPr/>
+    <dgm:style>
+      <a:lnRef idx="2">
+        <a:scrgbClr r="0" g="0" b="0"/>
+      </a:lnRef>
+      <a:fillRef idx="1">
+        <a:scrgbClr r="0" g="0" b="0"/>
+      </a:fillRef>
+      <a:effectRef idx="0">
+        <a:scrgbClr r="0" g="0" b="0"/>
+      </a:effectRef>
+      <a:fontRef idx="minor"/>
+    </dgm:style>
+  </dgm:styleLbl>
+  <dgm:styleLbl name="bgAccFollowNode1">
+    <dgm:scene3d>
+      <a:camera prst="orthographicFront"/>
+      <a:lightRig rig="threePt" dir="t"/>
+    </dgm:scene3d>
+    <dgm:sp3d/>
+    <dgm:txPr/>
+    <dgm:style>
+      <a:lnRef idx="2">
+        <a:scrgbClr r="0" g="0" b="0"/>
+      </a:lnRef>
+      <a:fillRef idx="1">
+        <a:scrgbClr r="0" g="0" b="0"/>
+      </a:fillRef>
+      <a:effectRef idx="0">
+        <a:scrgbClr r="0" g="0" b="0"/>
+      </a:effectRef>
+      <a:fontRef idx="minor"/>
+    </dgm:style>
+  </dgm:styleLbl>
+  <dgm:styleLbl name="fgAcc0">
+    <dgm:scene3d>
+      <a:camera prst="orthographicFront"/>
+      <a:lightRig rig="threePt" dir="t"/>
+    </dgm:scene3d>
+    <dgm:sp3d/>
+    <dgm:txPr/>
+    <dgm:style>
+      <a:lnRef idx="2">
+        <a:scrgbClr r="0" g="0" b="0"/>
+      </a:lnRef>
+      <a:fillRef idx="1">
+        <a:scrgbClr r="0" g="0" b="0"/>
+      </a:fillRef>
+      <a:effectRef idx="0">
+        <a:scrgbClr r="0" g="0" b="0"/>
+      </a:effectRef>
+      <a:fontRef idx="minor"/>
+    </dgm:style>
+  </dgm:styleLbl>
+  <dgm:styleLbl name="fgAcc2">
+    <dgm:scene3d>
+      <a:camera prst="orthographicFront"/>
+      <a:lightRig rig="threePt" dir="t"/>
+    </dgm:scene3d>
+    <dgm:sp3d/>
+    <dgm:txPr/>
+    <dgm:style>
+      <a:lnRef idx="2">
+        <a:scrgbClr r="0" g="0" b="0"/>
+      </a:lnRef>
+      <a:fillRef idx="1">
+        <a:scrgbClr r="0" g="0" b="0"/>
+      </a:fillRef>
+      <a:effectRef idx="0">
+        <a:scrgbClr r="0" g="0" b="0"/>
+      </a:effectRef>
+      <a:fontRef idx="minor"/>
+    </dgm:style>
+  </dgm:styleLbl>
+  <dgm:styleLbl name="fgAcc3">
+    <dgm:scene3d>
+      <a:camera prst="orthographicFront"/>
+      <a:lightRig rig="threePt" dir="t"/>
+    </dgm:scene3d>
+    <dgm:sp3d/>
+    <dgm:txPr/>
+    <dgm:style>
+      <a:lnRef idx="2">
+        <a:scrgbClr r="0" g="0" b="0"/>
+      </a:lnRef>
+      <a:fillRef idx="1">
+        <a:scrgbClr r="0" g="0" b="0"/>
+      </a:fillRef>
+      <a:effectRef idx="0">
+        <a:scrgbClr r="0" g="0" b="0"/>
+      </a:effectRef>
+      <a:fontRef idx="minor"/>
+    </dgm:style>
+  </dgm:styleLbl>
+  <dgm:styleLbl name="fgAcc4">
+    <dgm:scene3d>
+      <a:camera prst="orthographicFront"/>
+      <a:lightRig rig="threePt" dir="t"/>
+    </dgm:scene3d>
+    <dgm:sp3d/>
+    <dgm:txPr/>
+    <dgm:style>
+      <a:lnRef idx="2">
+        <a:scrgbClr r="0" g="0" b="0"/>
+      </a:lnRef>
+      <a:fillRef idx="1">
+        <a:scrgbClr r="0" g="0" b="0"/>
+      </a:fillRef>
+      <a:effectRef idx="0">
+        <a:scrgbClr r="0" g="0" b="0"/>
+      </a:effectRef>
+      <a:fontRef idx="minor"/>
+    </dgm:style>
+  </dgm:styleLbl>
+  <dgm:styleLbl name="bgShp">
+    <dgm:scene3d>
+      <a:camera prst="orthographicFront"/>
+      <a:lightRig rig="threePt" dir="t"/>
+    </dgm:scene3d>
+    <dgm:sp3d/>
+    <dgm:txPr/>
+    <dgm:style>
+      <a:lnRef idx="0">
+        <a:scrgbClr r="0" g="0" b="0"/>
+      </a:lnRef>
+      <a:fillRef idx="1">
+        <a:scrgbClr r="0" g="0" b="0"/>
+      </a:fillRef>
+      <a:effectRef idx="0">
+        <a:scrgbClr r="0" g="0" b="0"/>
+      </a:effectRef>
+      <a:fontRef idx="minor"/>
+    </dgm:style>
+  </dgm:styleLbl>
+  <dgm:styleLbl name="dkBgShp">
+    <dgm:scene3d>
+      <a:camera prst="orthographicFront"/>
+      <a:lightRig rig="threePt" dir="t"/>
+    </dgm:scene3d>
+    <dgm:sp3d/>
+    <dgm:txPr/>
+    <dgm:style>
+      <a:lnRef idx="0">
+        <a:scrgbClr r="0" g="0" b="0"/>
+      </a:lnRef>
+      <a:fillRef idx="1">
+        <a:scrgbClr r="0" g="0" b="0"/>
+      </a:fillRef>
+      <a:effectRef idx="0">
+        <a:scrgbClr r="0" g="0" b="0"/>
+      </a:effectRef>
+      <a:fontRef idx="minor"/>
+    </dgm:style>
+  </dgm:styleLbl>
+  <dgm:styleLbl name="trBgShp">
+    <dgm:scene3d>
+      <a:camera prst="orthographicFront"/>
+      <a:lightRig rig="threePt" dir="t"/>
+    </dgm:scene3d>
+    <dgm:sp3d/>
+    <dgm:txPr/>
+    <dgm:style>
+      <a:lnRef idx="0">
+        <a:scrgbClr r="0" g="0" b="0"/>
+      </a:lnRef>
+      <a:fillRef idx="1">
+        <a:scrgbClr r="0" g="0" b="0"/>
+      </a:fillRef>
+      <a:effectRef idx="0">
+        <a:scrgbClr r="0" g="0" b="0"/>
+      </a:effectRef>
+      <a:fontRef idx="minor"/>
+    </dgm:style>
+  </dgm:styleLbl>
+  <dgm:styleLbl name="fgShp">
+    <dgm:scene3d>
+      <a:camera prst="orthographicFront"/>
+      <a:lightRig rig="threePt" dir="t"/>
+    </dgm:scene3d>
+    <dgm:sp3d/>
+    <dgm:txPr/>
+    <dgm:style>
+      <a:lnRef idx="2">
+        <a:scrgbClr r="0" g="0" b="0"/>
+      </a:lnRef>
+      <a:fillRef idx="1">
+        <a:scrgbClr r="0" g="0" b="0"/>
+      </a:fillRef>
+      <a:effectRef idx="0">
+        <a:scrgbClr r="0" g="0" b="0"/>
+      </a:effectRef>
+      <a:fontRef idx="minor"/>
+    </dgm:style>
+  </dgm:styleLbl>
+  <dgm:styleLbl name="revTx">
+    <dgm:scene3d>
+      <a:camera prst="orthographicFront"/>
+      <a:lightRig rig="threePt" dir="t"/>
+    </dgm:scene3d>
+    <dgm:sp3d/>
+    <dgm:txPr/>
+    <dgm:style>
+      <a:lnRef idx="0">
+        <a:scrgbClr r="0" g="0" b="0"/>
+      </a:lnRef>
+      <a:fillRef idx="0">
+        <a:scrgbClr r="0" g="0" b="0"/>
+      </a:fillRef>
+      <a:effectRef idx="0">
+        <a:scrgbClr r="0" g="0" b="0"/>
+      </a:effectRef>
+      <a:fontRef idx="minor"/>
+    </dgm:style>
+  </dgm:styleLbl>
+</dgm:styleDef>
 </file>
 
 <file path=ppt/notesMasters/notesMaster1.xml><?xml version="1.0" encoding="utf-8"?>
@@ -545,7 +3370,7 @@
     </p:spTree>
     <p:extLst>
       <p:ext uri="{BB962C8B-B14F-4D97-AF65-F5344CB8AC3E}">
-        <p14:creationId xmlns:p14="http://schemas.microsoft.com/office/powerpoint/2010/main" val="1943305321"/>
+        <p14:creationId xmlns:p14="http://schemas.microsoft.com/office/powerpoint/2010/main" val="3743927329"/>
       </p:ext>
     </p:extLst>
   </p:cSld>
@@ -629,7 +3454,7 @@
     </p:spTree>
     <p:extLst>
       <p:ext uri="{BB962C8B-B14F-4D97-AF65-F5344CB8AC3E}">
-        <p14:creationId xmlns:p14="http://schemas.microsoft.com/office/powerpoint/2010/main" val="389563805"/>
+        <p14:creationId xmlns:p14="http://schemas.microsoft.com/office/powerpoint/2010/main" val="1506658882"/>
       </p:ext>
     </p:extLst>
   </p:cSld>
@@ -713,7 +3538,7 @@
     </p:spTree>
     <p:extLst>
       <p:ext uri="{BB962C8B-B14F-4D97-AF65-F5344CB8AC3E}">
-        <p14:creationId xmlns:p14="http://schemas.microsoft.com/office/powerpoint/2010/main" val="323493965"/>
+        <p14:creationId xmlns:p14="http://schemas.microsoft.com/office/powerpoint/2010/main" val="1943305321"/>
       </p:ext>
     </p:extLst>
   </p:cSld>
@@ -797,7 +3622,7 @@
     </p:spTree>
     <p:extLst>
       <p:ext uri="{BB962C8B-B14F-4D97-AF65-F5344CB8AC3E}">
-        <p14:creationId xmlns:p14="http://schemas.microsoft.com/office/powerpoint/2010/main" val="1702393455"/>
+        <p14:creationId xmlns:p14="http://schemas.microsoft.com/office/powerpoint/2010/main" val="389563805"/>
       </p:ext>
     </p:extLst>
   </p:cSld>
@@ -872,7 +3697,175 @@
           <a:p>
             <a:fld id="{E0746DE6-3336-457D-A091-FA20AC1C536E}" type="slidenum">
               <a:rPr lang="en-US" smtClean="0"/>
-              <a:t>8</a:t>
+              <a:t>6</a:t>
+            </a:fld>
+            <a:endParaRPr lang="en-US"/>
+          </a:p>
+        </p:txBody>
+      </p:sp>
+    </p:spTree>
+    <p:extLst>
+      <p:ext uri="{BB962C8B-B14F-4D97-AF65-F5344CB8AC3E}">
+        <p14:creationId xmlns:p14="http://schemas.microsoft.com/office/powerpoint/2010/main" val="323493965"/>
+      </p:ext>
+    </p:extLst>
+  </p:cSld>
+  <p:clrMapOvr>
+    <a:masterClrMapping/>
+  </p:clrMapOvr>
+</p:notes>
+</file>
+
+<file path=ppt/notesSlides/notesSlide6.xml><?xml version="1.0" encoding="utf-8"?>
+<p:notes xmlns:a="http://schemas.openxmlformats.org/drawingml/2006/main" xmlns:r="http://schemas.openxmlformats.org/officeDocument/2006/relationships" xmlns:p="http://schemas.openxmlformats.org/presentationml/2006/main">
+  <p:cSld>
+    <p:spTree>
+      <p:nvGrpSpPr>
+        <p:cNvPr id="1" name=""/>
+        <p:cNvGrpSpPr/>
+        <p:nvPr/>
+      </p:nvGrpSpPr>
+      <p:grpSpPr>
+        <a:xfrm>
+          <a:off x="0" y="0"/>
+          <a:ext cx="0" cy="0"/>
+          <a:chOff x="0" y="0"/>
+          <a:chExt cx="0" cy="0"/>
+        </a:xfrm>
+      </p:grpSpPr>
+      <p:sp>
+        <p:nvSpPr>
+          <p:cNvPr id="2" name="Slide Image Placeholder 1"/>
+          <p:cNvSpPr>
+            <a:spLocks noGrp="1" noRot="1" noChangeAspect="1"/>
+          </p:cNvSpPr>
+          <p:nvPr>
+            <p:ph type="sldImg"/>
+          </p:nvPr>
+        </p:nvSpPr>
+        <p:spPr/>
+      </p:sp>
+      <p:sp>
+        <p:nvSpPr>
+          <p:cNvPr id="3" name="Notes Placeholder 2"/>
+          <p:cNvSpPr>
+            <a:spLocks noGrp="1"/>
+          </p:cNvSpPr>
+          <p:nvPr>
+            <p:ph type="body" idx="1"/>
+          </p:nvPr>
+        </p:nvSpPr>
+        <p:spPr/>
+        <p:txBody>
+          <a:bodyPr/>
+          <a:lstStyle/>
+          <a:p>
+            <a:endParaRPr lang="en-US" dirty="0"/>
+          </a:p>
+        </p:txBody>
+      </p:sp>
+      <p:sp>
+        <p:nvSpPr>
+          <p:cNvPr id="4" name="Slide Number Placeholder 3"/>
+          <p:cNvSpPr>
+            <a:spLocks noGrp="1"/>
+          </p:cNvSpPr>
+          <p:nvPr>
+            <p:ph type="sldNum" sz="quarter" idx="5"/>
+          </p:nvPr>
+        </p:nvSpPr>
+        <p:spPr/>
+        <p:txBody>
+          <a:bodyPr/>
+          <a:lstStyle/>
+          <a:p>
+            <a:fld id="{E0746DE6-3336-457D-A091-FA20AC1C536E}" type="slidenum">
+              <a:rPr lang="en-US" smtClean="0"/>
+              <a:t>7</a:t>
+            </a:fld>
+            <a:endParaRPr lang="en-US"/>
+          </a:p>
+        </p:txBody>
+      </p:sp>
+    </p:spTree>
+    <p:extLst>
+      <p:ext uri="{BB962C8B-B14F-4D97-AF65-F5344CB8AC3E}">
+        <p14:creationId xmlns:p14="http://schemas.microsoft.com/office/powerpoint/2010/main" val="1702393455"/>
+      </p:ext>
+    </p:extLst>
+  </p:cSld>
+  <p:clrMapOvr>
+    <a:masterClrMapping/>
+  </p:clrMapOvr>
+</p:notes>
+</file>
+
+<file path=ppt/notesSlides/notesSlide7.xml><?xml version="1.0" encoding="utf-8"?>
+<p:notes xmlns:a="http://schemas.openxmlformats.org/drawingml/2006/main" xmlns:r="http://schemas.openxmlformats.org/officeDocument/2006/relationships" xmlns:p="http://schemas.openxmlformats.org/presentationml/2006/main">
+  <p:cSld>
+    <p:spTree>
+      <p:nvGrpSpPr>
+        <p:cNvPr id="1" name=""/>
+        <p:cNvGrpSpPr/>
+        <p:nvPr/>
+      </p:nvGrpSpPr>
+      <p:grpSpPr>
+        <a:xfrm>
+          <a:off x="0" y="0"/>
+          <a:ext cx="0" cy="0"/>
+          <a:chOff x="0" y="0"/>
+          <a:chExt cx="0" cy="0"/>
+        </a:xfrm>
+      </p:grpSpPr>
+      <p:sp>
+        <p:nvSpPr>
+          <p:cNvPr id="2" name="Slide Image Placeholder 1"/>
+          <p:cNvSpPr>
+            <a:spLocks noGrp="1" noRot="1" noChangeAspect="1"/>
+          </p:cNvSpPr>
+          <p:nvPr>
+            <p:ph type="sldImg"/>
+          </p:nvPr>
+        </p:nvSpPr>
+        <p:spPr/>
+      </p:sp>
+      <p:sp>
+        <p:nvSpPr>
+          <p:cNvPr id="3" name="Notes Placeholder 2"/>
+          <p:cNvSpPr>
+            <a:spLocks noGrp="1"/>
+          </p:cNvSpPr>
+          <p:nvPr>
+            <p:ph type="body" idx="1"/>
+          </p:nvPr>
+        </p:nvSpPr>
+        <p:spPr/>
+        <p:txBody>
+          <a:bodyPr/>
+          <a:lstStyle/>
+          <a:p>
+            <a:endParaRPr lang="en-US" dirty="0"/>
+          </a:p>
+        </p:txBody>
+      </p:sp>
+      <p:sp>
+        <p:nvSpPr>
+          <p:cNvPr id="4" name="Slide Number Placeholder 3"/>
+          <p:cNvSpPr>
+            <a:spLocks noGrp="1"/>
+          </p:cNvSpPr>
+          <p:nvPr>
+            <p:ph type="sldNum" sz="quarter" idx="5"/>
+          </p:nvPr>
+        </p:nvSpPr>
+        <p:spPr/>
+        <p:txBody>
+          <a:bodyPr/>
+          <a:lstStyle/>
+          <a:p>
+            <a:fld id="{E0746DE6-3336-457D-A091-FA20AC1C536E}" type="slidenum">
+              <a:rPr lang="en-US" smtClean="0"/>
+              <a:t>10</a:t>
             </a:fld>
             <a:endParaRPr lang="en-US"/>
           </a:p>
@@ -13212,7 +16205,3010 @@
 </p:sld>
 </file>
 
+<file path=ppt/slides/slide10.xml><?xml version="1.0" encoding="utf-8"?>
+<p:sld xmlns:a="http://schemas.openxmlformats.org/drawingml/2006/main" xmlns:r="http://schemas.openxmlformats.org/officeDocument/2006/relationships" xmlns:p="http://schemas.openxmlformats.org/presentationml/2006/main">
+  <p:cSld>
+    <p:bg>
+      <p:bgPr>
+        <a:solidFill>
+          <a:schemeClr val="bg2"/>
+        </a:solidFill>
+        <a:effectLst/>
+      </p:bgPr>
+    </p:bg>
+    <p:spTree>
+      <p:nvGrpSpPr>
+        <p:cNvPr id="1" name=""/>
+        <p:cNvGrpSpPr/>
+        <p:nvPr/>
+      </p:nvGrpSpPr>
+      <p:grpSpPr>
+        <a:xfrm>
+          <a:off x="0" y="0"/>
+          <a:ext cx="0" cy="0"/>
+          <a:chOff x="0" y="0"/>
+          <a:chExt cx="0" cy="0"/>
+        </a:xfrm>
+      </p:grpSpPr>
+      <p:sp useBgFill="1">
+        <p:nvSpPr>
+          <p:cNvPr id="8" name="Rectangle 7">
+            <a:extLst>
+              <a:ext uri="{FF2B5EF4-FFF2-40B4-BE49-F238E27FC236}">
+                <a16:creationId xmlns:a16="http://schemas.microsoft.com/office/drawing/2014/main" id="{A98AD482-27A4-454E-8A3A-84F73CBDA7E4}"/>
+              </a:ext>
+              <a:ext uri="{C183D7F6-B498-43B3-948B-1728B52AA6E4}">
+                <adec:decorative xmlns:adec="http://schemas.microsoft.com/office/drawing/2017/decorative" val="1"/>
+              </a:ext>
+            </a:extLst>
+          </p:cNvPr>
+          <p:cNvSpPr>
+            <a:spLocks noGrp="1" noRot="1" noChangeAspect="1" noMove="1" noResize="1" noEditPoints="1" noAdjustHandles="1" noChangeArrowheads="1" noChangeShapeType="1" noTextEdit="1"/>
+          </p:cNvSpPr>
+          <p:nvPr>
+            <p:extLst>
+              <p:ext uri="{386F3935-93C4-4BCD-93E2-E3B085C9AB24}">
+                <p16:designElem xmlns:p16="http://schemas.microsoft.com/office/powerpoint/2015/main" val="1"/>
+              </p:ext>
+            </p:extLst>
+          </p:nvPr>
+        </p:nvSpPr>
+        <p:spPr>
+          <a:xfrm>
+            <a:off x="0" y="0"/>
+            <a:ext cx="12192000" cy="6858000"/>
+          </a:xfrm>
+          <a:prstGeom prst="rect">
+            <a:avLst/>
+          </a:prstGeom>
+          <a:ln>
+            <a:noFill/>
+          </a:ln>
+        </p:spPr>
+        <p:style>
+          <a:lnRef idx="2">
+            <a:schemeClr val="accent1">
+              <a:shade val="50000"/>
+            </a:schemeClr>
+          </a:lnRef>
+          <a:fillRef idx="1">
+            <a:schemeClr val="accent1"/>
+          </a:fillRef>
+          <a:effectRef idx="0">
+            <a:schemeClr val="accent1"/>
+          </a:effectRef>
+          <a:fontRef idx="minor">
+            <a:schemeClr val="lt1"/>
+          </a:fontRef>
+        </p:style>
+        <p:txBody>
+          <a:bodyPr rtlCol="0" anchor="ctr"/>
+          <a:lstStyle/>
+          <a:p>
+            <a:pPr algn="ctr"/>
+            <a:endParaRPr lang="en-US"/>
+          </a:p>
+        </p:txBody>
+      </p:sp>
+      <p:sp>
+        <p:nvSpPr>
+          <p:cNvPr id="10" name="Rectangle 9">
+            <a:extLst>
+              <a:ext uri="{FF2B5EF4-FFF2-40B4-BE49-F238E27FC236}">
+                <a16:creationId xmlns:a16="http://schemas.microsoft.com/office/drawing/2014/main" id="{322422E2-F15A-43AE-98F1-7210710B0EB8}"/>
+              </a:ext>
+              <a:ext uri="{C183D7F6-B498-43B3-948B-1728B52AA6E4}">
+                <adec:decorative xmlns:adec="http://schemas.microsoft.com/office/drawing/2017/decorative" val="1"/>
+              </a:ext>
+            </a:extLst>
+          </p:cNvPr>
+          <p:cNvSpPr>
+            <a:spLocks noGrp="1" noRot="1" noChangeAspect="1" noMove="1" noResize="1" noEditPoints="1" noAdjustHandles="1" noChangeArrowheads="1" noChangeShapeType="1" noTextEdit="1"/>
+          </p:cNvSpPr>
+          <p:nvPr>
+            <p:extLst>
+              <p:ext uri="{386F3935-93C4-4BCD-93E2-E3B085C9AB24}">
+                <p16:designElem xmlns:p16="http://schemas.microsoft.com/office/powerpoint/2015/main" val="1"/>
+              </p:ext>
+            </p:extLst>
+          </p:nvPr>
+        </p:nvSpPr>
+        <p:spPr>
+          <a:xfrm>
+            <a:off x="0" y="0"/>
+            <a:ext cx="4640343" cy="6858000"/>
+          </a:xfrm>
+          <a:prstGeom prst="rect">
+            <a:avLst/>
+          </a:prstGeom>
+          <a:solidFill>
+            <a:schemeClr val="accent1"/>
+          </a:solidFill>
+          <a:ln>
+            <a:noFill/>
+          </a:ln>
+        </p:spPr>
+        <p:style>
+          <a:lnRef idx="2">
+            <a:schemeClr val="accent1">
+              <a:shade val="50000"/>
+            </a:schemeClr>
+          </a:lnRef>
+          <a:fillRef idx="1">
+            <a:schemeClr val="accent1"/>
+          </a:fillRef>
+          <a:effectRef idx="0">
+            <a:schemeClr val="accent1"/>
+          </a:effectRef>
+          <a:fontRef idx="minor">
+            <a:schemeClr val="lt1"/>
+          </a:fontRef>
+        </p:style>
+        <p:txBody>
+          <a:bodyPr rtlCol="0" anchor="ctr"/>
+          <a:lstStyle/>
+          <a:p>
+            <a:pPr algn="ctr"/>
+            <a:endParaRPr lang="en-US"/>
+          </a:p>
+        </p:txBody>
+      </p:sp>
+      <p:sp>
+        <p:nvSpPr>
+          <p:cNvPr id="2" name="Title 1"/>
+          <p:cNvSpPr>
+            <a:spLocks noGrp="1"/>
+          </p:cNvSpPr>
+          <p:nvPr>
+            <p:ph type="title"/>
+          </p:nvPr>
+        </p:nvSpPr>
+        <p:spPr>
+          <a:xfrm>
+            <a:off x="1251677" y="1078378"/>
+            <a:ext cx="2917551" cy="4701244"/>
+          </a:xfrm>
+        </p:spPr>
+        <p:txBody>
+          <a:bodyPr anchor="ctr">
+            <a:normAutofit/>
+          </a:bodyPr>
+          <a:lstStyle/>
+          <a:p>
+            <a:r>
+              <a:rPr lang="en-US" sz="3600" dirty="0"/>
+              <a:t>To Do List</a:t>
+            </a:r>
+          </a:p>
+        </p:txBody>
+      </p:sp>
+      <p:sp>
+        <p:nvSpPr>
+          <p:cNvPr id="12" name="Freeform 6">
+            <a:extLst>
+              <a:ext uri="{FF2B5EF4-FFF2-40B4-BE49-F238E27FC236}">
+                <a16:creationId xmlns:a16="http://schemas.microsoft.com/office/drawing/2014/main" id="{BDC8164B-5FC0-4CBD-B7AE-0CB8780FFCB3}"/>
+              </a:ext>
+              <a:ext uri="{C183D7F6-B498-43B3-948B-1728B52AA6E4}">
+                <adec:decorative xmlns:adec="http://schemas.microsoft.com/office/drawing/2017/decorative" val="1"/>
+              </a:ext>
+            </a:extLst>
+          </p:cNvPr>
+          <p:cNvSpPr>
+            <a:spLocks noGrp="1" noRot="1" noChangeAspect="1" noMove="1" noResize="1" noEditPoints="1" noAdjustHandles="1" noChangeArrowheads="1" noChangeShapeType="1" noTextEdit="1"/>
+          </p:cNvSpPr>
+          <p:nvPr>
+            <p:extLst>
+              <p:ext uri="{386F3935-93C4-4BCD-93E2-E3B085C9AB24}">
+                <p16:designElem xmlns:p16="http://schemas.microsoft.com/office/powerpoint/2015/main" val="1"/>
+              </p:ext>
+            </p:extLst>
+          </p:nvPr>
+        </p:nvSpPr>
+        <p:spPr bwMode="auto">
+          <a:xfrm>
+            <a:off x="0" y="0"/>
+            <a:ext cx="885825" cy="6858000"/>
+          </a:xfrm>
+          <a:custGeom>
+            <a:avLst/>
+            <a:gdLst/>
+            <a:ahLst/>
+            <a:cxnLst/>
+            <a:rect l="0" t="0" r="r" b="b"/>
+            <a:pathLst>
+              <a:path w="558" h="4320">
+                <a:moveTo>
+                  <a:pt x="0" y="0"/>
+                </a:moveTo>
+                <a:lnTo>
+                  <a:pt x="447" y="0"/>
+                </a:lnTo>
+                <a:lnTo>
+                  <a:pt x="448" y="43"/>
+                </a:lnTo>
+                <a:lnTo>
+                  <a:pt x="453" y="81"/>
+                </a:lnTo>
+                <a:lnTo>
+                  <a:pt x="460" y="114"/>
+                </a:lnTo>
+                <a:lnTo>
+                  <a:pt x="469" y="143"/>
+                </a:lnTo>
+                <a:lnTo>
+                  <a:pt x="479" y="169"/>
+                </a:lnTo>
+                <a:lnTo>
+                  <a:pt x="491" y="192"/>
+                </a:lnTo>
+                <a:lnTo>
+                  <a:pt x="503" y="216"/>
+                </a:lnTo>
+                <a:lnTo>
+                  <a:pt x="515" y="240"/>
+                </a:lnTo>
+                <a:lnTo>
+                  <a:pt x="525" y="263"/>
+                </a:lnTo>
+                <a:lnTo>
+                  <a:pt x="535" y="289"/>
+                </a:lnTo>
+                <a:lnTo>
+                  <a:pt x="545" y="318"/>
+                </a:lnTo>
+                <a:lnTo>
+                  <a:pt x="552" y="351"/>
+                </a:lnTo>
+                <a:lnTo>
+                  <a:pt x="556" y="389"/>
+                </a:lnTo>
+                <a:lnTo>
+                  <a:pt x="558" y="432"/>
+                </a:lnTo>
+                <a:lnTo>
+                  <a:pt x="556" y="475"/>
+                </a:lnTo>
+                <a:lnTo>
+                  <a:pt x="552" y="513"/>
+                </a:lnTo>
+                <a:lnTo>
+                  <a:pt x="545" y="546"/>
+                </a:lnTo>
+                <a:lnTo>
+                  <a:pt x="535" y="575"/>
+                </a:lnTo>
+                <a:lnTo>
+                  <a:pt x="525" y="601"/>
+                </a:lnTo>
+                <a:lnTo>
+                  <a:pt x="515" y="624"/>
+                </a:lnTo>
+                <a:lnTo>
+                  <a:pt x="503" y="648"/>
+                </a:lnTo>
+                <a:lnTo>
+                  <a:pt x="491" y="672"/>
+                </a:lnTo>
+                <a:lnTo>
+                  <a:pt x="479" y="695"/>
+                </a:lnTo>
+                <a:lnTo>
+                  <a:pt x="469" y="721"/>
+                </a:lnTo>
+                <a:lnTo>
+                  <a:pt x="460" y="750"/>
+                </a:lnTo>
+                <a:lnTo>
+                  <a:pt x="453" y="783"/>
+                </a:lnTo>
+                <a:lnTo>
+                  <a:pt x="448" y="821"/>
+                </a:lnTo>
+                <a:lnTo>
+                  <a:pt x="447" y="864"/>
+                </a:lnTo>
+                <a:lnTo>
+                  <a:pt x="448" y="907"/>
+                </a:lnTo>
+                <a:lnTo>
+                  <a:pt x="453" y="945"/>
+                </a:lnTo>
+                <a:lnTo>
+                  <a:pt x="460" y="978"/>
+                </a:lnTo>
+                <a:lnTo>
+                  <a:pt x="469" y="1007"/>
+                </a:lnTo>
+                <a:lnTo>
+                  <a:pt x="479" y="1033"/>
+                </a:lnTo>
+                <a:lnTo>
+                  <a:pt x="491" y="1056"/>
+                </a:lnTo>
+                <a:lnTo>
+                  <a:pt x="503" y="1080"/>
+                </a:lnTo>
+                <a:lnTo>
+                  <a:pt x="515" y="1104"/>
+                </a:lnTo>
+                <a:lnTo>
+                  <a:pt x="525" y="1127"/>
+                </a:lnTo>
+                <a:lnTo>
+                  <a:pt x="535" y="1153"/>
+                </a:lnTo>
+                <a:lnTo>
+                  <a:pt x="545" y="1182"/>
+                </a:lnTo>
+                <a:lnTo>
+                  <a:pt x="552" y="1215"/>
+                </a:lnTo>
+                <a:lnTo>
+                  <a:pt x="556" y="1253"/>
+                </a:lnTo>
+                <a:lnTo>
+                  <a:pt x="558" y="1296"/>
+                </a:lnTo>
+                <a:lnTo>
+                  <a:pt x="556" y="1339"/>
+                </a:lnTo>
+                <a:lnTo>
+                  <a:pt x="552" y="1377"/>
+                </a:lnTo>
+                <a:lnTo>
+                  <a:pt x="545" y="1410"/>
+                </a:lnTo>
+                <a:lnTo>
+                  <a:pt x="535" y="1439"/>
+                </a:lnTo>
+                <a:lnTo>
+                  <a:pt x="525" y="1465"/>
+                </a:lnTo>
+                <a:lnTo>
+                  <a:pt x="515" y="1488"/>
+                </a:lnTo>
+                <a:lnTo>
+                  <a:pt x="503" y="1512"/>
+                </a:lnTo>
+                <a:lnTo>
+                  <a:pt x="491" y="1536"/>
+                </a:lnTo>
+                <a:lnTo>
+                  <a:pt x="479" y="1559"/>
+                </a:lnTo>
+                <a:lnTo>
+                  <a:pt x="469" y="1585"/>
+                </a:lnTo>
+                <a:lnTo>
+                  <a:pt x="460" y="1614"/>
+                </a:lnTo>
+                <a:lnTo>
+                  <a:pt x="453" y="1647"/>
+                </a:lnTo>
+                <a:lnTo>
+                  <a:pt x="448" y="1685"/>
+                </a:lnTo>
+                <a:lnTo>
+                  <a:pt x="447" y="1728"/>
+                </a:lnTo>
+                <a:lnTo>
+                  <a:pt x="448" y="1771"/>
+                </a:lnTo>
+                <a:lnTo>
+                  <a:pt x="453" y="1809"/>
+                </a:lnTo>
+                <a:lnTo>
+                  <a:pt x="460" y="1842"/>
+                </a:lnTo>
+                <a:lnTo>
+                  <a:pt x="469" y="1871"/>
+                </a:lnTo>
+                <a:lnTo>
+                  <a:pt x="479" y="1897"/>
+                </a:lnTo>
+                <a:lnTo>
+                  <a:pt x="491" y="1920"/>
+                </a:lnTo>
+                <a:lnTo>
+                  <a:pt x="503" y="1944"/>
+                </a:lnTo>
+                <a:lnTo>
+                  <a:pt x="515" y="1968"/>
+                </a:lnTo>
+                <a:lnTo>
+                  <a:pt x="525" y="1991"/>
+                </a:lnTo>
+                <a:lnTo>
+                  <a:pt x="535" y="2017"/>
+                </a:lnTo>
+                <a:lnTo>
+                  <a:pt x="545" y="2046"/>
+                </a:lnTo>
+                <a:lnTo>
+                  <a:pt x="552" y="2079"/>
+                </a:lnTo>
+                <a:lnTo>
+                  <a:pt x="556" y="2117"/>
+                </a:lnTo>
+                <a:lnTo>
+                  <a:pt x="558" y="2159"/>
+                </a:lnTo>
+                <a:lnTo>
+                  <a:pt x="556" y="2203"/>
+                </a:lnTo>
+                <a:lnTo>
+                  <a:pt x="552" y="2241"/>
+                </a:lnTo>
+                <a:lnTo>
+                  <a:pt x="545" y="2274"/>
+                </a:lnTo>
+                <a:lnTo>
+                  <a:pt x="535" y="2303"/>
+                </a:lnTo>
+                <a:lnTo>
+                  <a:pt x="525" y="2329"/>
+                </a:lnTo>
+                <a:lnTo>
+                  <a:pt x="515" y="2352"/>
+                </a:lnTo>
+                <a:lnTo>
+                  <a:pt x="503" y="2376"/>
+                </a:lnTo>
+                <a:lnTo>
+                  <a:pt x="491" y="2400"/>
+                </a:lnTo>
+                <a:lnTo>
+                  <a:pt x="479" y="2423"/>
+                </a:lnTo>
+                <a:lnTo>
+                  <a:pt x="469" y="2449"/>
+                </a:lnTo>
+                <a:lnTo>
+                  <a:pt x="460" y="2478"/>
+                </a:lnTo>
+                <a:lnTo>
+                  <a:pt x="453" y="2511"/>
+                </a:lnTo>
+                <a:lnTo>
+                  <a:pt x="448" y="2549"/>
+                </a:lnTo>
+                <a:lnTo>
+                  <a:pt x="447" y="2592"/>
+                </a:lnTo>
+                <a:lnTo>
+                  <a:pt x="448" y="2635"/>
+                </a:lnTo>
+                <a:lnTo>
+                  <a:pt x="453" y="2673"/>
+                </a:lnTo>
+                <a:lnTo>
+                  <a:pt x="460" y="2706"/>
+                </a:lnTo>
+                <a:lnTo>
+                  <a:pt x="469" y="2735"/>
+                </a:lnTo>
+                <a:lnTo>
+                  <a:pt x="479" y="2761"/>
+                </a:lnTo>
+                <a:lnTo>
+                  <a:pt x="491" y="2784"/>
+                </a:lnTo>
+                <a:lnTo>
+                  <a:pt x="515" y="2832"/>
+                </a:lnTo>
+                <a:lnTo>
+                  <a:pt x="525" y="2855"/>
+                </a:lnTo>
+                <a:lnTo>
+                  <a:pt x="535" y="2881"/>
+                </a:lnTo>
+                <a:lnTo>
+                  <a:pt x="545" y="2910"/>
+                </a:lnTo>
+                <a:lnTo>
+                  <a:pt x="552" y="2943"/>
+                </a:lnTo>
+                <a:lnTo>
+                  <a:pt x="556" y="2981"/>
+                </a:lnTo>
+                <a:lnTo>
+                  <a:pt x="558" y="3024"/>
+                </a:lnTo>
+                <a:lnTo>
+                  <a:pt x="556" y="3067"/>
+                </a:lnTo>
+                <a:lnTo>
+                  <a:pt x="552" y="3105"/>
+                </a:lnTo>
+                <a:lnTo>
+                  <a:pt x="545" y="3138"/>
+                </a:lnTo>
+                <a:lnTo>
+                  <a:pt x="535" y="3167"/>
+                </a:lnTo>
+                <a:lnTo>
+                  <a:pt x="525" y="3193"/>
+                </a:lnTo>
+                <a:lnTo>
+                  <a:pt x="515" y="3216"/>
+                </a:lnTo>
+                <a:lnTo>
+                  <a:pt x="503" y="3240"/>
+                </a:lnTo>
+                <a:lnTo>
+                  <a:pt x="491" y="3264"/>
+                </a:lnTo>
+                <a:lnTo>
+                  <a:pt x="479" y="3287"/>
+                </a:lnTo>
+                <a:lnTo>
+                  <a:pt x="469" y="3313"/>
+                </a:lnTo>
+                <a:lnTo>
+                  <a:pt x="460" y="3342"/>
+                </a:lnTo>
+                <a:lnTo>
+                  <a:pt x="453" y="3375"/>
+                </a:lnTo>
+                <a:lnTo>
+                  <a:pt x="448" y="3413"/>
+                </a:lnTo>
+                <a:lnTo>
+                  <a:pt x="447" y="3456"/>
+                </a:lnTo>
+                <a:lnTo>
+                  <a:pt x="448" y="3499"/>
+                </a:lnTo>
+                <a:lnTo>
+                  <a:pt x="453" y="3537"/>
+                </a:lnTo>
+                <a:lnTo>
+                  <a:pt x="460" y="3570"/>
+                </a:lnTo>
+                <a:lnTo>
+                  <a:pt x="469" y="3599"/>
+                </a:lnTo>
+                <a:lnTo>
+                  <a:pt x="479" y="3625"/>
+                </a:lnTo>
+                <a:lnTo>
+                  <a:pt x="491" y="3648"/>
+                </a:lnTo>
+                <a:lnTo>
+                  <a:pt x="503" y="3672"/>
+                </a:lnTo>
+                <a:lnTo>
+                  <a:pt x="515" y="3696"/>
+                </a:lnTo>
+                <a:lnTo>
+                  <a:pt x="525" y="3719"/>
+                </a:lnTo>
+                <a:lnTo>
+                  <a:pt x="535" y="3745"/>
+                </a:lnTo>
+                <a:lnTo>
+                  <a:pt x="545" y="3774"/>
+                </a:lnTo>
+                <a:lnTo>
+                  <a:pt x="552" y="3807"/>
+                </a:lnTo>
+                <a:lnTo>
+                  <a:pt x="556" y="3845"/>
+                </a:lnTo>
+                <a:lnTo>
+                  <a:pt x="558" y="3888"/>
+                </a:lnTo>
+                <a:lnTo>
+                  <a:pt x="556" y="3931"/>
+                </a:lnTo>
+                <a:lnTo>
+                  <a:pt x="552" y="3969"/>
+                </a:lnTo>
+                <a:lnTo>
+                  <a:pt x="545" y="4002"/>
+                </a:lnTo>
+                <a:lnTo>
+                  <a:pt x="535" y="4031"/>
+                </a:lnTo>
+                <a:lnTo>
+                  <a:pt x="525" y="4057"/>
+                </a:lnTo>
+                <a:lnTo>
+                  <a:pt x="515" y="4080"/>
+                </a:lnTo>
+                <a:lnTo>
+                  <a:pt x="503" y="4104"/>
+                </a:lnTo>
+                <a:lnTo>
+                  <a:pt x="491" y="4128"/>
+                </a:lnTo>
+                <a:lnTo>
+                  <a:pt x="479" y="4151"/>
+                </a:lnTo>
+                <a:lnTo>
+                  <a:pt x="469" y="4177"/>
+                </a:lnTo>
+                <a:lnTo>
+                  <a:pt x="460" y="4206"/>
+                </a:lnTo>
+                <a:lnTo>
+                  <a:pt x="453" y="4239"/>
+                </a:lnTo>
+                <a:lnTo>
+                  <a:pt x="448" y="4277"/>
+                </a:lnTo>
+                <a:lnTo>
+                  <a:pt x="447" y="4320"/>
+                </a:lnTo>
+                <a:lnTo>
+                  <a:pt x="0" y="4320"/>
+                </a:lnTo>
+                <a:lnTo>
+                  <a:pt x="0" y="0"/>
+                </a:lnTo>
+                <a:close/>
+              </a:path>
+            </a:pathLst>
+          </a:custGeom>
+          <a:solidFill>
+            <a:schemeClr val="accent1">
+              <a:lumMod val="75000"/>
+              <a:alpha val="70000"/>
+            </a:schemeClr>
+          </a:solidFill>
+          <a:ln w="0">
+            <a:noFill/>
+            <a:prstDash val="solid"/>
+            <a:round/>
+            <a:headEnd/>
+            <a:tailEnd/>
+          </a:ln>
+        </p:spPr>
+      </p:sp>
+      <p:sp>
+        <p:nvSpPr>
+          <p:cNvPr id="3" name="Content Placeholder 2"/>
+          <p:cNvSpPr>
+            <a:spLocks noGrp="1"/>
+          </p:cNvSpPr>
+          <p:nvPr>
+            <p:ph idx="1"/>
+          </p:nvPr>
+        </p:nvSpPr>
+        <p:spPr>
+          <a:xfrm>
+            <a:off x="5167062" y="1078378"/>
+            <a:ext cx="6552498" cy="4701244"/>
+          </a:xfrm>
+        </p:spPr>
+        <p:txBody>
+          <a:bodyPr anchor="ctr">
+            <a:normAutofit/>
+          </a:bodyPr>
+          <a:lstStyle/>
+          <a:p>
+            <a:endParaRPr lang="en-US" sz="2800" dirty="0"/>
+          </a:p>
+          <a:p>
+            <a:r>
+              <a:rPr lang="en-US" sz="2800" dirty="0"/>
+              <a:t>Analyze</a:t>
+            </a:r>
+            <a:r>
+              <a:rPr lang="zh-TW" altLang="en-US" sz="2800" dirty="0"/>
+              <a:t> </a:t>
+            </a:r>
+            <a:r>
+              <a:rPr lang="en-US" altLang="zh-TW" sz="2800" dirty="0"/>
+              <a:t>the best model from each run</a:t>
+            </a:r>
+          </a:p>
+          <a:p>
+            <a:r>
+              <a:rPr lang="en-US" sz="2800" dirty="0"/>
+              <a:t>Find the best model</a:t>
+            </a:r>
+          </a:p>
+          <a:p>
+            <a:r>
+              <a:rPr lang="en-US" sz="2800" dirty="0"/>
+              <a:t>Compare the best model from different algorithms</a:t>
+            </a:r>
+          </a:p>
+          <a:p>
+            <a:r>
+              <a:rPr lang="en-US" sz="2800" dirty="0"/>
+              <a:t>Find the important hyperparameters of each algorithms</a:t>
+            </a:r>
+          </a:p>
+          <a:p>
+            <a:r>
+              <a:rPr lang="en-US" sz="2800" dirty="0"/>
+              <a:t>Complete the document</a:t>
+            </a:r>
+          </a:p>
+          <a:p>
+            <a:endParaRPr lang="en-US" sz="2800" dirty="0"/>
+          </a:p>
+        </p:txBody>
+      </p:sp>
+    </p:spTree>
+    <p:extLst>
+      <p:ext uri="{BB962C8B-B14F-4D97-AF65-F5344CB8AC3E}">
+        <p14:creationId xmlns:p14="http://schemas.microsoft.com/office/powerpoint/2010/main" val="1744284502"/>
+      </p:ext>
+    </p:extLst>
+  </p:cSld>
+  <p:clrMapOvr>
+    <a:masterClrMapping/>
+  </p:clrMapOvr>
+</p:sld>
+</file>
+
 <file path=ppt/slides/slide2.xml><?xml version="1.0" encoding="utf-8"?>
+<p:sld xmlns:a="http://schemas.openxmlformats.org/drawingml/2006/main" xmlns:r="http://schemas.openxmlformats.org/officeDocument/2006/relationships" xmlns:p="http://schemas.openxmlformats.org/presentationml/2006/main">
+  <p:cSld>
+    <p:bg>
+      <p:bgPr>
+        <a:solidFill>
+          <a:schemeClr val="bg1"/>
+        </a:solidFill>
+        <a:effectLst/>
+      </p:bgPr>
+    </p:bg>
+    <p:spTree>
+      <p:nvGrpSpPr>
+        <p:cNvPr id="1" name=""/>
+        <p:cNvGrpSpPr/>
+        <p:nvPr/>
+      </p:nvGrpSpPr>
+      <p:grpSpPr>
+        <a:xfrm>
+          <a:off x="0" y="0"/>
+          <a:ext cx="0" cy="0"/>
+          <a:chOff x="0" y="0"/>
+          <a:chExt cx="0" cy="0"/>
+        </a:xfrm>
+      </p:grpSpPr>
+      <p:sp useBgFill="1">
+        <p:nvSpPr>
+          <p:cNvPr id="10" name="Rectangle 9">
+            <a:extLst>
+              <a:ext uri="{FF2B5EF4-FFF2-40B4-BE49-F238E27FC236}">
+                <a16:creationId xmlns:a16="http://schemas.microsoft.com/office/drawing/2014/main" id="{1B0A7D14-7B67-4022-A8BE-1CCD4A0F1B06}"/>
+              </a:ext>
+              <a:ext uri="{C183D7F6-B498-43B3-948B-1728B52AA6E4}">
+                <adec:decorative xmlns:adec="http://schemas.microsoft.com/office/drawing/2017/decorative" val="1"/>
+              </a:ext>
+            </a:extLst>
+          </p:cNvPr>
+          <p:cNvSpPr>
+            <a:spLocks noGrp="1" noRot="1" noChangeAspect="1" noMove="1" noResize="1" noEditPoints="1" noAdjustHandles="1" noChangeArrowheads="1" noChangeShapeType="1" noTextEdit="1"/>
+          </p:cNvSpPr>
+          <p:nvPr>
+            <p:extLst>
+              <p:ext uri="{386F3935-93C4-4BCD-93E2-E3B085C9AB24}">
+                <p16:designElem xmlns:p16="http://schemas.microsoft.com/office/powerpoint/2015/main" val="1"/>
+              </p:ext>
+            </p:extLst>
+          </p:nvPr>
+        </p:nvSpPr>
+        <p:spPr bwMode="white">
+          <a:xfrm>
+            <a:off x="0" y="0"/>
+            <a:ext cx="12192000" cy="6858000"/>
+          </a:xfrm>
+          <a:prstGeom prst="rect">
+            <a:avLst/>
+          </a:prstGeom>
+          <a:ln>
+            <a:noFill/>
+          </a:ln>
+        </p:spPr>
+        <p:style>
+          <a:lnRef idx="2">
+            <a:schemeClr val="accent1">
+              <a:shade val="50000"/>
+            </a:schemeClr>
+          </a:lnRef>
+          <a:fillRef idx="1">
+            <a:schemeClr val="accent1"/>
+          </a:fillRef>
+          <a:effectRef idx="0">
+            <a:schemeClr val="accent1"/>
+          </a:effectRef>
+          <a:fontRef idx="minor">
+            <a:schemeClr val="lt1"/>
+          </a:fontRef>
+        </p:style>
+        <p:txBody>
+          <a:bodyPr rot="0" spcFirstLastPara="0" vert="horz" wrap="square" lIns="91440" tIns="45720" rIns="91440" bIns="45720" numCol="1" spcCol="0" rtlCol="0" fromWordArt="0" anchor="ctr" anchorCtr="0" forceAA="0" compatLnSpc="1">
+            <a:prstTxWarp prst="textNoShape">
+              <a:avLst/>
+            </a:prstTxWarp>
+            <a:noAutofit/>
+          </a:bodyPr>
+          <a:lstStyle>
+            <a:defPPr>
+              <a:defRPr lang="en-US"/>
+            </a:defPPr>
+            <a:lvl1pPr marL="0" algn="l" defTabSz="914400" rtl="0" eaLnBrk="1" latinLnBrk="0" hangingPunct="1">
+              <a:defRPr sz="1800" kern="1200">
+                <a:solidFill>
+                  <a:schemeClr val="lt1"/>
+                </a:solidFill>
+                <a:latin typeface="+mn-lt"/>
+                <a:ea typeface="+mn-ea"/>
+                <a:cs typeface="+mn-cs"/>
+              </a:defRPr>
+            </a:lvl1pPr>
+            <a:lvl2pPr marL="457200" algn="l" defTabSz="914400" rtl="0" eaLnBrk="1" latinLnBrk="0" hangingPunct="1">
+              <a:defRPr sz="1800" kern="1200">
+                <a:solidFill>
+                  <a:schemeClr val="lt1"/>
+                </a:solidFill>
+                <a:latin typeface="+mn-lt"/>
+                <a:ea typeface="+mn-ea"/>
+                <a:cs typeface="+mn-cs"/>
+              </a:defRPr>
+            </a:lvl2pPr>
+            <a:lvl3pPr marL="914400" algn="l" defTabSz="914400" rtl="0" eaLnBrk="1" latinLnBrk="0" hangingPunct="1">
+              <a:defRPr sz="1800" kern="1200">
+                <a:solidFill>
+                  <a:schemeClr val="lt1"/>
+                </a:solidFill>
+                <a:latin typeface="+mn-lt"/>
+                <a:ea typeface="+mn-ea"/>
+                <a:cs typeface="+mn-cs"/>
+              </a:defRPr>
+            </a:lvl3pPr>
+            <a:lvl4pPr marL="1371600" algn="l" defTabSz="914400" rtl="0" eaLnBrk="1" latinLnBrk="0" hangingPunct="1">
+              <a:defRPr sz="1800" kern="1200">
+                <a:solidFill>
+                  <a:schemeClr val="lt1"/>
+                </a:solidFill>
+                <a:latin typeface="+mn-lt"/>
+                <a:ea typeface="+mn-ea"/>
+                <a:cs typeface="+mn-cs"/>
+              </a:defRPr>
+            </a:lvl4pPr>
+            <a:lvl5pPr marL="1828800" algn="l" defTabSz="914400" rtl="0" eaLnBrk="1" latinLnBrk="0" hangingPunct="1">
+              <a:defRPr sz="1800" kern="1200">
+                <a:solidFill>
+                  <a:schemeClr val="lt1"/>
+                </a:solidFill>
+                <a:latin typeface="+mn-lt"/>
+                <a:ea typeface="+mn-ea"/>
+                <a:cs typeface="+mn-cs"/>
+              </a:defRPr>
+            </a:lvl5pPr>
+            <a:lvl6pPr marL="2286000" algn="l" defTabSz="914400" rtl="0" eaLnBrk="1" latinLnBrk="0" hangingPunct="1">
+              <a:defRPr sz="1800" kern="1200">
+                <a:solidFill>
+                  <a:schemeClr val="lt1"/>
+                </a:solidFill>
+                <a:latin typeface="+mn-lt"/>
+                <a:ea typeface="+mn-ea"/>
+                <a:cs typeface="+mn-cs"/>
+              </a:defRPr>
+            </a:lvl6pPr>
+            <a:lvl7pPr marL="2743200" algn="l" defTabSz="914400" rtl="0" eaLnBrk="1" latinLnBrk="0" hangingPunct="1">
+              <a:defRPr sz="1800" kern="1200">
+                <a:solidFill>
+                  <a:schemeClr val="lt1"/>
+                </a:solidFill>
+                <a:latin typeface="+mn-lt"/>
+                <a:ea typeface="+mn-ea"/>
+                <a:cs typeface="+mn-cs"/>
+              </a:defRPr>
+            </a:lvl7pPr>
+            <a:lvl8pPr marL="3200400" algn="l" defTabSz="914400" rtl="0" eaLnBrk="1" latinLnBrk="0" hangingPunct="1">
+              <a:defRPr sz="1800" kern="1200">
+                <a:solidFill>
+                  <a:schemeClr val="lt1"/>
+                </a:solidFill>
+                <a:latin typeface="+mn-lt"/>
+                <a:ea typeface="+mn-ea"/>
+                <a:cs typeface="+mn-cs"/>
+              </a:defRPr>
+            </a:lvl8pPr>
+            <a:lvl9pPr marL="3657600" algn="l" defTabSz="914400" rtl="0" eaLnBrk="1" latinLnBrk="0" hangingPunct="1">
+              <a:defRPr sz="1800" kern="1200">
+                <a:solidFill>
+                  <a:schemeClr val="lt1"/>
+                </a:solidFill>
+                <a:latin typeface="+mn-lt"/>
+                <a:ea typeface="+mn-ea"/>
+                <a:cs typeface="+mn-cs"/>
+              </a:defRPr>
+            </a:lvl9pPr>
+          </a:lstStyle>
+          <a:p>
+            <a:pPr algn="ctr"/>
+            <a:endParaRPr lang="en-US"/>
+          </a:p>
+        </p:txBody>
+      </p:sp>
+      <p:sp>
+        <p:nvSpPr>
+          <p:cNvPr id="2" name="Title 1">
+            <a:extLst>
+              <a:ext uri="{FF2B5EF4-FFF2-40B4-BE49-F238E27FC236}">
+                <a16:creationId xmlns:a16="http://schemas.microsoft.com/office/drawing/2014/main" id="{B30BBE4C-4A17-AC4F-9F89-6229FAA8CC3B}"/>
+              </a:ext>
+            </a:extLst>
+          </p:cNvPr>
+          <p:cNvSpPr>
+            <a:spLocks noGrp="1"/>
+          </p:cNvSpPr>
+          <p:nvPr>
+            <p:ph type="title"/>
+          </p:nvPr>
+        </p:nvSpPr>
+        <p:spPr>
+          <a:xfrm>
+            <a:off x="1251678" y="382385"/>
+            <a:ext cx="10178322" cy="1492132"/>
+          </a:xfrm>
+        </p:spPr>
+        <p:txBody>
+          <a:bodyPr anchor="ctr">
+            <a:normAutofit/>
+          </a:bodyPr>
+          <a:lstStyle/>
+          <a:p>
+            <a:r>
+              <a:rPr lang="en-US" dirty="0"/>
+              <a:t>What's hyperparameters</a:t>
+            </a:r>
+          </a:p>
+        </p:txBody>
+      </p:sp>
+      <p:sp>
+        <p:nvSpPr>
+          <p:cNvPr id="12" name="Freeform 6">
+            <a:extLst>
+              <a:ext uri="{FF2B5EF4-FFF2-40B4-BE49-F238E27FC236}">
+                <a16:creationId xmlns:a16="http://schemas.microsoft.com/office/drawing/2014/main" id="{AB09A9E8-BF27-4613-A775-071F082083A9}"/>
+              </a:ext>
+              <a:ext uri="{C183D7F6-B498-43B3-948B-1728B52AA6E4}">
+                <adec:decorative xmlns:adec="http://schemas.microsoft.com/office/drawing/2017/decorative" val="1"/>
+              </a:ext>
+            </a:extLst>
+          </p:cNvPr>
+          <p:cNvSpPr>
+            <a:spLocks noGrp="1" noRot="1" noChangeAspect="1" noMove="1" noResize="1" noEditPoints="1" noAdjustHandles="1" noChangeArrowheads="1" noChangeShapeType="1" noTextEdit="1"/>
+          </p:cNvSpPr>
+          <p:nvPr>
+            <p:extLst>
+              <p:ext uri="{386F3935-93C4-4BCD-93E2-E3B085C9AB24}">
+                <p16:designElem xmlns:p16="http://schemas.microsoft.com/office/powerpoint/2015/main" val="1"/>
+              </p:ext>
+            </p:extLst>
+          </p:nvPr>
+        </p:nvSpPr>
+        <p:spPr bwMode="auto">
+          <a:xfrm>
+            <a:off x="0" y="0"/>
+            <a:ext cx="885825" cy="6858000"/>
+          </a:xfrm>
+          <a:custGeom>
+            <a:avLst/>
+            <a:gdLst/>
+            <a:ahLst/>
+            <a:cxnLst/>
+            <a:rect l="0" t="0" r="r" b="b"/>
+            <a:pathLst>
+              <a:path w="558" h="4320">
+                <a:moveTo>
+                  <a:pt x="0" y="0"/>
+                </a:moveTo>
+                <a:lnTo>
+                  <a:pt x="447" y="0"/>
+                </a:lnTo>
+                <a:lnTo>
+                  <a:pt x="448" y="43"/>
+                </a:lnTo>
+                <a:lnTo>
+                  <a:pt x="453" y="81"/>
+                </a:lnTo>
+                <a:lnTo>
+                  <a:pt x="460" y="114"/>
+                </a:lnTo>
+                <a:lnTo>
+                  <a:pt x="469" y="143"/>
+                </a:lnTo>
+                <a:lnTo>
+                  <a:pt x="479" y="169"/>
+                </a:lnTo>
+                <a:lnTo>
+                  <a:pt x="491" y="192"/>
+                </a:lnTo>
+                <a:lnTo>
+                  <a:pt x="503" y="216"/>
+                </a:lnTo>
+                <a:lnTo>
+                  <a:pt x="515" y="240"/>
+                </a:lnTo>
+                <a:lnTo>
+                  <a:pt x="525" y="263"/>
+                </a:lnTo>
+                <a:lnTo>
+                  <a:pt x="535" y="289"/>
+                </a:lnTo>
+                <a:lnTo>
+                  <a:pt x="545" y="318"/>
+                </a:lnTo>
+                <a:lnTo>
+                  <a:pt x="552" y="351"/>
+                </a:lnTo>
+                <a:lnTo>
+                  <a:pt x="556" y="389"/>
+                </a:lnTo>
+                <a:lnTo>
+                  <a:pt x="558" y="432"/>
+                </a:lnTo>
+                <a:lnTo>
+                  <a:pt x="556" y="475"/>
+                </a:lnTo>
+                <a:lnTo>
+                  <a:pt x="552" y="513"/>
+                </a:lnTo>
+                <a:lnTo>
+                  <a:pt x="545" y="546"/>
+                </a:lnTo>
+                <a:lnTo>
+                  <a:pt x="535" y="575"/>
+                </a:lnTo>
+                <a:lnTo>
+                  <a:pt x="525" y="601"/>
+                </a:lnTo>
+                <a:lnTo>
+                  <a:pt x="515" y="624"/>
+                </a:lnTo>
+                <a:lnTo>
+                  <a:pt x="503" y="648"/>
+                </a:lnTo>
+                <a:lnTo>
+                  <a:pt x="491" y="672"/>
+                </a:lnTo>
+                <a:lnTo>
+                  <a:pt x="479" y="695"/>
+                </a:lnTo>
+                <a:lnTo>
+                  <a:pt x="469" y="721"/>
+                </a:lnTo>
+                <a:lnTo>
+                  <a:pt x="460" y="750"/>
+                </a:lnTo>
+                <a:lnTo>
+                  <a:pt x="453" y="783"/>
+                </a:lnTo>
+                <a:lnTo>
+                  <a:pt x="448" y="821"/>
+                </a:lnTo>
+                <a:lnTo>
+                  <a:pt x="447" y="864"/>
+                </a:lnTo>
+                <a:lnTo>
+                  <a:pt x="448" y="907"/>
+                </a:lnTo>
+                <a:lnTo>
+                  <a:pt x="453" y="945"/>
+                </a:lnTo>
+                <a:lnTo>
+                  <a:pt x="460" y="978"/>
+                </a:lnTo>
+                <a:lnTo>
+                  <a:pt x="469" y="1007"/>
+                </a:lnTo>
+                <a:lnTo>
+                  <a:pt x="479" y="1033"/>
+                </a:lnTo>
+                <a:lnTo>
+                  <a:pt x="491" y="1056"/>
+                </a:lnTo>
+                <a:lnTo>
+                  <a:pt x="503" y="1080"/>
+                </a:lnTo>
+                <a:lnTo>
+                  <a:pt x="515" y="1104"/>
+                </a:lnTo>
+                <a:lnTo>
+                  <a:pt x="525" y="1127"/>
+                </a:lnTo>
+                <a:lnTo>
+                  <a:pt x="535" y="1153"/>
+                </a:lnTo>
+                <a:lnTo>
+                  <a:pt x="545" y="1182"/>
+                </a:lnTo>
+                <a:lnTo>
+                  <a:pt x="552" y="1215"/>
+                </a:lnTo>
+                <a:lnTo>
+                  <a:pt x="556" y="1253"/>
+                </a:lnTo>
+                <a:lnTo>
+                  <a:pt x="558" y="1296"/>
+                </a:lnTo>
+                <a:lnTo>
+                  <a:pt x="556" y="1339"/>
+                </a:lnTo>
+                <a:lnTo>
+                  <a:pt x="552" y="1377"/>
+                </a:lnTo>
+                <a:lnTo>
+                  <a:pt x="545" y="1410"/>
+                </a:lnTo>
+                <a:lnTo>
+                  <a:pt x="535" y="1439"/>
+                </a:lnTo>
+                <a:lnTo>
+                  <a:pt x="525" y="1465"/>
+                </a:lnTo>
+                <a:lnTo>
+                  <a:pt x="515" y="1488"/>
+                </a:lnTo>
+                <a:lnTo>
+                  <a:pt x="503" y="1512"/>
+                </a:lnTo>
+                <a:lnTo>
+                  <a:pt x="491" y="1536"/>
+                </a:lnTo>
+                <a:lnTo>
+                  <a:pt x="479" y="1559"/>
+                </a:lnTo>
+                <a:lnTo>
+                  <a:pt x="469" y="1585"/>
+                </a:lnTo>
+                <a:lnTo>
+                  <a:pt x="460" y="1614"/>
+                </a:lnTo>
+                <a:lnTo>
+                  <a:pt x="453" y="1647"/>
+                </a:lnTo>
+                <a:lnTo>
+                  <a:pt x="448" y="1685"/>
+                </a:lnTo>
+                <a:lnTo>
+                  <a:pt x="447" y="1728"/>
+                </a:lnTo>
+                <a:lnTo>
+                  <a:pt x="448" y="1771"/>
+                </a:lnTo>
+                <a:lnTo>
+                  <a:pt x="453" y="1809"/>
+                </a:lnTo>
+                <a:lnTo>
+                  <a:pt x="460" y="1842"/>
+                </a:lnTo>
+                <a:lnTo>
+                  <a:pt x="469" y="1871"/>
+                </a:lnTo>
+                <a:lnTo>
+                  <a:pt x="479" y="1897"/>
+                </a:lnTo>
+                <a:lnTo>
+                  <a:pt x="491" y="1920"/>
+                </a:lnTo>
+                <a:lnTo>
+                  <a:pt x="503" y="1944"/>
+                </a:lnTo>
+                <a:lnTo>
+                  <a:pt x="515" y="1968"/>
+                </a:lnTo>
+                <a:lnTo>
+                  <a:pt x="525" y="1991"/>
+                </a:lnTo>
+                <a:lnTo>
+                  <a:pt x="535" y="2017"/>
+                </a:lnTo>
+                <a:lnTo>
+                  <a:pt x="545" y="2046"/>
+                </a:lnTo>
+                <a:lnTo>
+                  <a:pt x="552" y="2079"/>
+                </a:lnTo>
+                <a:lnTo>
+                  <a:pt x="556" y="2117"/>
+                </a:lnTo>
+                <a:lnTo>
+                  <a:pt x="558" y="2159"/>
+                </a:lnTo>
+                <a:lnTo>
+                  <a:pt x="556" y="2203"/>
+                </a:lnTo>
+                <a:lnTo>
+                  <a:pt x="552" y="2241"/>
+                </a:lnTo>
+                <a:lnTo>
+                  <a:pt x="545" y="2274"/>
+                </a:lnTo>
+                <a:lnTo>
+                  <a:pt x="535" y="2303"/>
+                </a:lnTo>
+                <a:lnTo>
+                  <a:pt x="525" y="2329"/>
+                </a:lnTo>
+                <a:lnTo>
+                  <a:pt x="515" y="2352"/>
+                </a:lnTo>
+                <a:lnTo>
+                  <a:pt x="503" y="2376"/>
+                </a:lnTo>
+                <a:lnTo>
+                  <a:pt x="491" y="2400"/>
+                </a:lnTo>
+                <a:lnTo>
+                  <a:pt x="479" y="2423"/>
+                </a:lnTo>
+                <a:lnTo>
+                  <a:pt x="469" y="2449"/>
+                </a:lnTo>
+                <a:lnTo>
+                  <a:pt x="460" y="2478"/>
+                </a:lnTo>
+                <a:lnTo>
+                  <a:pt x="453" y="2511"/>
+                </a:lnTo>
+                <a:lnTo>
+                  <a:pt x="448" y="2549"/>
+                </a:lnTo>
+                <a:lnTo>
+                  <a:pt x="447" y="2592"/>
+                </a:lnTo>
+                <a:lnTo>
+                  <a:pt x="448" y="2635"/>
+                </a:lnTo>
+                <a:lnTo>
+                  <a:pt x="453" y="2673"/>
+                </a:lnTo>
+                <a:lnTo>
+                  <a:pt x="460" y="2706"/>
+                </a:lnTo>
+                <a:lnTo>
+                  <a:pt x="469" y="2735"/>
+                </a:lnTo>
+                <a:lnTo>
+                  <a:pt x="479" y="2761"/>
+                </a:lnTo>
+                <a:lnTo>
+                  <a:pt x="491" y="2784"/>
+                </a:lnTo>
+                <a:lnTo>
+                  <a:pt x="515" y="2832"/>
+                </a:lnTo>
+                <a:lnTo>
+                  <a:pt x="525" y="2855"/>
+                </a:lnTo>
+                <a:lnTo>
+                  <a:pt x="535" y="2881"/>
+                </a:lnTo>
+                <a:lnTo>
+                  <a:pt x="545" y="2910"/>
+                </a:lnTo>
+                <a:lnTo>
+                  <a:pt x="552" y="2943"/>
+                </a:lnTo>
+                <a:lnTo>
+                  <a:pt x="556" y="2981"/>
+                </a:lnTo>
+                <a:lnTo>
+                  <a:pt x="558" y="3024"/>
+                </a:lnTo>
+                <a:lnTo>
+                  <a:pt x="556" y="3067"/>
+                </a:lnTo>
+                <a:lnTo>
+                  <a:pt x="552" y="3105"/>
+                </a:lnTo>
+                <a:lnTo>
+                  <a:pt x="545" y="3138"/>
+                </a:lnTo>
+                <a:lnTo>
+                  <a:pt x="535" y="3167"/>
+                </a:lnTo>
+                <a:lnTo>
+                  <a:pt x="525" y="3193"/>
+                </a:lnTo>
+                <a:lnTo>
+                  <a:pt x="515" y="3216"/>
+                </a:lnTo>
+                <a:lnTo>
+                  <a:pt x="503" y="3240"/>
+                </a:lnTo>
+                <a:lnTo>
+                  <a:pt x="491" y="3264"/>
+                </a:lnTo>
+                <a:lnTo>
+                  <a:pt x="479" y="3287"/>
+                </a:lnTo>
+                <a:lnTo>
+                  <a:pt x="469" y="3313"/>
+                </a:lnTo>
+                <a:lnTo>
+                  <a:pt x="460" y="3342"/>
+                </a:lnTo>
+                <a:lnTo>
+                  <a:pt x="453" y="3375"/>
+                </a:lnTo>
+                <a:lnTo>
+                  <a:pt x="448" y="3413"/>
+                </a:lnTo>
+                <a:lnTo>
+                  <a:pt x="447" y="3456"/>
+                </a:lnTo>
+                <a:lnTo>
+                  <a:pt x="448" y="3499"/>
+                </a:lnTo>
+                <a:lnTo>
+                  <a:pt x="453" y="3537"/>
+                </a:lnTo>
+                <a:lnTo>
+                  <a:pt x="460" y="3570"/>
+                </a:lnTo>
+                <a:lnTo>
+                  <a:pt x="469" y="3599"/>
+                </a:lnTo>
+                <a:lnTo>
+                  <a:pt x="479" y="3625"/>
+                </a:lnTo>
+                <a:lnTo>
+                  <a:pt x="491" y="3648"/>
+                </a:lnTo>
+                <a:lnTo>
+                  <a:pt x="503" y="3672"/>
+                </a:lnTo>
+                <a:lnTo>
+                  <a:pt x="515" y="3696"/>
+                </a:lnTo>
+                <a:lnTo>
+                  <a:pt x="525" y="3719"/>
+                </a:lnTo>
+                <a:lnTo>
+                  <a:pt x="535" y="3745"/>
+                </a:lnTo>
+                <a:lnTo>
+                  <a:pt x="545" y="3774"/>
+                </a:lnTo>
+                <a:lnTo>
+                  <a:pt x="552" y="3807"/>
+                </a:lnTo>
+                <a:lnTo>
+                  <a:pt x="556" y="3845"/>
+                </a:lnTo>
+                <a:lnTo>
+                  <a:pt x="558" y="3888"/>
+                </a:lnTo>
+                <a:lnTo>
+                  <a:pt x="556" y="3931"/>
+                </a:lnTo>
+                <a:lnTo>
+                  <a:pt x="552" y="3969"/>
+                </a:lnTo>
+                <a:lnTo>
+                  <a:pt x="545" y="4002"/>
+                </a:lnTo>
+                <a:lnTo>
+                  <a:pt x="535" y="4031"/>
+                </a:lnTo>
+                <a:lnTo>
+                  <a:pt x="525" y="4057"/>
+                </a:lnTo>
+                <a:lnTo>
+                  <a:pt x="515" y="4080"/>
+                </a:lnTo>
+                <a:lnTo>
+                  <a:pt x="503" y="4104"/>
+                </a:lnTo>
+                <a:lnTo>
+                  <a:pt x="491" y="4128"/>
+                </a:lnTo>
+                <a:lnTo>
+                  <a:pt x="479" y="4151"/>
+                </a:lnTo>
+                <a:lnTo>
+                  <a:pt x="469" y="4177"/>
+                </a:lnTo>
+                <a:lnTo>
+                  <a:pt x="460" y="4206"/>
+                </a:lnTo>
+                <a:lnTo>
+                  <a:pt x="453" y="4239"/>
+                </a:lnTo>
+                <a:lnTo>
+                  <a:pt x="448" y="4277"/>
+                </a:lnTo>
+                <a:lnTo>
+                  <a:pt x="447" y="4320"/>
+                </a:lnTo>
+                <a:lnTo>
+                  <a:pt x="0" y="4320"/>
+                </a:lnTo>
+                <a:lnTo>
+                  <a:pt x="0" y="0"/>
+                </a:lnTo>
+                <a:close/>
+              </a:path>
+            </a:pathLst>
+          </a:custGeom>
+          <a:solidFill>
+            <a:schemeClr val="accent1"/>
+          </a:solidFill>
+          <a:ln w="0">
+            <a:noFill/>
+            <a:prstDash val="solid"/>
+            <a:round/>
+            <a:headEnd/>
+            <a:tailEnd/>
+          </a:ln>
+        </p:spPr>
+      </p:sp>
+      <p:sp>
+        <p:nvSpPr>
+          <p:cNvPr id="14" name="Rectangle 13">
+            <a:extLst>
+              <a:ext uri="{FF2B5EF4-FFF2-40B4-BE49-F238E27FC236}">
+                <a16:creationId xmlns:a16="http://schemas.microsoft.com/office/drawing/2014/main" id="{C3AFE299-6F79-44AF-9A77-2DC2DC1F8461}"/>
+              </a:ext>
+              <a:ext uri="{C183D7F6-B498-43B3-948B-1728B52AA6E4}">
+                <adec:decorative xmlns:adec="http://schemas.microsoft.com/office/drawing/2017/decorative" val="1"/>
+              </a:ext>
+            </a:extLst>
+          </p:cNvPr>
+          <p:cNvSpPr>
+            <a:spLocks noGrp="1" noRot="1" noChangeAspect="1" noMove="1" noResize="1" noEditPoints="1" noAdjustHandles="1" noChangeArrowheads="1" noChangeShapeType="1" noTextEdit="1"/>
+          </p:cNvSpPr>
+          <p:nvPr>
+            <p:extLst>
+              <p:ext uri="{386F3935-93C4-4BCD-93E2-E3B085C9AB24}">
+                <p16:designElem xmlns:p16="http://schemas.microsoft.com/office/powerpoint/2015/main" val="1"/>
+              </p:ext>
+            </p:extLst>
+          </p:nvPr>
+        </p:nvSpPr>
+        <p:spPr>
+          <a:xfrm>
+            <a:off x="11908536" y="0"/>
+            <a:ext cx="283464" cy="6858000"/>
+          </a:xfrm>
+          <a:prstGeom prst="rect">
+            <a:avLst/>
+          </a:prstGeom>
+          <a:solidFill>
+            <a:schemeClr val="accent1"/>
+          </a:solidFill>
+          <a:ln>
+            <a:noFill/>
+          </a:ln>
+        </p:spPr>
+        <p:style>
+          <a:lnRef idx="2">
+            <a:schemeClr val="accent1">
+              <a:shade val="50000"/>
+            </a:schemeClr>
+          </a:lnRef>
+          <a:fillRef idx="1">
+            <a:schemeClr val="accent1"/>
+          </a:fillRef>
+          <a:effectRef idx="0">
+            <a:schemeClr val="accent1"/>
+          </a:effectRef>
+          <a:fontRef idx="minor">
+            <a:schemeClr val="lt1"/>
+          </a:fontRef>
+        </p:style>
+      </p:sp>
+      <p:graphicFrame>
+        <p:nvGraphicFramePr>
+          <p:cNvPr id="5" name="Content Placeholder 2">
+            <a:extLst>
+              <a:ext uri="{FF2B5EF4-FFF2-40B4-BE49-F238E27FC236}">
+                <a16:creationId xmlns:a16="http://schemas.microsoft.com/office/drawing/2014/main" id="{DB1D7F20-A1DA-4563-B113-1B309FEB0C6C}"/>
+              </a:ext>
+            </a:extLst>
+          </p:cNvPr>
+          <p:cNvGraphicFramePr>
+            <a:graphicFrameLocks noGrp="1"/>
+          </p:cNvGraphicFramePr>
+          <p:nvPr>
+            <p:ph idx="1"/>
+            <p:extLst>
+              <p:ext uri="{D42A27DB-BD31-4B8C-83A1-F6EECF244321}">
+                <p14:modId xmlns:p14="http://schemas.microsoft.com/office/powerpoint/2010/main" val="831599232"/>
+              </p:ext>
+            </p:extLst>
+          </p:nvPr>
+        </p:nvGraphicFramePr>
+        <p:xfrm>
+          <a:off x="1250950" y="2286000"/>
+          <a:ext cx="10179050" cy="3594100"/>
+        </p:xfrm>
+        <a:graphic>
+          <a:graphicData uri="http://schemas.openxmlformats.org/drawingml/2006/diagram">
+            <dgm:relIds xmlns:dgm="http://schemas.openxmlformats.org/drawingml/2006/diagram" xmlns:r="http://schemas.openxmlformats.org/officeDocument/2006/relationships" r:dm="rId3" r:lo="rId4" r:qs="rId5" r:cs="rId6"/>
+          </a:graphicData>
+        </a:graphic>
+      </p:graphicFrame>
+    </p:spTree>
+    <p:extLst>
+      <p:ext uri="{BB962C8B-B14F-4D97-AF65-F5344CB8AC3E}">
+        <p14:creationId xmlns:p14="http://schemas.microsoft.com/office/powerpoint/2010/main" val="3267224187"/>
+      </p:ext>
+    </p:extLst>
+  </p:cSld>
+  <p:clrMapOvr>
+    <a:masterClrMapping/>
+  </p:clrMapOvr>
+</p:sld>
+</file>
+
+<file path=ppt/slides/slide3.xml><?xml version="1.0" encoding="utf-8"?>
+<p:sld xmlns:a="http://schemas.openxmlformats.org/drawingml/2006/main" xmlns:r="http://schemas.openxmlformats.org/officeDocument/2006/relationships" xmlns:p="http://schemas.openxmlformats.org/presentationml/2006/main">
+  <p:cSld>
+    <p:bg>
+      <p:bgPr>
+        <a:solidFill>
+          <a:schemeClr val="bg2"/>
+        </a:solidFill>
+        <a:effectLst/>
+      </p:bgPr>
+    </p:bg>
+    <p:spTree>
+      <p:nvGrpSpPr>
+        <p:cNvPr id="1" name=""/>
+        <p:cNvGrpSpPr/>
+        <p:nvPr/>
+      </p:nvGrpSpPr>
+      <p:grpSpPr>
+        <a:xfrm>
+          <a:off x="0" y="0"/>
+          <a:ext cx="0" cy="0"/>
+          <a:chOff x="0" y="0"/>
+          <a:chExt cx="0" cy="0"/>
+        </a:xfrm>
+      </p:grpSpPr>
+      <p:sp useBgFill="1">
+        <p:nvSpPr>
+          <p:cNvPr id="8" name="Rectangle 7">
+            <a:extLst>
+              <a:ext uri="{FF2B5EF4-FFF2-40B4-BE49-F238E27FC236}">
+                <a16:creationId xmlns:a16="http://schemas.microsoft.com/office/drawing/2014/main" id="{40851669-7281-49C2-8BF0-67BA70EC1AC7}"/>
+              </a:ext>
+              <a:ext uri="{C183D7F6-B498-43B3-948B-1728B52AA6E4}">
+                <adec:decorative xmlns:adec="http://schemas.microsoft.com/office/drawing/2017/decorative" val="1"/>
+              </a:ext>
+            </a:extLst>
+          </p:cNvPr>
+          <p:cNvSpPr>
+            <a:spLocks noGrp="1" noRot="1" noChangeAspect="1" noMove="1" noResize="1" noEditPoints="1" noAdjustHandles="1" noChangeArrowheads="1" noChangeShapeType="1" noTextEdit="1"/>
+          </p:cNvSpPr>
+          <p:nvPr>
+            <p:extLst>
+              <p:ext uri="{386F3935-93C4-4BCD-93E2-E3B085C9AB24}">
+                <p16:designElem xmlns:p16="http://schemas.microsoft.com/office/powerpoint/2015/main" val="1"/>
+              </p:ext>
+            </p:extLst>
+          </p:nvPr>
+        </p:nvSpPr>
+        <p:spPr>
+          <a:xfrm>
+            <a:off x="0" y="0"/>
+            <a:ext cx="12192000" cy="6858000"/>
+          </a:xfrm>
+          <a:prstGeom prst="rect">
+            <a:avLst/>
+          </a:prstGeom>
+          <a:ln>
+            <a:noFill/>
+          </a:ln>
+        </p:spPr>
+        <p:style>
+          <a:lnRef idx="2">
+            <a:schemeClr val="accent1">
+              <a:shade val="50000"/>
+            </a:schemeClr>
+          </a:lnRef>
+          <a:fillRef idx="1">
+            <a:schemeClr val="accent1"/>
+          </a:fillRef>
+          <a:effectRef idx="0">
+            <a:schemeClr val="accent1"/>
+          </a:effectRef>
+          <a:fontRef idx="minor">
+            <a:schemeClr val="lt1"/>
+          </a:fontRef>
+        </p:style>
+        <p:txBody>
+          <a:bodyPr rtlCol="0" anchor="ctr"/>
+          <a:lstStyle/>
+          <a:p>
+            <a:pPr algn="ctr"/>
+            <a:endParaRPr lang="en-US"/>
+          </a:p>
+        </p:txBody>
+      </p:sp>
+      <p:sp>
+        <p:nvSpPr>
+          <p:cNvPr id="2" name="Title 1">
+            <a:extLst>
+              <a:ext uri="{FF2B5EF4-FFF2-40B4-BE49-F238E27FC236}">
+                <a16:creationId xmlns:a16="http://schemas.microsoft.com/office/drawing/2014/main" id="{11169C52-8C9F-7C49-B914-86AAD1066504}"/>
+              </a:ext>
+            </a:extLst>
+          </p:cNvPr>
+          <p:cNvSpPr>
+            <a:spLocks noGrp="1"/>
+          </p:cNvSpPr>
+          <p:nvPr>
+            <p:ph type="title"/>
+          </p:nvPr>
+        </p:nvSpPr>
+        <p:spPr>
+          <a:xfrm>
+            <a:off x="2895600" y="382385"/>
+            <a:ext cx="8534399" cy="1413758"/>
+          </a:xfrm>
+        </p:spPr>
+        <p:txBody>
+          <a:bodyPr anchor="b">
+            <a:normAutofit/>
+          </a:bodyPr>
+          <a:lstStyle/>
+          <a:p>
+            <a:pPr algn="ctr"/>
+            <a:r>
+              <a:rPr lang="en-US" sz="4400"/>
+              <a:t>Project idea</a:t>
+            </a:r>
+          </a:p>
+        </p:txBody>
+      </p:sp>
+      <p:sp>
+        <p:nvSpPr>
+          <p:cNvPr id="10" name="Freeform: Shape 9">
+            <a:extLst>
+              <a:ext uri="{FF2B5EF4-FFF2-40B4-BE49-F238E27FC236}">
+                <a16:creationId xmlns:a16="http://schemas.microsoft.com/office/drawing/2014/main" id="{16992B13-74C4-4370-93C5-F5403D944D8E}"/>
+              </a:ext>
+              <a:ext uri="{C183D7F6-B498-43B3-948B-1728B52AA6E4}">
+                <adec:decorative xmlns:adec="http://schemas.microsoft.com/office/drawing/2017/decorative" val="1"/>
+              </a:ext>
+            </a:extLst>
+          </p:cNvPr>
+          <p:cNvSpPr>
+            <a:spLocks noGrp="1" noRot="1" noChangeAspect="1" noMove="1" noResize="1" noEditPoints="1" noAdjustHandles="1" noChangeArrowheads="1" noChangeShapeType="1" noTextEdit="1"/>
+          </p:cNvSpPr>
+          <p:nvPr>
+            <p:extLst>
+              <p:ext uri="{386F3935-93C4-4BCD-93E2-E3B085C9AB24}">
+                <p16:designElem xmlns:p16="http://schemas.microsoft.com/office/powerpoint/2015/main" val="1"/>
+              </p:ext>
+            </p:extLst>
+          </p:nvPr>
+        </p:nvSpPr>
+        <p:spPr bwMode="auto">
+          <a:xfrm>
+            <a:off x="1" y="0"/>
+            <a:ext cx="2275119" cy="6858000"/>
+          </a:xfrm>
+          <a:custGeom>
+            <a:avLst/>
+            <a:gdLst>
+              <a:gd name="connsiteX0" fmla="*/ 0 w 2275119"/>
+              <a:gd name="connsiteY0" fmla="*/ 0 h 6858000"/>
+              <a:gd name="connsiteX1" fmla="*/ 1389294 w 2275119"/>
+              <a:gd name="connsiteY1" fmla="*/ 0 h 6858000"/>
+              <a:gd name="connsiteX2" fmla="*/ 1556068 w 2275119"/>
+              <a:gd name="connsiteY2" fmla="*/ 0 h 6858000"/>
+              <a:gd name="connsiteX3" fmla="*/ 2098907 w 2275119"/>
+              <a:gd name="connsiteY3" fmla="*/ 0 h 6858000"/>
+              <a:gd name="connsiteX4" fmla="*/ 2100494 w 2275119"/>
+              <a:gd name="connsiteY4" fmla="*/ 68263 h 6858000"/>
+              <a:gd name="connsiteX5" fmla="*/ 2108432 w 2275119"/>
+              <a:gd name="connsiteY5" fmla="*/ 128588 h 6858000"/>
+              <a:gd name="connsiteX6" fmla="*/ 2119544 w 2275119"/>
+              <a:gd name="connsiteY6" fmla="*/ 180975 h 6858000"/>
+              <a:gd name="connsiteX7" fmla="*/ 2133832 w 2275119"/>
+              <a:gd name="connsiteY7" fmla="*/ 227013 h 6858000"/>
+              <a:gd name="connsiteX8" fmla="*/ 2149707 w 2275119"/>
+              <a:gd name="connsiteY8" fmla="*/ 268288 h 6858000"/>
+              <a:gd name="connsiteX9" fmla="*/ 2168757 w 2275119"/>
+              <a:gd name="connsiteY9" fmla="*/ 304800 h 6858000"/>
+              <a:gd name="connsiteX10" fmla="*/ 2187807 w 2275119"/>
+              <a:gd name="connsiteY10" fmla="*/ 342900 h 6858000"/>
+              <a:gd name="connsiteX11" fmla="*/ 2206857 w 2275119"/>
+              <a:gd name="connsiteY11" fmla="*/ 381000 h 6858000"/>
+              <a:gd name="connsiteX12" fmla="*/ 2222732 w 2275119"/>
+              <a:gd name="connsiteY12" fmla="*/ 417513 h 6858000"/>
+              <a:gd name="connsiteX13" fmla="*/ 2238607 w 2275119"/>
+              <a:gd name="connsiteY13" fmla="*/ 458788 h 6858000"/>
+              <a:gd name="connsiteX14" fmla="*/ 2254482 w 2275119"/>
+              <a:gd name="connsiteY14" fmla="*/ 504825 h 6858000"/>
+              <a:gd name="connsiteX15" fmla="*/ 2265594 w 2275119"/>
+              <a:gd name="connsiteY15" fmla="*/ 557213 h 6858000"/>
+              <a:gd name="connsiteX16" fmla="*/ 2271944 w 2275119"/>
+              <a:gd name="connsiteY16" fmla="*/ 617538 h 6858000"/>
+              <a:gd name="connsiteX17" fmla="*/ 2275119 w 2275119"/>
+              <a:gd name="connsiteY17" fmla="*/ 685800 h 6858000"/>
+              <a:gd name="connsiteX18" fmla="*/ 2271944 w 2275119"/>
+              <a:gd name="connsiteY18" fmla="*/ 754063 h 6858000"/>
+              <a:gd name="connsiteX19" fmla="*/ 2265594 w 2275119"/>
+              <a:gd name="connsiteY19" fmla="*/ 814388 h 6858000"/>
+              <a:gd name="connsiteX20" fmla="*/ 2254482 w 2275119"/>
+              <a:gd name="connsiteY20" fmla="*/ 866775 h 6858000"/>
+              <a:gd name="connsiteX21" fmla="*/ 2238607 w 2275119"/>
+              <a:gd name="connsiteY21" fmla="*/ 912813 h 6858000"/>
+              <a:gd name="connsiteX22" fmla="*/ 2222732 w 2275119"/>
+              <a:gd name="connsiteY22" fmla="*/ 954088 h 6858000"/>
+              <a:gd name="connsiteX23" fmla="*/ 2206857 w 2275119"/>
+              <a:gd name="connsiteY23" fmla="*/ 990600 h 6858000"/>
+              <a:gd name="connsiteX24" fmla="*/ 2187807 w 2275119"/>
+              <a:gd name="connsiteY24" fmla="*/ 1028700 h 6858000"/>
+              <a:gd name="connsiteX25" fmla="*/ 2168757 w 2275119"/>
+              <a:gd name="connsiteY25" fmla="*/ 1066800 h 6858000"/>
+              <a:gd name="connsiteX26" fmla="*/ 2149707 w 2275119"/>
+              <a:gd name="connsiteY26" fmla="*/ 1103313 h 6858000"/>
+              <a:gd name="connsiteX27" fmla="*/ 2133832 w 2275119"/>
+              <a:gd name="connsiteY27" fmla="*/ 1144588 h 6858000"/>
+              <a:gd name="connsiteX28" fmla="*/ 2119544 w 2275119"/>
+              <a:gd name="connsiteY28" fmla="*/ 1190625 h 6858000"/>
+              <a:gd name="connsiteX29" fmla="*/ 2108432 w 2275119"/>
+              <a:gd name="connsiteY29" fmla="*/ 1243013 h 6858000"/>
+              <a:gd name="connsiteX30" fmla="*/ 2100494 w 2275119"/>
+              <a:gd name="connsiteY30" fmla="*/ 1303338 h 6858000"/>
+              <a:gd name="connsiteX31" fmla="*/ 2098907 w 2275119"/>
+              <a:gd name="connsiteY31" fmla="*/ 1371600 h 6858000"/>
+              <a:gd name="connsiteX32" fmla="*/ 2100494 w 2275119"/>
+              <a:gd name="connsiteY32" fmla="*/ 1439863 h 6858000"/>
+              <a:gd name="connsiteX33" fmla="*/ 2108432 w 2275119"/>
+              <a:gd name="connsiteY33" fmla="*/ 1500188 h 6858000"/>
+              <a:gd name="connsiteX34" fmla="*/ 2119544 w 2275119"/>
+              <a:gd name="connsiteY34" fmla="*/ 1552575 h 6858000"/>
+              <a:gd name="connsiteX35" fmla="*/ 2133832 w 2275119"/>
+              <a:gd name="connsiteY35" fmla="*/ 1598613 h 6858000"/>
+              <a:gd name="connsiteX36" fmla="*/ 2149707 w 2275119"/>
+              <a:gd name="connsiteY36" fmla="*/ 1639888 h 6858000"/>
+              <a:gd name="connsiteX37" fmla="*/ 2168757 w 2275119"/>
+              <a:gd name="connsiteY37" fmla="*/ 1676400 h 6858000"/>
+              <a:gd name="connsiteX38" fmla="*/ 2187807 w 2275119"/>
+              <a:gd name="connsiteY38" fmla="*/ 1714500 h 6858000"/>
+              <a:gd name="connsiteX39" fmla="*/ 2206857 w 2275119"/>
+              <a:gd name="connsiteY39" fmla="*/ 1752600 h 6858000"/>
+              <a:gd name="connsiteX40" fmla="*/ 2222732 w 2275119"/>
+              <a:gd name="connsiteY40" fmla="*/ 1789113 h 6858000"/>
+              <a:gd name="connsiteX41" fmla="*/ 2238607 w 2275119"/>
+              <a:gd name="connsiteY41" fmla="*/ 1830388 h 6858000"/>
+              <a:gd name="connsiteX42" fmla="*/ 2254482 w 2275119"/>
+              <a:gd name="connsiteY42" fmla="*/ 1876425 h 6858000"/>
+              <a:gd name="connsiteX43" fmla="*/ 2265594 w 2275119"/>
+              <a:gd name="connsiteY43" fmla="*/ 1928813 h 6858000"/>
+              <a:gd name="connsiteX44" fmla="*/ 2271944 w 2275119"/>
+              <a:gd name="connsiteY44" fmla="*/ 1989138 h 6858000"/>
+              <a:gd name="connsiteX45" fmla="*/ 2275119 w 2275119"/>
+              <a:gd name="connsiteY45" fmla="*/ 2057400 h 6858000"/>
+              <a:gd name="connsiteX46" fmla="*/ 2271944 w 2275119"/>
+              <a:gd name="connsiteY46" fmla="*/ 2125663 h 6858000"/>
+              <a:gd name="connsiteX47" fmla="*/ 2265594 w 2275119"/>
+              <a:gd name="connsiteY47" fmla="*/ 2185988 h 6858000"/>
+              <a:gd name="connsiteX48" fmla="*/ 2254482 w 2275119"/>
+              <a:gd name="connsiteY48" fmla="*/ 2238375 h 6858000"/>
+              <a:gd name="connsiteX49" fmla="*/ 2238607 w 2275119"/>
+              <a:gd name="connsiteY49" fmla="*/ 2284413 h 6858000"/>
+              <a:gd name="connsiteX50" fmla="*/ 2222732 w 2275119"/>
+              <a:gd name="connsiteY50" fmla="*/ 2325688 h 6858000"/>
+              <a:gd name="connsiteX51" fmla="*/ 2206857 w 2275119"/>
+              <a:gd name="connsiteY51" fmla="*/ 2362200 h 6858000"/>
+              <a:gd name="connsiteX52" fmla="*/ 2187807 w 2275119"/>
+              <a:gd name="connsiteY52" fmla="*/ 2400300 h 6858000"/>
+              <a:gd name="connsiteX53" fmla="*/ 2168757 w 2275119"/>
+              <a:gd name="connsiteY53" fmla="*/ 2438400 h 6858000"/>
+              <a:gd name="connsiteX54" fmla="*/ 2149707 w 2275119"/>
+              <a:gd name="connsiteY54" fmla="*/ 2474913 h 6858000"/>
+              <a:gd name="connsiteX55" fmla="*/ 2133832 w 2275119"/>
+              <a:gd name="connsiteY55" fmla="*/ 2516188 h 6858000"/>
+              <a:gd name="connsiteX56" fmla="*/ 2119544 w 2275119"/>
+              <a:gd name="connsiteY56" fmla="*/ 2562225 h 6858000"/>
+              <a:gd name="connsiteX57" fmla="*/ 2108432 w 2275119"/>
+              <a:gd name="connsiteY57" fmla="*/ 2614613 h 6858000"/>
+              <a:gd name="connsiteX58" fmla="*/ 2100494 w 2275119"/>
+              <a:gd name="connsiteY58" fmla="*/ 2674938 h 6858000"/>
+              <a:gd name="connsiteX59" fmla="*/ 2098907 w 2275119"/>
+              <a:gd name="connsiteY59" fmla="*/ 2743200 h 6858000"/>
+              <a:gd name="connsiteX60" fmla="*/ 2100494 w 2275119"/>
+              <a:gd name="connsiteY60" fmla="*/ 2811463 h 6858000"/>
+              <a:gd name="connsiteX61" fmla="*/ 2108432 w 2275119"/>
+              <a:gd name="connsiteY61" fmla="*/ 2871788 h 6858000"/>
+              <a:gd name="connsiteX62" fmla="*/ 2119544 w 2275119"/>
+              <a:gd name="connsiteY62" fmla="*/ 2924175 h 6858000"/>
+              <a:gd name="connsiteX63" fmla="*/ 2133832 w 2275119"/>
+              <a:gd name="connsiteY63" fmla="*/ 2970213 h 6858000"/>
+              <a:gd name="connsiteX64" fmla="*/ 2149707 w 2275119"/>
+              <a:gd name="connsiteY64" fmla="*/ 3011488 h 6858000"/>
+              <a:gd name="connsiteX65" fmla="*/ 2168757 w 2275119"/>
+              <a:gd name="connsiteY65" fmla="*/ 3048000 h 6858000"/>
+              <a:gd name="connsiteX66" fmla="*/ 2187807 w 2275119"/>
+              <a:gd name="connsiteY66" fmla="*/ 3086100 h 6858000"/>
+              <a:gd name="connsiteX67" fmla="*/ 2206857 w 2275119"/>
+              <a:gd name="connsiteY67" fmla="*/ 3124200 h 6858000"/>
+              <a:gd name="connsiteX68" fmla="*/ 2222732 w 2275119"/>
+              <a:gd name="connsiteY68" fmla="*/ 3160713 h 6858000"/>
+              <a:gd name="connsiteX69" fmla="*/ 2238607 w 2275119"/>
+              <a:gd name="connsiteY69" fmla="*/ 3201988 h 6858000"/>
+              <a:gd name="connsiteX70" fmla="*/ 2254482 w 2275119"/>
+              <a:gd name="connsiteY70" fmla="*/ 3248025 h 6858000"/>
+              <a:gd name="connsiteX71" fmla="*/ 2265594 w 2275119"/>
+              <a:gd name="connsiteY71" fmla="*/ 3300413 h 6858000"/>
+              <a:gd name="connsiteX72" fmla="*/ 2271944 w 2275119"/>
+              <a:gd name="connsiteY72" fmla="*/ 3360738 h 6858000"/>
+              <a:gd name="connsiteX73" fmla="*/ 2275119 w 2275119"/>
+              <a:gd name="connsiteY73" fmla="*/ 3427413 h 6858000"/>
+              <a:gd name="connsiteX74" fmla="*/ 2271944 w 2275119"/>
+              <a:gd name="connsiteY74" fmla="*/ 3497263 h 6858000"/>
+              <a:gd name="connsiteX75" fmla="*/ 2265594 w 2275119"/>
+              <a:gd name="connsiteY75" fmla="*/ 3557588 h 6858000"/>
+              <a:gd name="connsiteX76" fmla="*/ 2254482 w 2275119"/>
+              <a:gd name="connsiteY76" fmla="*/ 3609975 h 6858000"/>
+              <a:gd name="connsiteX77" fmla="*/ 2238607 w 2275119"/>
+              <a:gd name="connsiteY77" fmla="*/ 3656013 h 6858000"/>
+              <a:gd name="connsiteX78" fmla="*/ 2222732 w 2275119"/>
+              <a:gd name="connsiteY78" fmla="*/ 3697288 h 6858000"/>
+              <a:gd name="connsiteX79" fmla="*/ 2206857 w 2275119"/>
+              <a:gd name="connsiteY79" fmla="*/ 3733800 h 6858000"/>
+              <a:gd name="connsiteX80" fmla="*/ 2187807 w 2275119"/>
+              <a:gd name="connsiteY80" fmla="*/ 3771900 h 6858000"/>
+              <a:gd name="connsiteX81" fmla="*/ 2168757 w 2275119"/>
+              <a:gd name="connsiteY81" fmla="*/ 3810000 h 6858000"/>
+              <a:gd name="connsiteX82" fmla="*/ 2149707 w 2275119"/>
+              <a:gd name="connsiteY82" fmla="*/ 3846513 h 6858000"/>
+              <a:gd name="connsiteX83" fmla="*/ 2133832 w 2275119"/>
+              <a:gd name="connsiteY83" fmla="*/ 3887788 h 6858000"/>
+              <a:gd name="connsiteX84" fmla="*/ 2119544 w 2275119"/>
+              <a:gd name="connsiteY84" fmla="*/ 3933825 h 6858000"/>
+              <a:gd name="connsiteX85" fmla="*/ 2108432 w 2275119"/>
+              <a:gd name="connsiteY85" fmla="*/ 3986213 h 6858000"/>
+              <a:gd name="connsiteX86" fmla="*/ 2100494 w 2275119"/>
+              <a:gd name="connsiteY86" fmla="*/ 4046538 h 6858000"/>
+              <a:gd name="connsiteX87" fmla="*/ 2098907 w 2275119"/>
+              <a:gd name="connsiteY87" fmla="*/ 4114800 h 6858000"/>
+              <a:gd name="connsiteX88" fmla="*/ 2100494 w 2275119"/>
+              <a:gd name="connsiteY88" fmla="*/ 4183063 h 6858000"/>
+              <a:gd name="connsiteX89" fmla="*/ 2108432 w 2275119"/>
+              <a:gd name="connsiteY89" fmla="*/ 4243388 h 6858000"/>
+              <a:gd name="connsiteX90" fmla="*/ 2119544 w 2275119"/>
+              <a:gd name="connsiteY90" fmla="*/ 4295775 h 6858000"/>
+              <a:gd name="connsiteX91" fmla="*/ 2133832 w 2275119"/>
+              <a:gd name="connsiteY91" fmla="*/ 4341813 h 6858000"/>
+              <a:gd name="connsiteX92" fmla="*/ 2149707 w 2275119"/>
+              <a:gd name="connsiteY92" fmla="*/ 4383088 h 6858000"/>
+              <a:gd name="connsiteX93" fmla="*/ 2168757 w 2275119"/>
+              <a:gd name="connsiteY93" fmla="*/ 4419600 h 6858000"/>
+              <a:gd name="connsiteX94" fmla="*/ 2206857 w 2275119"/>
+              <a:gd name="connsiteY94" fmla="*/ 4495800 h 6858000"/>
+              <a:gd name="connsiteX95" fmla="*/ 2222732 w 2275119"/>
+              <a:gd name="connsiteY95" fmla="*/ 4532313 h 6858000"/>
+              <a:gd name="connsiteX96" fmla="*/ 2238607 w 2275119"/>
+              <a:gd name="connsiteY96" fmla="*/ 4573588 h 6858000"/>
+              <a:gd name="connsiteX97" fmla="*/ 2254482 w 2275119"/>
+              <a:gd name="connsiteY97" fmla="*/ 4619625 h 6858000"/>
+              <a:gd name="connsiteX98" fmla="*/ 2265594 w 2275119"/>
+              <a:gd name="connsiteY98" fmla="*/ 4672013 h 6858000"/>
+              <a:gd name="connsiteX99" fmla="*/ 2271944 w 2275119"/>
+              <a:gd name="connsiteY99" fmla="*/ 4732338 h 6858000"/>
+              <a:gd name="connsiteX100" fmla="*/ 2275119 w 2275119"/>
+              <a:gd name="connsiteY100" fmla="*/ 4800600 h 6858000"/>
+              <a:gd name="connsiteX101" fmla="*/ 2271944 w 2275119"/>
+              <a:gd name="connsiteY101" fmla="*/ 4868863 h 6858000"/>
+              <a:gd name="connsiteX102" fmla="*/ 2265594 w 2275119"/>
+              <a:gd name="connsiteY102" fmla="*/ 4929188 h 6858000"/>
+              <a:gd name="connsiteX103" fmla="*/ 2254482 w 2275119"/>
+              <a:gd name="connsiteY103" fmla="*/ 4981575 h 6858000"/>
+              <a:gd name="connsiteX104" fmla="*/ 2238607 w 2275119"/>
+              <a:gd name="connsiteY104" fmla="*/ 5027613 h 6858000"/>
+              <a:gd name="connsiteX105" fmla="*/ 2222732 w 2275119"/>
+              <a:gd name="connsiteY105" fmla="*/ 5068888 h 6858000"/>
+              <a:gd name="connsiteX106" fmla="*/ 2206857 w 2275119"/>
+              <a:gd name="connsiteY106" fmla="*/ 5105400 h 6858000"/>
+              <a:gd name="connsiteX107" fmla="*/ 2187807 w 2275119"/>
+              <a:gd name="connsiteY107" fmla="*/ 5143500 h 6858000"/>
+              <a:gd name="connsiteX108" fmla="*/ 2168757 w 2275119"/>
+              <a:gd name="connsiteY108" fmla="*/ 5181600 h 6858000"/>
+              <a:gd name="connsiteX109" fmla="*/ 2149707 w 2275119"/>
+              <a:gd name="connsiteY109" fmla="*/ 5218113 h 6858000"/>
+              <a:gd name="connsiteX110" fmla="*/ 2133832 w 2275119"/>
+              <a:gd name="connsiteY110" fmla="*/ 5259388 h 6858000"/>
+              <a:gd name="connsiteX111" fmla="*/ 2119544 w 2275119"/>
+              <a:gd name="connsiteY111" fmla="*/ 5305425 h 6858000"/>
+              <a:gd name="connsiteX112" fmla="*/ 2108432 w 2275119"/>
+              <a:gd name="connsiteY112" fmla="*/ 5357813 h 6858000"/>
+              <a:gd name="connsiteX113" fmla="*/ 2100494 w 2275119"/>
+              <a:gd name="connsiteY113" fmla="*/ 5418138 h 6858000"/>
+              <a:gd name="connsiteX114" fmla="*/ 2098907 w 2275119"/>
+              <a:gd name="connsiteY114" fmla="*/ 5486400 h 6858000"/>
+              <a:gd name="connsiteX115" fmla="*/ 2100494 w 2275119"/>
+              <a:gd name="connsiteY115" fmla="*/ 5554663 h 6858000"/>
+              <a:gd name="connsiteX116" fmla="*/ 2108432 w 2275119"/>
+              <a:gd name="connsiteY116" fmla="*/ 5614988 h 6858000"/>
+              <a:gd name="connsiteX117" fmla="*/ 2119544 w 2275119"/>
+              <a:gd name="connsiteY117" fmla="*/ 5667375 h 6858000"/>
+              <a:gd name="connsiteX118" fmla="*/ 2133832 w 2275119"/>
+              <a:gd name="connsiteY118" fmla="*/ 5713413 h 6858000"/>
+              <a:gd name="connsiteX119" fmla="*/ 2149707 w 2275119"/>
+              <a:gd name="connsiteY119" fmla="*/ 5754688 h 6858000"/>
+              <a:gd name="connsiteX120" fmla="*/ 2168757 w 2275119"/>
+              <a:gd name="connsiteY120" fmla="*/ 5791200 h 6858000"/>
+              <a:gd name="connsiteX121" fmla="*/ 2187807 w 2275119"/>
+              <a:gd name="connsiteY121" fmla="*/ 5829300 h 6858000"/>
+              <a:gd name="connsiteX122" fmla="*/ 2206857 w 2275119"/>
+              <a:gd name="connsiteY122" fmla="*/ 5867400 h 6858000"/>
+              <a:gd name="connsiteX123" fmla="*/ 2222732 w 2275119"/>
+              <a:gd name="connsiteY123" fmla="*/ 5903913 h 6858000"/>
+              <a:gd name="connsiteX124" fmla="*/ 2238607 w 2275119"/>
+              <a:gd name="connsiteY124" fmla="*/ 5945188 h 6858000"/>
+              <a:gd name="connsiteX125" fmla="*/ 2254482 w 2275119"/>
+              <a:gd name="connsiteY125" fmla="*/ 5991225 h 6858000"/>
+              <a:gd name="connsiteX126" fmla="*/ 2265594 w 2275119"/>
+              <a:gd name="connsiteY126" fmla="*/ 6043613 h 6858000"/>
+              <a:gd name="connsiteX127" fmla="*/ 2271944 w 2275119"/>
+              <a:gd name="connsiteY127" fmla="*/ 6103938 h 6858000"/>
+              <a:gd name="connsiteX128" fmla="*/ 2275119 w 2275119"/>
+              <a:gd name="connsiteY128" fmla="*/ 6172200 h 6858000"/>
+              <a:gd name="connsiteX129" fmla="*/ 2271944 w 2275119"/>
+              <a:gd name="connsiteY129" fmla="*/ 6240463 h 6858000"/>
+              <a:gd name="connsiteX130" fmla="*/ 2265594 w 2275119"/>
+              <a:gd name="connsiteY130" fmla="*/ 6300788 h 6858000"/>
+              <a:gd name="connsiteX131" fmla="*/ 2254482 w 2275119"/>
+              <a:gd name="connsiteY131" fmla="*/ 6353175 h 6858000"/>
+              <a:gd name="connsiteX132" fmla="*/ 2238607 w 2275119"/>
+              <a:gd name="connsiteY132" fmla="*/ 6399213 h 6858000"/>
+              <a:gd name="connsiteX133" fmla="*/ 2222732 w 2275119"/>
+              <a:gd name="connsiteY133" fmla="*/ 6440488 h 6858000"/>
+              <a:gd name="connsiteX134" fmla="*/ 2206857 w 2275119"/>
+              <a:gd name="connsiteY134" fmla="*/ 6477000 h 6858000"/>
+              <a:gd name="connsiteX135" fmla="*/ 2187807 w 2275119"/>
+              <a:gd name="connsiteY135" fmla="*/ 6515100 h 6858000"/>
+              <a:gd name="connsiteX136" fmla="*/ 2168757 w 2275119"/>
+              <a:gd name="connsiteY136" fmla="*/ 6553200 h 6858000"/>
+              <a:gd name="connsiteX137" fmla="*/ 2149707 w 2275119"/>
+              <a:gd name="connsiteY137" fmla="*/ 6589713 h 6858000"/>
+              <a:gd name="connsiteX138" fmla="*/ 2133832 w 2275119"/>
+              <a:gd name="connsiteY138" fmla="*/ 6630988 h 6858000"/>
+              <a:gd name="connsiteX139" fmla="*/ 2119544 w 2275119"/>
+              <a:gd name="connsiteY139" fmla="*/ 6677025 h 6858000"/>
+              <a:gd name="connsiteX140" fmla="*/ 2108432 w 2275119"/>
+              <a:gd name="connsiteY140" fmla="*/ 6729413 h 6858000"/>
+              <a:gd name="connsiteX141" fmla="*/ 2100494 w 2275119"/>
+              <a:gd name="connsiteY141" fmla="*/ 6789738 h 6858000"/>
+              <a:gd name="connsiteX142" fmla="*/ 2098907 w 2275119"/>
+              <a:gd name="connsiteY142" fmla="*/ 6858000 h 6858000"/>
+              <a:gd name="connsiteX143" fmla="*/ 1556068 w 2275119"/>
+              <a:gd name="connsiteY143" fmla="*/ 6858000 h 6858000"/>
+              <a:gd name="connsiteX144" fmla="*/ 1389294 w 2275119"/>
+              <a:gd name="connsiteY144" fmla="*/ 6858000 h 6858000"/>
+              <a:gd name="connsiteX145" fmla="*/ 0 w 2275119"/>
+              <a:gd name="connsiteY145" fmla="*/ 6858000 h 6858000"/>
+            </a:gdLst>
+            <a:ahLst/>
+            <a:cxnLst>
+              <a:cxn ang="0">
+                <a:pos x="connsiteX0" y="connsiteY0"/>
+              </a:cxn>
+              <a:cxn ang="0">
+                <a:pos x="connsiteX1" y="connsiteY1"/>
+              </a:cxn>
+              <a:cxn ang="0">
+                <a:pos x="connsiteX2" y="connsiteY2"/>
+              </a:cxn>
+              <a:cxn ang="0">
+                <a:pos x="connsiteX3" y="connsiteY3"/>
+              </a:cxn>
+              <a:cxn ang="0">
+                <a:pos x="connsiteX4" y="connsiteY4"/>
+              </a:cxn>
+              <a:cxn ang="0">
+                <a:pos x="connsiteX5" y="connsiteY5"/>
+              </a:cxn>
+              <a:cxn ang="0">
+                <a:pos x="connsiteX6" y="connsiteY6"/>
+              </a:cxn>
+              <a:cxn ang="0">
+                <a:pos x="connsiteX7" y="connsiteY7"/>
+              </a:cxn>
+              <a:cxn ang="0">
+                <a:pos x="connsiteX8" y="connsiteY8"/>
+              </a:cxn>
+              <a:cxn ang="0">
+                <a:pos x="connsiteX9" y="connsiteY9"/>
+              </a:cxn>
+              <a:cxn ang="0">
+                <a:pos x="connsiteX10" y="connsiteY10"/>
+              </a:cxn>
+              <a:cxn ang="0">
+                <a:pos x="connsiteX11" y="connsiteY11"/>
+              </a:cxn>
+              <a:cxn ang="0">
+                <a:pos x="connsiteX12" y="connsiteY12"/>
+              </a:cxn>
+              <a:cxn ang="0">
+                <a:pos x="connsiteX13" y="connsiteY13"/>
+              </a:cxn>
+              <a:cxn ang="0">
+                <a:pos x="connsiteX14" y="connsiteY14"/>
+              </a:cxn>
+              <a:cxn ang="0">
+                <a:pos x="connsiteX15" y="connsiteY15"/>
+              </a:cxn>
+              <a:cxn ang="0">
+                <a:pos x="connsiteX16" y="connsiteY16"/>
+              </a:cxn>
+              <a:cxn ang="0">
+                <a:pos x="connsiteX17" y="connsiteY17"/>
+              </a:cxn>
+              <a:cxn ang="0">
+                <a:pos x="connsiteX18" y="connsiteY18"/>
+              </a:cxn>
+              <a:cxn ang="0">
+                <a:pos x="connsiteX19" y="connsiteY19"/>
+              </a:cxn>
+              <a:cxn ang="0">
+                <a:pos x="connsiteX20" y="connsiteY20"/>
+              </a:cxn>
+              <a:cxn ang="0">
+                <a:pos x="connsiteX21" y="connsiteY21"/>
+              </a:cxn>
+              <a:cxn ang="0">
+                <a:pos x="connsiteX22" y="connsiteY22"/>
+              </a:cxn>
+              <a:cxn ang="0">
+                <a:pos x="connsiteX23" y="connsiteY23"/>
+              </a:cxn>
+              <a:cxn ang="0">
+                <a:pos x="connsiteX24" y="connsiteY24"/>
+              </a:cxn>
+              <a:cxn ang="0">
+                <a:pos x="connsiteX25" y="connsiteY25"/>
+              </a:cxn>
+              <a:cxn ang="0">
+                <a:pos x="connsiteX26" y="connsiteY26"/>
+              </a:cxn>
+              <a:cxn ang="0">
+                <a:pos x="connsiteX27" y="connsiteY27"/>
+              </a:cxn>
+              <a:cxn ang="0">
+                <a:pos x="connsiteX28" y="connsiteY28"/>
+              </a:cxn>
+              <a:cxn ang="0">
+                <a:pos x="connsiteX29" y="connsiteY29"/>
+              </a:cxn>
+              <a:cxn ang="0">
+                <a:pos x="connsiteX30" y="connsiteY30"/>
+              </a:cxn>
+              <a:cxn ang="0">
+                <a:pos x="connsiteX31" y="connsiteY31"/>
+              </a:cxn>
+              <a:cxn ang="0">
+                <a:pos x="connsiteX32" y="connsiteY32"/>
+              </a:cxn>
+              <a:cxn ang="0">
+                <a:pos x="connsiteX33" y="connsiteY33"/>
+              </a:cxn>
+              <a:cxn ang="0">
+                <a:pos x="connsiteX34" y="connsiteY34"/>
+              </a:cxn>
+              <a:cxn ang="0">
+                <a:pos x="connsiteX35" y="connsiteY35"/>
+              </a:cxn>
+              <a:cxn ang="0">
+                <a:pos x="connsiteX36" y="connsiteY36"/>
+              </a:cxn>
+              <a:cxn ang="0">
+                <a:pos x="connsiteX37" y="connsiteY37"/>
+              </a:cxn>
+              <a:cxn ang="0">
+                <a:pos x="connsiteX38" y="connsiteY38"/>
+              </a:cxn>
+              <a:cxn ang="0">
+                <a:pos x="connsiteX39" y="connsiteY39"/>
+              </a:cxn>
+              <a:cxn ang="0">
+                <a:pos x="connsiteX40" y="connsiteY40"/>
+              </a:cxn>
+              <a:cxn ang="0">
+                <a:pos x="connsiteX41" y="connsiteY41"/>
+              </a:cxn>
+              <a:cxn ang="0">
+                <a:pos x="connsiteX42" y="connsiteY42"/>
+              </a:cxn>
+              <a:cxn ang="0">
+                <a:pos x="connsiteX43" y="connsiteY43"/>
+              </a:cxn>
+              <a:cxn ang="0">
+                <a:pos x="connsiteX44" y="connsiteY44"/>
+              </a:cxn>
+              <a:cxn ang="0">
+                <a:pos x="connsiteX45" y="connsiteY45"/>
+              </a:cxn>
+              <a:cxn ang="0">
+                <a:pos x="connsiteX46" y="connsiteY46"/>
+              </a:cxn>
+              <a:cxn ang="0">
+                <a:pos x="connsiteX47" y="connsiteY47"/>
+              </a:cxn>
+              <a:cxn ang="0">
+                <a:pos x="connsiteX48" y="connsiteY48"/>
+              </a:cxn>
+              <a:cxn ang="0">
+                <a:pos x="connsiteX49" y="connsiteY49"/>
+              </a:cxn>
+              <a:cxn ang="0">
+                <a:pos x="connsiteX50" y="connsiteY50"/>
+              </a:cxn>
+              <a:cxn ang="0">
+                <a:pos x="connsiteX51" y="connsiteY51"/>
+              </a:cxn>
+              <a:cxn ang="0">
+                <a:pos x="connsiteX52" y="connsiteY52"/>
+              </a:cxn>
+              <a:cxn ang="0">
+                <a:pos x="connsiteX53" y="connsiteY53"/>
+              </a:cxn>
+              <a:cxn ang="0">
+                <a:pos x="connsiteX54" y="connsiteY54"/>
+              </a:cxn>
+              <a:cxn ang="0">
+                <a:pos x="connsiteX55" y="connsiteY55"/>
+              </a:cxn>
+              <a:cxn ang="0">
+                <a:pos x="connsiteX56" y="connsiteY56"/>
+              </a:cxn>
+              <a:cxn ang="0">
+                <a:pos x="connsiteX57" y="connsiteY57"/>
+              </a:cxn>
+              <a:cxn ang="0">
+                <a:pos x="connsiteX58" y="connsiteY58"/>
+              </a:cxn>
+              <a:cxn ang="0">
+                <a:pos x="connsiteX59" y="connsiteY59"/>
+              </a:cxn>
+              <a:cxn ang="0">
+                <a:pos x="connsiteX60" y="connsiteY60"/>
+              </a:cxn>
+              <a:cxn ang="0">
+                <a:pos x="connsiteX61" y="connsiteY61"/>
+              </a:cxn>
+              <a:cxn ang="0">
+                <a:pos x="connsiteX62" y="connsiteY62"/>
+              </a:cxn>
+              <a:cxn ang="0">
+                <a:pos x="connsiteX63" y="connsiteY63"/>
+              </a:cxn>
+              <a:cxn ang="0">
+                <a:pos x="connsiteX64" y="connsiteY64"/>
+              </a:cxn>
+              <a:cxn ang="0">
+                <a:pos x="connsiteX65" y="connsiteY65"/>
+              </a:cxn>
+              <a:cxn ang="0">
+                <a:pos x="connsiteX66" y="connsiteY66"/>
+              </a:cxn>
+              <a:cxn ang="0">
+                <a:pos x="connsiteX67" y="connsiteY67"/>
+              </a:cxn>
+              <a:cxn ang="0">
+                <a:pos x="connsiteX68" y="connsiteY68"/>
+              </a:cxn>
+              <a:cxn ang="0">
+                <a:pos x="connsiteX69" y="connsiteY69"/>
+              </a:cxn>
+              <a:cxn ang="0">
+                <a:pos x="connsiteX70" y="connsiteY70"/>
+              </a:cxn>
+              <a:cxn ang="0">
+                <a:pos x="connsiteX71" y="connsiteY71"/>
+              </a:cxn>
+              <a:cxn ang="0">
+                <a:pos x="connsiteX72" y="connsiteY72"/>
+              </a:cxn>
+              <a:cxn ang="0">
+                <a:pos x="connsiteX73" y="connsiteY73"/>
+              </a:cxn>
+              <a:cxn ang="0">
+                <a:pos x="connsiteX74" y="connsiteY74"/>
+              </a:cxn>
+              <a:cxn ang="0">
+                <a:pos x="connsiteX75" y="connsiteY75"/>
+              </a:cxn>
+              <a:cxn ang="0">
+                <a:pos x="connsiteX76" y="connsiteY76"/>
+              </a:cxn>
+              <a:cxn ang="0">
+                <a:pos x="connsiteX77" y="connsiteY77"/>
+              </a:cxn>
+              <a:cxn ang="0">
+                <a:pos x="connsiteX78" y="connsiteY78"/>
+              </a:cxn>
+              <a:cxn ang="0">
+                <a:pos x="connsiteX79" y="connsiteY79"/>
+              </a:cxn>
+              <a:cxn ang="0">
+                <a:pos x="connsiteX80" y="connsiteY80"/>
+              </a:cxn>
+              <a:cxn ang="0">
+                <a:pos x="connsiteX81" y="connsiteY81"/>
+              </a:cxn>
+              <a:cxn ang="0">
+                <a:pos x="connsiteX82" y="connsiteY82"/>
+              </a:cxn>
+              <a:cxn ang="0">
+                <a:pos x="connsiteX83" y="connsiteY83"/>
+              </a:cxn>
+              <a:cxn ang="0">
+                <a:pos x="connsiteX84" y="connsiteY84"/>
+              </a:cxn>
+              <a:cxn ang="0">
+                <a:pos x="connsiteX85" y="connsiteY85"/>
+              </a:cxn>
+              <a:cxn ang="0">
+                <a:pos x="connsiteX86" y="connsiteY86"/>
+              </a:cxn>
+              <a:cxn ang="0">
+                <a:pos x="connsiteX87" y="connsiteY87"/>
+              </a:cxn>
+              <a:cxn ang="0">
+                <a:pos x="connsiteX88" y="connsiteY88"/>
+              </a:cxn>
+              <a:cxn ang="0">
+                <a:pos x="connsiteX89" y="connsiteY89"/>
+              </a:cxn>
+              <a:cxn ang="0">
+                <a:pos x="connsiteX90" y="connsiteY90"/>
+              </a:cxn>
+              <a:cxn ang="0">
+                <a:pos x="connsiteX91" y="connsiteY91"/>
+              </a:cxn>
+              <a:cxn ang="0">
+                <a:pos x="connsiteX92" y="connsiteY92"/>
+              </a:cxn>
+              <a:cxn ang="0">
+                <a:pos x="connsiteX93" y="connsiteY93"/>
+              </a:cxn>
+              <a:cxn ang="0">
+                <a:pos x="connsiteX94" y="connsiteY94"/>
+              </a:cxn>
+              <a:cxn ang="0">
+                <a:pos x="connsiteX95" y="connsiteY95"/>
+              </a:cxn>
+              <a:cxn ang="0">
+                <a:pos x="connsiteX96" y="connsiteY96"/>
+              </a:cxn>
+              <a:cxn ang="0">
+                <a:pos x="connsiteX97" y="connsiteY97"/>
+              </a:cxn>
+              <a:cxn ang="0">
+                <a:pos x="connsiteX98" y="connsiteY98"/>
+              </a:cxn>
+              <a:cxn ang="0">
+                <a:pos x="connsiteX99" y="connsiteY99"/>
+              </a:cxn>
+              <a:cxn ang="0">
+                <a:pos x="connsiteX100" y="connsiteY100"/>
+              </a:cxn>
+              <a:cxn ang="0">
+                <a:pos x="connsiteX101" y="connsiteY101"/>
+              </a:cxn>
+              <a:cxn ang="0">
+                <a:pos x="connsiteX102" y="connsiteY102"/>
+              </a:cxn>
+              <a:cxn ang="0">
+                <a:pos x="connsiteX103" y="connsiteY103"/>
+              </a:cxn>
+              <a:cxn ang="0">
+                <a:pos x="connsiteX104" y="connsiteY104"/>
+              </a:cxn>
+              <a:cxn ang="0">
+                <a:pos x="connsiteX105" y="connsiteY105"/>
+              </a:cxn>
+              <a:cxn ang="0">
+                <a:pos x="connsiteX106" y="connsiteY106"/>
+              </a:cxn>
+              <a:cxn ang="0">
+                <a:pos x="connsiteX107" y="connsiteY107"/>
+              </a:cxn>
+              <a:cxn ang="0">
+                <a:pos x="connsiteX108" y="connsiteY108"/>
+              </a:cxn>
+              <a:cxn ang="0">
+                <a:pos x="connsiteX109" y="connsiteY109"/>
+              </a:cxn>
+              <a:cxn ang="0">
+                <a:pos x="connsiteX110" y="connsiteY110"/>
+              </a:cxn>
+              <a:cxn ang="0">
+                <a:pos x="connsiteX111" y="connsiteY111"/>
+              </a:cxn>
+              <a:cxn ang="0">
+                <a:pos x="connsiteX112" y="connsiteY112"/>
+              </a:cxn>
+              <a:cxn ang="0">
+                <a:pos x="connsiteX113" y="connsiteY113"/>
+              </a:cxn>
+              <a:cxn ang="0">
+                <a:pos x="connsiteX114" y="connsiteY114"/>
+              </a:cxn>
+              <a:cxn ang="0">
+                <a:pos x="connsiteX115" y="connsiteY115"/>
+              </a:cxn>
+              <a:cxn ang="0">
+                <a:pos x="connsiteX116" y="connsiteY116"/>
+              </a:cxn>
+              <a:cxn ang="0">
+                <a:pos x="connsiteX117" y="connsiteY117"/>
+              </a:cxn>
+              <a:cxn ang="0">
+                <a:pos x="connsiteX118" y="connsiteY118"/>
+              </a:cxn>
+              <a:cxn ang="0">
+                <a:pos x="connsiteX119" y="connsiteY119"/>
+              </a:cxn>
+              <a:cxn ang="0">
+                <a:pos x="connsiteX120" y="connsiteY120"/>
+              </a:cxn>
+              <a:cxn ang="0">
+                <a:pos x="connsiteX121" y="connsiteY121"/>
+              </a:cxn>
+              <a:cxn ang="0">
+                <a:pos x="connsiteX122" y="connsiteY122"/>
+              </a:cxn>
+              <a:cxn ang="0">
+                <a:pos x="connsiteX123" y="connsiteY123"/>
+              </a:cxn>
+              <a:cxn ang="0">
+                <a:pos x="connsiteX124" y="connsiteY124"/>
+              </a:cxn>
+              <a:cxn ang="0">
+                <a:pos x="connsiteX125" y="connsiteY125"/>
+              </a:cxn>
+              <a:cxn ang="0">
+                <a:pos x="connsiteX126" y="connsiteY126"/>
+              </a:cxn>
+              <a:cxn ang="0">
+                <a:pos x="connsiteX127" y="connsiteY127"/>
+              </a:cxn>
+              <a:cxn ang="0">
+                <a:pos x="connsiteX128" y="connsiteY128"/>
+              </a:cxn>
+              <a:cxn ang="0">
+                <a:pos x="connsiteX129" y="connsiteY129"/>
+              </a:cxn>
+              <a:cxn ang="0">
+                <a:pos x="connsiteX130" y="connsiteY130"/>
+              </a:cxn>
+              <a:cxn ang="0">
+                <a:pos x="connsiteX131" y="connsiteY131"/>
+              </a:cxn>
+              <a:cxn ang="0">
+                <a:pos x="connsiteX132" y="connsiteY132"/>
+              </a:cxn>
+              <a:cxn ang="0">
+                <a:pos x="connsiteX133" y="connsiteY133"/>
+              </a:cxn>
+              <a:cxn ang="0">
+                <a:pos x="connsiteX134" y="connsiteY134"/>
+              </a:cxn>
+              <a:cxn ang="0">
+                <a:pos x="connsiteX135" y="connsiteY135"/>
+              </a:cxn>
+              <a:cxn ang="0">
+                <a:pos x="connsiteX136" y="connsiteY136"/>
+              </a:cxn>
+              <a:cxn ang="0">
+                <a:pos x="connsiteX137" y="connsiteY137"/>
+              </a:cxn>
+              <a:cxn ang="0">
+                <a:pos x="connsiteX138" y="connsiteY138"/>
+              </a:cxn>
+              <a:cxn ang="0">
+                <a:pos x="connsiteX139" y="connsiteY139"/>
+              </a:cxn>
+              <a:cxn ang="0">
+                <a:pos x="connsiteX140" y="connsiteY140"/>
+              </a:cxn>
+              <a:cxn ang="0">
+                <a:pos x="connsiteX141" y="connsiteY141"/>
+              </a:cxn>
+              <a:cxn ang="0">
+                <a:pos x="connsiteX142" y="connsiteY142"/>
+              </a:cxn>
+              <a:cxn ang="0">
+                <a:pos x="connsiteX143" y="connsiteY143"/>
+              </a:cxn>
+              <a:cxn ang="0">
+                <a:pos x="connsiteX144" y="connsiteY144"/>
+              </a:cxn>
+              <a:cxn ang="0">
+                <a:pos x="connsiteX145" y="connsiteY145"/>
+              </a:cxn>
+            </a:cxnLst>
+            <a:rect l="l" t="t" r="r" b="b"/>
+            <a:pathLst>
+              <a:path w="2275119" h="6858000">
+                <a:moveTo>
+                  <a:pt x="0" y="0"/>
+                </a:moveTo>
+                <a:lnTo>
+                  <a:pt x="1389294" y="0"/>
+                </a:lnTo>
+                <a:lnTo>
+                  <a:pt x="1556068" y="0"/>
+                </a:lnTo>
+                <a:lnTo>
+                  <a:pt x="2098907" y="0"/>
+                </a:lnTo>
+                <a:lnTo>
+                  <a:pt x="2100494" y="68263"/>
+                </a:lnTo>
+                <a:lnTo>
+                  <a:pt x="2108432" y="128588"/>
+                </a:lnTo>
+                <a:lnTo>
+                  <a:pt x="2119544" y="180975"/>
+                </a:lnTo>
+                <a:lnTo>
+                  <a:pt x="2133832" y="227013"/>
+                </a:lnTo>
+                <a:lnTo>
+                  <a:pt x="2149707" y="268288"/>
+                </a:lnTo>
+                <a:lnTo>
+                  <a:pt x="2168757" y="304800"/>
+                </a:lnTo>
+                <a:lnTo>
+                  <a:pt x="2187807" y="342900"/>
+                </a:lnTo>
+                <a:lnTo>
+                  <a:pt x="2206857" y="381000"/>
+                </a:lnTo>
+                <a:lnTo>
+                  <a:pt x="2222732" y="417513"/>
+                </a:lnTo>
+                <a:lnTo>
+                  <a:pt x="2238607" y="458788"/>
+                </a:lnTo>
+                <a:lnTo>
+                  <a:pt x="2254482" y="504825"/>
+                </a:lnTo>
+                <a:lnTo>
+                  <a:pt x="2265594" y="557213"/>
+                </a:lnTo>
+                <a:lnTo>
+                  <a:pt x="2271944" y="617538"/>
+                </a:lnTo>
+                <a:lnTo>
+                  <a:pt x="2275119" y="685800"/>
+                </a:lnTo>
+                <a:lnTo>
+                  <a:pt x="2271944" y="754063"/>
+                </a:lnTo>
+                <a:lnTo>
+                  <a:pt x="2265594" y="814388"/>
+                </a:lnTo>
+                <a:lnTo>
+                  <a:pt x="2254482" y="866775"/>
+                </a:lnTo>
+                <a:lnTo>
+                  <a:pt x="2238607" y="912813"/>
+                </a:lnTo>
+                <a:lnTo>
+                  <a:pt x="2222732" y="954088"/>
+                </a:lnTo>
+                <a:lnTo>
+                  <a:pt x="2206857" y="990600"/>
+                </a:lnTo>
+                <a:lnTo>
+                  <a:pt x="2187807" y="1028700"/>
+                </a:lnTo>
+                <a:lnTo>
+                  <a:pt x="2168757" y="1066800"/>
+                </a:lnTo>
+                <a:lnTo>
+                  <a:pt x="2149707" y="1103313"/>
+                </a:lnTo>
+                <a:lnTo>
+                  <a:pt x="2133832" y="1144588"/>
+                </a:lnTo>
+                <a:lnTo>
+                  <a:pt x="2119544" y="1190625"/>
+                </a:lnTo>
+                <a:lnTo>
+                  <a:pt x="2108432" y="1243013"/>
+                </a:lnTo>
+                <a:lnTo>
+                  <a:pt x="2100494" y="1303338"/>
+                </a:lnTo>
+                <a:lnTo>
+                  <a:pt x="2098907" y="1371600"/>
+                </a:lnTo>
+                <a:lnTo>
+                  <a:pt x="2100494" y="1439863"/>
+                </a:lnTo>
+                <a:lnTo>
+                  <a:pt x="2108432" y="1500188"/>
+                </a:lnTo>
+                <a:lnTo>
+                  <a:pt x="2119544" y="1552575"/>
+                </a:lnTo>
+                <a:lnTo>
+                  <a:pt x="2133832" y="1598613"/>
+                </a:lnTo>
+                <a:lnTo>
+                  <a:pt x="2149707" y="1639888"/>
+                </a:lnTo>
+                <a:lnTo>
+                  <a:pt x="2168757" y="1676400"/>
+                </a:lnTo>
+                <a:lnTo>
+                  <a:pt x="2187807" y="1714500"/>
+                </a:lnTo>
+                <a:lnTo>
+                  <a:pt x="2206857" y="1752600"/>
+                </a:lnTo>
+                <a:lnTo>
+                  <a:pt x="2222732" y="1789113"/>
+                </a:lnTo>
+                <a:lnTo>
+                  <a:pt x="2238607" y="1830388"/>
+                </a:lnTo>
+                <a:lnTo>
+                  <a:pt x="2254482" y="1876425"/>
+                </a:lnTo>
+                <a:lnTo>
+                  <a:pt x="2265594" y="1928813"/>
+                </a:lnTo>
+                <a:lnTo>
+                  <a:pt x="2271944" y="1989138"/>
+                </a:lnTo>
+                <a:lnTo>
+                  <a:pt x="2275119" y="2057400"/>
+                </a:lnTo>
+                <a:lnTo>
+                  <a:pt x="2271944" y="2125663"/>
+                </a:lnTo>
+                <a:lnTo>
+                  <a:pt x="2265594" y="2185988"/>
+                </a:lnTo>
+                <a:lnTo>
+                  <a:pt x="2254482" y="2238375"/>
+                </a:lnTo>
+                <a:lnTo>
+                  <a:pt x="2238607" y="2284413"/>
+                </a:lnTo>
+                <a:lnTo>
+                  <a:pt x="2222732" y="2325688"/>
+                </a:lnTo>
+                <a:lnTo>
+                  <a:pt x="2206857" y="2362200"/>
+                </a:lnTo>
+                <a:lnTo>
+                  <a:pt x="2187807" y="2400300"/>
+                </a:lnTo>
+                <a:lnTo>
+                  <a:pt x="2168757" y="2438400"/>
+                </a:lnTo>
+                <a:lnTo>
+                  <a:pt x="2149707" y="2474913"/>
+                </a:lnTo>
+                <a:lnTo>
+                  <a:pt x="2133832" y="2516188"/>
+                </a:lnTo>
+                <a:lnTo>
+                  <a:pt x="2119544" y="2562225"/>
+                </a:lnTo>
+                <a:lnTo>
+                  <a:pt x="2108432" y="2614613"/>
+                </a:lnTo>
+                <a:lnTo>
+                  <a:pt x="2100494" y="2674938"/>
+                </a:lnTo>
+                <a:lnTo>
+                  <a:pt x="2098907" y="2743200"/>
+                </a:lnTo>
+                <a:lnTo>
+                  <a:pt x="2100494" y="2811463"/>
+                </a:lnTo>
+                <a:lnTo>
+                  <a:pt x="2108432" y="2871788"/>
+                </a:lnTo>
+                <a:lnTo>
+                  <a:pt x="2119544" y="2924175"/>
+                </a:lnTo>
+                <a:lnTo>
+                  <a:pt x="2133832" y="2970213"/>
+                </a:lnTo>
+                <a:lnTo>
+                  <a:pt x="2149707" y="3011488"/>
+                </a:lnTo>
+                <a:lnTo>
+                  <a:pt x="2168757" y="3048000"/>
+                </a:lnTo>
+                <a:lnTo>
+                  <a:pt x="2187807" y="3086100"/>
+                </a:lnTo>
+                <a:lnTo>
+                  <a:pt x="2206857" y="3124200"/>
+                </a:lnTo>
+                <a:lnTo>
+                  <a:pt x="2222732" y="3160713"/>
+                </a:lnTo>
+                <a:lnTo>
+                  <a:pt x="2238607" y="3201988"/>
+                </a:lnTo>
+                <a:lnTo>
+                  <a:pt x="2254482" y="3248025"/>
+                </a:lnTo>
+                <a:lnTo>
+                  <a:pt x="2265594" y="3300413"/>
+                </a:lnTo>
+                <a:lnTo>
+                  <a:pt x="2271944" y="3360738"/>
+                </a:lnTo>
+                <a:lnTo>
+                  <a:pt x="2275119" y="3427413"/>
+                </a:lnTo>
+                <a:lnTo>
+                  <a:pt x="2271944" y="3497263"/>
+                </a:lnTo>
+                <a:lnTo>
+                  <a:pt x="2265594" y="3557588"/>
+                </a:lnTo>
+                <a:lnTo>
+                  <a:pt x="2254482" y="3609975"/>
+                </a:lnTo>
+                <a:lnTo>
+                  <a:pt x="2238607" y="3656013"/>
+                </a:lnTo>
+                <a:lnTo>
+                  <a:pt x="2222732" y="3697288"/>
+                </a:lnTo>
+                <a:lnTo>
+                  <a:pt x="2206857" y="3733800"/>
+                </a:lnTo>
+                <a:lnTo>
+                  <a:pt x="2187807" y="3771900"/>
+                </a:lnTo>
+                <a:lnTo>
+                  <a:pt x="2168757" y="3810000"/>
+                </a:lnTo>
+                <a:lnTo>
+                  <a:pt x="2149707" y="3846513"/>
+                </a:lnTo>
+                <a:lnTo>
+                  <a:pt x="2133832" y="3887788"/>
+                </a:lnTo>
+                <a:lnTo>
+                  <a:pt x="2119544" y="3933825"/>
+                </a:lnTo>
+                <a:lnTo>
+                  <a:pt x="2108432" y="3986213"/>
+                </a:lnTo>
+                <a:lnTo>
+                  <a:pt x="2100494" y="4046538"/>
+                </a:lnTo>
+                <a:lnTo>
+                  <a:pt x="2098907" y="4114800"/>
+                </a:lnTo>
+                <a:lnTo>
+                  <a:pt x="2100494" y="4183063"/>
+                </a:lnTo>
+                <a:lnTo>
+                  <a:pt x="2108432" y="4243388"/>
+                </a:lnTo>
+                <a:lnTo>
+                  <a:pt x="2119544" y="4295775"/>
+                </a:lnTo>
+                <a:lnTo>
+                  <a:pt x="2133832" y="4341813"/>
+                </a:lnTo>
+                <a:lnTo>
+                  <a:pt x="2149707" y="4383088"/>
+                </a:lnTo>
+                <a:lnTo>
+                  <a:pt x="2168757" y="4419600"/>
+                </a:lnTo>
+                <a:lnTo>
+                  <a:pt x="2206857" y="4495800"/>
+                </a:lnTo>
+                <a:lnTo>
+                  <a:pt x="2222732" y="4532313"/>
+                </a:lnTo>
+                <a:lnTo>
+                  <a:pt x="2238607" y="4573588"/>
+                </a:lnTo>
+                <a:lnTo>
+                  <a:pt x="2254482" y="4619625"/>
+                </a:lnTo>
+                <a:lnTo>
+                  <a:pt x="2265594" y="4672013"/>
+                </a:lnTo>
+                <a:lnTo>
+                  <a:pt x="2271944" y="4732338"/>
+                </a:lnTo>
+                <a:lnTo>
+                  <a:pt x="2275119" y="4800600"/>
+                </a:lnTo>
+                <a:lnTo>
+                  <a:pt x="2271944" y="4868863"/>
+                </a:lnTo>
+                <a:lnTo>
+                  <a:pt x="2265594" y="4929188"/>
+                </a:lnTo>
+                <a:lnTo>
+                  <a:pt x="2254482" y="4981575"/>
+                </a:lnTo>
+                <a:lnTo>
+                  <a:pt x="2238607" y="5027613"/>
+                </a:lnTo>
+                <a:lnTo>
+                  <a:pt x="2222732" y="5068888"/>
+                </a:lnTo>
+                <a:lnTo>
+                  <a:pt x="2206857" y="5105400"/>
+                </a:lnTo>
+                <a:lnTo>
+                  <a:pt x="2187807" y="5143500"/>
+                </a:lnTo>
+                <a:lnTo>
+                  <a:pt x="2168757" y="5181600"/>
+                </a:lnTo>
+                <a:lnTo>
+                  <a:pt x="2149707" y="5218113"/>
+                </a:lnTo>
+                <a:lnTo>
+                  <a:pt x="2133832" y="5259388"/>
+                </a:lnTo>
+                <a:lnTo>
+                  <a:pt x="2119544" y="5305425"/>
+                </a:lnTo>
+                <a:lnTo>
+                  <a:pt x="2108432" y="5357813"/>
+                </a:lnTo>
+                <a:lnTo>
+                  <a:pt x="2100494" y="5418138"/>
+                </a:lnTo>
+                <a:lnTo>
+                  <a:pt x="2098907" y="5486400"/>
+                </a:lnTo>
+                <a:lnTo>
+                  <a:pt x="2100494" y="5554663"/>
+                </a:lnTo>
+                <a:lnTo>
+                  <a:pt x="2108432" y="5614988"/>
+                </a:lnTo>
+                <a:lnTo>
+                  <a:pt x="2119544" y="5667375"/>
+                </a:lnTo>
+                <a:lnTo>
+                  <a:pt x="2133832" y="5713413"/>
+                </a:lnTo>
+                <a:lnTo>
+                  <a:pt x="2149707" y="5754688"/>
+                </a:lnTo>
+                <a:lnTo>
+                  <a:pt x="2168757" y="5791200"/>
+                </a:lnTo>
+                <a:lnTo>
+                  <a:pt x="2187807" y="5829300"/>
+                </a:lnTo>
+                <a:lnTo>
+                  <a:pt x="2206857" y="5867400"/>
+                </a:lnTo>
+                <a:lnTo>
+                  <a:pt x="2222732" y="5903913"/>
+                </a:lnTo>
+                <a:lnTo>
+                  <a:pt x="2238607" y="5945188"/>
+                </a:lnTo>
+                <a:lnTo>
+                  <a:pt x="2254482" y="5991225"/>
+                </a:lnTo>
+                <a:lnTo>
+                  <a:pt x="2265594" y="6043613"/>
+                </a:lnTo>
+                <a:lnTo>
+                  <a:pt x="2271944" y="6103938"/>
+                </a:lnTo>
+                <a:lnTo>
+                  <a:pt x="2275119" y="6172200"/>
+                </a:lnTo>
+                <a:lnTo>
+                  <a:pt x="2271944" y="6240463"/>
+                </a:lnTo>
+                <a:lnTo>
+                  <a:pt x="2265594" y="6300788"/>
+                </a:lnTo>
+                <a:lnTo>
+                  <a:pt x="2254482" y="6353175"/>
+                </a:lnTo>
+                <a:lnTo>
+                  <a:pt x="2238607" y="6399213"/>
+                </a:lnTo>
+                <a:lnTo>
+                  <a:pt x="2222732" y="6440488"/>
+                </a:lnTo>
+                <a:lnTo>
+                  <a:pt x="2206857" y="6477000"/>
+                </a:lnTo>
+                <a:lnTo>
+                  <a:pt x="2187807" y="6515100"/>
+                </a:lnTo>
+                <a:lnTo>
+                  <a:pt x="2168757" y="6553200"/>
+                </a:lnTo>
+                <a:lnTo>
+                  <a:pt x="2149707" y="6589713"/>
+                </a:lnTo>
+                <a:lnTo>
+                  <a:pt x="2133832" y="6630988"/>
+                </a:lnTo>
+                <a:lnTo>
+                  <a:pt x="2119544" y="6677025"/>
+                </a:lnTo>
+                <a:lnTo>
+                  <a:pt x="2108432" y="6729413"/>
+                </a:lnTo>
+                <a:lnTo>
+                  <a:pt x="2100494" y="6789738"/>
+                </a:lnTo>
+                <a:lnTo>
+                  <a:pt x="2098907" y="6858000"/>
+                </a:lnTo>
+                <a:lnTo>
+                  <a:pt x="1556068" y="6858000"/>
+                </a:lnTo>
+                <a:lnTo>
+                  <a:pt x="1389294" y="6858000"/>
+                </a:lnTo>
+                <a:lnTo>
+                  <a:pt x="0" y="6858000"/>
+                </a:lnTo>
+                <a:close/>
+              </a:path>
+            </a:pathLst>
+          </a:custGeom>
+          <a:solidFill>
+            <a:schemeClr val="accent1"/>
+          </a:solidFill>
+          <a:ln w="0">
+            <a:noFill/>
+            <a:prstDash val="solid"/>
+            <a:round/>
+            <a:headEnd/>
+            <a:tailEnd/>
+          </a:ln>
+        </p:spPr>
+      </p:sp>
+      <p:sp>
+        <p:nvSpPr>
+          <p:cNvPr id="12" name="Rectangle 11">
+            <a:extLst>
+              <a:ext uri="{FF2B5EF4-FFF2-40B4-BE49-F238E27FC236}">
+                <a16:creationId xmlns:a16="http://schemas.microsoft.com/office/drawing/2014/main" id="{A3AE1F77-1EC8-47BA-A381-B6618A2FCD65}"/>
+              </a:ext>
+              <a:ext uri="{C183D7F6-B498-43B3-948B-1728B52AA6E4}">
+                <adec:decorative xmlns:adec="http://schemas.microsoft.com/office/drawing/2017/decorative" val="1"/>
+              </a:ext>
+            </a:extLst>
+          </p:cNvPr>
+          <p:cNvSpPr>
+            <a:spLocks noGrp="1" noRot="1" noChangeAspect="1" noMove="1" noResize="1" noEditPoints="1" noAdjustHandles="1" noChangeArrowheads="1" noChangeShapeType="1" noTextEdit="1"/>
+          </p:cNvSpPr>
+          <p:nvPr>
+            <p:extLst>
+              <p:ext uri="{386F3935-93C4-4BCD-93E2-E3B085C9AB24}">
+                <p16:designElem xmlns:p16="http://schemas.microsoft.com/office/powerpoint/2015/main" val="1"/>
+              </p:ext>
+            </p:extLst>
+          </p:nvPr>
+        </p:nvSpPr>
+        <p:spPr>
+          <a:xfrm>
+            <a:off x="0" y="0"/>
+            <a:ext cx="283464" cy="6858000"/>
+          </a:xfrm>
+          <a:prstGeom prst="rect">
+            <a:avLst/>
+          </a:prstGeom>
+          <a:solidFill>
+            <a:schemeClr val="accent1">
+              <a:lumMod val="75000"/>
+            </a:schemeClr>
+          </a:solidFill>
+          <a:ln>
+            <a:noFill/>
+          </a:ln>
+        </p:spPr>
+        <p:style>
+          <a:lnRef idx="2">
+            <a:schemeClr val="accent1">
+              <a:shade val="50000"/>
+            </a:schemeClr>
+          </a:lnRef>
+          <a:fillRef idx="1">
+            <a:schemeClr val="accent1"/>
+          </a:fillRef>
+          <a:effectRef idx="0">
+            <a:schemeClr val="accent1"/>
+          </a:effectRef>
+          <a:fontRef idx="minor">
+            <a:schemeClr val="lt1"/>
+          </a:fontRef>
+        </p:style>
+      </p:sp>
+      <p:sp>
+        <p:nvSpPr>
+          <p:cNvPr id="3" name="Content Placeholder 2">
+            <a:extLst>
+              <a:ext uri="{FF2B5EF4-FFF2-40B4-BE49-F238E27FC236}">
+                <a16:creationId xmlns:a16="http://schemas.microsoft.com/office/drawing/2014/main" id="{3E7E0CE9-4D0C-8D4C-BDFC-DE188B861781}"/>
+              </a:ext>
+            </a:extLst>
+          </p:cNvPr>
+          <p:cNvSpPr>
+            <a:spLocks noGrp="1"/>
+          </p:cNvSpPr>
+          <p:nvPr>
+            <p:ph idx="1"/>
+          </p:nvPr>
+        </p:nvSpPr>
+        <p:spPr>
+          <a:xfrm>
+            <a:off x="2895600" y="2178528"/>
+            <a:ext cx="8534400" cy="3701065"/>
+          </a:xfrm>
+        </p:spPr>
+        <p:txBody>
+          <a:bodyPr>
+            <a:normAutofit/>
+          </a:bodyPr>
+          <a:lstStyle/>
+          <a:p>
+            <a:r>
+              <a:rPr lang="en-US" dirty="0"/>
+              <a:t>The hyperparameter database allows users to visualize and understand how to choose hyperparameters that maximize the predictive power of their models. </a:t>
+            </a:r>
+          </a:p>
+          <a:p>
+            <a:r>
+              <a:rPr lang="en-US" dirty="0"/>
+              <a:t>The hyperparameter database is created by running millions of hyperparameter values, calculating the individual conditional expectation of every hyperparameter on the quality of a model. </a:t>
+            </a:r>
+          </a:p>
+          <a:p>
+            <a:r>
+              <a:rPr lang="en-US" dirty="0"/>
+              <a:t>The data science part need to generating models using H2O to find best hyperparameters</a:t>
+            </a:r>
+          </a:p>
+          <a:p>
+            <a:endParaRPr lang="en-US" dirty="0"/>
+          </a:p>
+        </p:txBody>
+      </p:sp>
+    </p:spTree>
+    <p:extLst>
+      <p:ext uri="{BB962C8B-B14F-4D97-AF65-F5344CB8AC3E}">
+        <p14:creationId xmlns:p14="http://schemas.microsoft.com/office/powerpoint/2010/main" val="4187534170"/>
+      </p:ext>
+    </p:extLst>
+  </p:cSld>
+  <p:clrMapOvr>
+    <a:masterClrMapping/>
+  </p:clrMapOvr>
+</p:sld>
+</file>
+
+<file path=ppt/slides/slide4.xml><?xml version="1.0" encoding="utf-8"?>
 <p:sld xmlns:a="http://schemas.openxmlformats.org/drawingml/2006/main" xmlns:r="http://schemas.openxmlformats.org/officeDocument/2006/relationships" xmlns:p="http://schemas.openxmlformats.org/presentationml/2006/main">
   <p:cSld>
     <p:bg>
@@ -13321,7 +19317,7 @@
           <a:p>
             <a:pPr algn="ctr"/>
             <a:r>
-              <a:rPr lang="en-US"/>
+              <a:rPr lang="en-US" dirty="0"/>
               <a:t>Dataset</a:t>
             </a:r>
           </a:p>
@@ -13562,26 +19558,6 @@
               <a:t> </a:t>
             </a:r>
             <a:endParaRPr lang="en-US" sz="2800" dirty="0"/>
-          </a:p>
-          <a:p>
-            <a:pPr>
-              <a:lnSpc>
-                <a:spcPct val="100000"/>
-              </a:lnSpc>
-            </a:pPr>
-            <a:r>
-              <a:rPr lang="en-US" sz="2800" dirty="0"/>
-              <a:t>And from the processing of data, I found out the </a:t>
-            </a:r>
-            <a:r>
-              <a:rPr lang="en-US" sz="2800" dirty="0" err="1"/>
-              <a:t>supply_area</a:t>
-            </a:r>
-            <a:r>
-              <a:rPr lang="en-US" sz="2800" dirty="0"/>
-              <a:t> is most related to the transaction price. </a:t>
-            </a:r>
-            <a:endParaRPr lang="en-US" altLang="zh-CN" sz="2800" dirty="0"/>
           </a:p>
         </p:txBody>
       </p:sp>
@@ -15714,7 +21690,7 @@
 </p:sld>
 </file>
 
-<file path=ppt/slides/slide3.xml><?xml version="1.0" encoding="utf-8"?>
+<file path=ppt/slides/slide5.xml><?xml version="1.0" encoding="utf-8"?>
 <p:sld xmlns:a="http://schemas.openxmlformats.org/drawingml/2006/main" xmlns:r="http://schemas.openxmlformats.org/officeDocument/2006/relationships" xmlns:p="http://schemas.openxmlformats.org/presentationml/2006/main">
   <p:cSld>
     <p:bg>
@@ -16503,7 +22479,7 @@
 </p:sld>
 </file>
 
-<file path=ppt/slides/slide4.xml><?xml version="1.0" encoding="utf-8"?>
+<file path=ppt/slides/slide6.xml><?xml version="1.0" encoding="utf-8"?>
 <p:sld xmlns:a="http://schemas.openxmlformats.org/drawingml/2006/main" xmlns:r="http://schemas.openxmlformats.org/officeDocument/2006/relationships" xmlns:p="http://schemas.openxmlformats.org/presentationml/2006/main">
   <p:cSld>
     <p:spTree>
@@ -16697,7 +22673,7 @@
 </p:sld>
 </file>
 
-<file path=ppt/slides/slide5.xml><?xml version="1.0" encoding="utf-8"?>
+<file path=ppt/slides/slide7.xml><?xml version="1.0" encoding="utf-8"?>
 <p:sld xmlns:a="http://schemas.openxmlformats.org/drawingml/2006/main" xmlns:r="http://schemas.openxmlformats.org/officeDocument/2006/relationships" xmlns:p="http://schemas.openxmlformats.org/presentationml/2006/main">
   <p:cSld>
     <p:spTree>
@@ -16812,7 +22788,7 @@
 </p:sld>
 </file>
 
-<file path=ppt/slides/slide6.xml><?xml version="1.0" encoding="utf-8"?>
+<file path=ppt/slides/slide8.xml><?xml version="1.0" encoding="utf-8"?>
 <p:sld xmlns:a="http://schemas.openxmlformats.org/drawingml/2006/main" xmlns:r="http://schemas.openxmlformats.org/officeDocument/2006/relationships" xmlns:p="http://schemas.openxmlformats.org/presentationml/2006/main">
   <p:cSld>
     <p:spTree>
@@ -16902,7 +22878,7 @@
 </p:sld>
 </file>
 
-<file path=ppt/slides/slide7.xml><?xml version="1.0" encoding="utf-8"?>
+<file path=ppt/slides/slide9.xml><?xml version="1.0" encoding="utf-8"?>
 <p:sld xmlns:a="http://schemas.openxmlformats.org/drawingml/2006/main" xmlns:r="http://schemas.openxmlformats.org/officeDocument/2006/relationships" xmlns:p="http://schemas.openxmlformats.org/presentationml/2006/main">
   <p:cSld>
     <p:spTree>
@@ -16983,745 +22959,6 @@
     <p:extLst>
       <p:ext uri="{BB962C8B-B14F-4D97-AF65-F5344CB8AC3E}">
         <p14:creationId xmlns:p14="http://schemas.microsoft.com/office/powerpoint/2010/main" val="505010138"/>
-      </p:ext>
-    </p:extLst>
-  </p:cSld>
-  <p:clrMapOvr>
-    <a:masterClrMapping/>
-  </p:clrMapOvr>
-</p:sld>
-</file>
-
-<file path=ppt/slides/slide8.xml><?xml version="1.0" encoding="utf-8"?>
-<p:sld xmlns:a="http://schemas.openxmlformats.org/drawingml/2006/main" xmlns:r="http://schemas.openxmlformats.org/officeDocument/2006/relationships" xmlns:p="http://schemas.openxmlformats.org/presentationml/2006/main">
-  <p:cSld>
-    <p:bg>
-      <p:bgPr>
-        <a:solidFill>
-          <a:schemeClr val="bg2"/>
-        </a:solidFill>
-        <a:effectLst/>
-      </p:bgPr>
-    </p:bg>
-    <p:spTree>
-      <p:nvGrpSpPr>
-        <p:cNvPr id="1" name=""/>
-        <p:cNvGrpSpPr/>
-        <p:nvPr/>
-      </p:nvGrpSpPr>
-      <p:grpSpPr>
-        <a:xfrm>
-          <a:off x="0" y="0"/>
-          <a:ext cx="0" cy="0"/>
-          <a:chOff x="0" y="0"/>
-          <a:chExt cx="0" cy="0"/>
-        </a:xfrm>
-      </p:grpSpPr>
-      <p:sp useBgFill="1">
-        <p:nvSpPr>
-          <p:cNvPr id="8" name="Rectangle 7">
-            <a:extLst>
-              <a:ext uri="{FF2B5EF4-FFF2-40B4-BE49-F238E27FC236}">
-                <a16:creationId xmlns:a16="http://schemas.microsoft.com/office/drawing/2014/main" id="{A98AD482-27A4-454E-8A3A-84F73CBDA7E4}"/>
-              </a:ext>
-              <a:ext uri="{C183D7F6-B498-43B3-948B-1728B52AA6E4}">
-                <adec:decorative xmlns:adec="http://schemas.microsoft.com/office/drawing/2017/decorative" val="1"/>
-              </a:ext>
-            </a:extLst>
-          </p:cNvPr>
-          <p:cNvSpPr>
-            <a:spLocks noGrp="1" noRot="1" noChangeAspect="1" noMove="1" noResize="1" noEditPoints="1" noAdjustHandles="1" noChangeArrowheads="1" noChangeShapeType="1" noTextEdit="1"/>
-          </p:cNvSpPr>
-          <p:nvPr>
-            <p:extLst>
-              <p:ext uri="{386F3935-93C4-4BCD-93E2-E3B085C9AB24}">
-                <p16:designElem xmlns:p16="http://schemas.microsoft.com/office/powerpoint/2015/main" val="1"/>
-              </p:ext>
-            </p:extLst>
-          </p:nvPr>
-        </p:nvSpPr>
-        <p:spPr>
-          <a:xfrm>
-            <a:off x="0" y="0"/>
-            <a:ext cx="12192000" cy="6858000"/>
-          </a:xfrm>
-          <a:prstGeom prst="rect">
-            <a:avLst/>
-          </a:prstGeom>
-          <a:ln>
-            <a:noFill/>
-          </a:ln>
-        </p:spPr>
-        <p:style>
-          <a:lnRef idx="2">
-            <a:schemeClr val="accent1">
-              <a:shade val="50000"/>
-            </a:schemeClr>
-          </a:lnRef>
-          <a:fillRef idx="1">
-            <a:schemeClr val="accent1"/>
-          </a:fillRef>
-          <a:effectRef idx="0">
-            <a:schemeClr val="accent1"/>
-          </a:effectRef>
-          <a:fontRef idx="minor">
-            <a:schemeClr val="lt1"/>
-          </a:fontRef>
-        </p:style>
-        <p:txBody>
-          <a:bodyPr rtlCol="0" anchor="ctr"/>
-          <a:lstStyle/>
-          <a:p>
-            <a:pPr algn="ctr"/>
-            <a:endParaRPr lang="en-US"/>
-          </a:p>
-        </p:txBody>
-      </p:sp>
-      <p:sp>
-        <p:nvSpPr>
-          <p:cNvPr id="10" name="Rectangle 9">
-            <a:extLst>
-              <a:ext uri="{FF2B5EF4-FFF2-40B4-BE49-F238E27FC236}">
-                <a16:creationId xmlns:a16="http://schemas.microsoft.com/office/drawing/2014/main" id="{322422E2-F15A-43AE-98F1-7210710B0EB8}"/>
-              </a:ext>
-              <a:ext uri="{C183D7F6-B498-43B3-948B-1728B52AA6E4}">
-                <adec:decorative xmlns:adec="http://schemas.microsoft.com/office/drawing/2017/decorative" val="1"/>
-              </a:ext>
-            </a:extLst>
-          </p:cNvPr>
-          <p:cNvSpPr>
-            <a:spLocks noGrp="1" noRot="1" noChangeAspect="1" noMove="1" noResize="1" noEditPoints="1" noAdjustHandles="1" noChangeArrowheads="1" noChangeShapeType="1" noTextEdit="1"/>
-          </p:cNvSpPr>
-          <p:nvPr>
-            <p:extLst>
-              <p:ext uri="{386F3935-93C4-4BCD-93E2-E3B085C9AB24}">
-                <p16:designElem xmlns:p16="http://schemas.microsoft.com/office/powerpoint/2015/main" val="1"/>
-              </p:ext>
-            </p:extLst>
-          </p:nvPr>
-        </p:nvSpPr>
-        <p:spPr>
-          <a:xfrm>
-            <a:off x="0" y="0"/>
-            <a:ext cx="4640343" cy="6858000"/>
-          </a:xfrm>
-          <a:prstGeom prst="rect">
-            <a:avLst/>
-          </a:prstGeom>
-          <a:solidFill>
-            <a:schemeClr val="accent1"/>
-          </a:solidFill>
-          <a:ln>
-            <a:noFill/>
-          </a:ln>
-        </p:spPr>
-        <p:style>
-          <a:lnRef idx="2">
-            <a:schemeClr val="accent1">
-              <a:shade val="50000"/>
-            </a:schemeClr>
-          </a:lnRef>
-          <a:fillRef idx="1">
-            <a:schemeClr val="accent1"/>
-          </a:fillRef>
-          <a:effectRef idx="0">
-            <a:schemeClr val="accent1"/>
-          </a:effectRef>
-          <a:fontRef idx="minor">
-            <a:schemeClr val="lt1"/>
-          </a:fontRef>
-        </p:style>
-        <p:txBody>
-          <a:bodyPr rtlCol="0" anchor="ctr"/>
-          <a:lstStyle/>
-          <a:p>
-            <a:pPr algn="ctr"/>
-            <a:endParaRPr lang="en-US"/>
-          </a:p>
-        </p:txBody>
-      </p:sp>
-      <p:sp>
-        <p:nvSpPr>
-          <p:cNvPr id="2" name="Title 1"/>
-          <p:cNvSpPr>
-            <a:spLocks noGrp="1"/>
-          </p:cNvSpPr>
-          <p:nvPr>
-            <p:ph type="title"/>
-          </p:nvPr>
-        </p:nvSpPr>
-        <p:spPr>
-          <a:xfrm>
-            <a:off x="1251677" y="1078378"/>
-            <a:ext cx="2917551" cy="4701244"/>
-          </a:xfrm>
-        </p:spPr>
-        <p:txBody>
-          <a:bodyPr anchor="ctr">
-            <a:normAutofit/>
-          </a:bodyPr>
-          <a:lstStyle/>
-          <a:p>
-            <a:r>
-              <a:rPr lang="en-US" sz="3600" dirty="0"/>
-              <a:t>To Do List</a:t>
-            </a:r>
-          </a:p>
-        </p:txBody>
-      </p:sp>
-      <p:sp>
-        <p:nvSpPr>
-          <p:cNvPr id="12" name="Freeform 6">
-            <a:extLst>
-              <a:ext uri="{FF2B5EF4-FFF2-40B4-BE49-F238E27FC236}">
-                <a16:creationId xmlns:a16="http://schemas.microsoft.com/office/drawing/2014/main" id="{BDC8164B-5FC0-4CBD-B7AE-0CB8780FFCB3}"/>
-              </a:ext>
-              <a:ext uri="{C183D7F6-B498-43B3-948B-1728B52AA6E4}">
-                <adec:decorative xmlns:adec="http://schemas.microsoft.com/office/drawing/2017/decorative" val="1"/>
-              </a:ext>
-            </a:extLst>
-          </p:cNvPr>
-          <p:cNvSpPr>
-            <a:spLocks noGrp="1" noRot="1" noChangeAspect="1" noMove="1" noResize="1" noEditPoints="1" noAdjustHandles="1" noChangeArrowheads="1" noChangeShapeType="1" noTextEdit="1"/>
-          </p:cNvSpPr>
-          <p:nvPr>
-            <p:extLst>
-              <p:ext uri="{386F3935-93C4-4BCD-93E2-E3B085C9AB24}">
-                <p16:designElem xmlns:p16="http://schemas.microsoft.com/office/powerpoint/2015/main" val="1"/>
-              </p:ext>
-            </p:extLst>
-          </p:nvPr>
-        </p:nvSpPr>
-        <p:spPr bwMode="auto">
-          <a:xfrm>
-            <a:off x="0" y="0"/>
-            <a:ext cx="885825" cy="6858000"/>
-          </a:xfrm>
-          <a:custGeom>
-            <a:avLst/>
-            <a:gdLst/>
-            <a:ahLst/>
-            <a:cxnLst/>
-            <a:rect l="0" t="0" r="r" b="b"/>
-            <a:pathLst>
-              <a:path w="558" h="4320">
-                <a:moveTo>
-                  <a:pt x="0" y="0"/>
-                </a:moveTo>
-                <a:lnTo>
-                  <a:pt x="447" y="0"/>
-                </a:lnTo>
-                <a:lnTo>
-                  <a:pt x="448" y="43"/>
-                </a:lnTo>
-                <a:lnTo>
-                  <a:pt x="453" y="81"/>
-                </a:lnTo>
-                <a:lnTo>
-                  <a:pt x="460" y="114"/>
-                </a:lnTo>
-                <a:lnTo>
-                  <a:pt x="469" y="143"/>
-                </a:lnTo>
-                <a:lnTo>
-                  <a:pt x="479" y="169"/>
-                </a:lnTo>
-                <a:lnTo>
-                  <a:pt x="491" y="192"/>
-                </a:lnTo>
-                <a:lnTo>
-                  <a:pt x="503" y="216"/>
-                </a:lnTo>
-                <a:lnTo>
-                  <a:pt x="515" y="240"/>
-                </a:lnTo>
-                <a:lnTo>
-                  <a:pt x="525" y="263"/>
-                </a:lnTo>
-                <a:lnTo>
-                  <a:pt x="535" y="289"/>
-                </a:lnTo>
-                <a:lnTo>
-                  <a:pt x="545" y="318"/>
-                </a:lnTo>
-                <a:lnTo>
-                  <a:pt x="552" y="351"/>
-                </a:lnTo>
-                <a:lnTo>
-                  <a:pt x="556" y="389"/>
-                </a:lnTo>
-                <a:lnTo>
-                  <a:pt x="558" y="432"/>
-                </a:lnTo>
-                <a:lnTo>
-                  <a:pt x="556" y="475"/>
-                </a:lnTo>
-                <a:lnTo>
-                  <a:pt x="552" y="513"/>
-                </a:lnTo>
-                <a:lnTo>
-                  <a:pt x="545" y="546"/>
-                </a:lnTo>
-                <a:lnTo>
-                  <a:pt x="535" y="575"/>
-                </a:lnTo>
-                <a:lnTo>
-                  <a:pt x="525" y="601"/>
-                </a:lnTo>
-                <a:lnTo>
-                  <a:pt x="515" y="624"/>
-                </a:lnTo>
-                <a:lnTo>
-                  <a:pt x="503" y="648"/>
-                </a:lnTo>
-                <a:lnTo>
-                  <a:pt x="491" y="672"/>
-                </a:lnTo>
-                <a:lnTo>
-                  <a:pt x="479" y="695"/>
-                </a:lnTo>
-                <a:lnTo>
-                  <a:pt x="469" y="721"/>
-                </a:lnTo>
-                <a:lnTo>
-                  <a:pt x="460" y="750"/>
-                </a:lnTo>
-                <a:lnTo>
-                  <a:pt x="453" y="783"/>
-                </a:lnTo>
-                <a:lnTo>
-                  <a:pt x="448" y="821"/>
-                </a:lnTo>
-                <a:lnTo>
-                  <a:pt x="447" y="864"/>
-                </a:lnTo>
-                <a:lnTo>
-                  <a:pt x="448" y="907"/>
-                </a:lnTo>
-                <a:lnTo>
-                  <a:pt x="453" y="945"/>
-                </a:lnTo>
-                <a:lnTo>
-                  <a:pt x="460" y="978"/>
-                </a:lnTo>
-                <a:lnTo>
-                  <a:pt x="469" y="1007"/>
-                </a:lnTo>
-                <a:lnTo>
-                  <a:pt x="479" y="1033"/>
-                </a:lnTo>
-                <a:lnTo>
-                  <a:pt x="491" y="1056"/>
-                </a:lnTo>
-                <a:lnTo>
-                  <a:pt x="503" y="1080"/>
-                </a:lnTo>
-                <a:lnTo>
-                  <a:pt x="515" y="1104"/>
-                </a:lnTo>
-                <a:lnTo>
-                  <a:pt x="525" y="1127"/>
-                </a:lnTo>
-                <a:lnTo>
-                  <a:pt x="535" y="1153"/>
-                </a:lnTo>
-                <a:lnTo>
-                  <a:pt x="545" y="1182"/>
-                </a:lnTo>
-                <a:lnTo>
-                  <a:pt x="552" y="1215"/>
-                </a:lnTo>
-                <a:lnTo>
-                  <a:pt x="556" y="1253"/>
-                </a:lnTo>
-                <a:lnTo>
-                  <a:pt x="558" y="1296"/>
-                </a:lnTo>
-                <a:lnTo>
-                  <a:pt x="556" y="1339"/>
-                </a:lnTo>
-                <a:lnTo>
-                  <a:pt x="552" y="1377"/>
-                </a:lnTo>
-                <a:lnTo>
-                  <a:pt x="545" y="1410"/>
-                </a:lnTo>
-                <a:lnTo>
-                  <a:pt x="535" y="1439"/>
-                </a:lnTo>
-                <a:lnTo>
-                  <a:pt x="525" y="1465"/>
-                </a:lnTo>
-                <a:lnTo>
-                  <a:pt x="515" y="1488"/>
-                </a:lnTo>
-                <a:lnTo>
-                  <a:pt x="503" y="1512"/>
-                </a:lnTo>
-                <a:lnTo>
-                  <a:pt x="491" y="1536"/>
-                </a:lnTo>
-                <a:lnTo>
-                  <a:pt x="479" y="1559"/>
-                </a:lnTo>
-                <a:lnTo>
-                  <a:pt x="469" y="1585"/>
-                </a:lnTo>
-                <a:lnTo>
-                  <a:pt x="460" y="1614"/>
-                </a:lnTo>
-                <a:lnTo>
-                  <a:pt x="453" y="1647"/>
-                </a:lnTo>
-                <a:lnTo>
-                  <a:pt x="448" y="1685"/>
-                </a:lnTo>
-                <a:lnTo>
-                  <a:pt x="447" y="1728"/>
-                </a:lnTo>
-                <a:lnTo>
-                  <a:pt x="448" y="1771"/>
-                </a:lnTo>
-                <a:lnTo>
-                  <a:pt x="453" y="1809"/>
-                </a:lnTo>
-                <a:lnTo>
-                  <a:pt x="460" y="1842"/>
-                </a:lnTo>
-                <a:lnTo>
-                  <a:pt x="469" y="1871"/>
-                </a:lnTo>
-                <a:lnTo>
-                  <a:pt x="479" y="1897"/>
-                </a:lnTo>
-                <a:lnTo>
-                  <a:pt x="491" y="1920"/>
-                </a:lnTo>
-                <a:lnTo>
-                  <a:pt x="503" y="1944"/>
-                </a:lnTo>
-                <a:lnTo>
-                  <a:pt x="515" y="1968"/>
-                </a:lnTo>
-                <a:lnTo>
-                  <a:pt x="525" y="1991"/>
-                </a:lnTo>
-                <a:lnTo>
-                  <a:pt x="535" y="2017"/>
-                </a:lnTo>
-                <a:lnTo>
-                  <a:pt x="545" y="2046"/>
-                </a:lnTo>
-                <a:lnTo>
-                  <a:pt x="552" y="2079"/>
-                </a:lnTo>
-                <a:lnTo>
-                  <a:pt x="556" y="2117"/>
-                </a:lnTo>
-                <a:lnTo>
-                  <a:pt x="558" y="2159"/>
-                </a:lnTo>
-                <a:lnTo>
-                  <a:pt x="556" y="2203"/>
-                </a:lnTo>
-                <a:lnTo>
-                  <a:pt x="552" y="2241"/>
-                </a:lnTo>
-                <a:lnTo>
-                  <a:pt x="545" y="2274"/>
-                </a:lnTo>
-                <a:lnTo>
-                  <a:pt x="535" y="2303"/>
-                </a:lnTo>
-                <a:lnTo>
-                  <a:pt x="525" y="2329"/>
-                </a:lnTo>
-                <a:lnTo>
-                  <a:pt x="515" y="2352"/>
-                </a:lnTo>
-                <a:lnTo>
-                  <a:pt x="503" y="2376"/>
-                </a:lnTo>
-                <a:lnTo>
-                  <a:pt x="491" y="2400"/>
-                </a:lnTo>
-                <a:lnTo>
-                  <a:pt x="479" y="2423"/>
-                </a:lnTo>
-                <a:lnTo>
-                  <a:pt x="469" y="2449"/>
-                </a:lnTo>
-                <a:lnTo>
-                  <a:pt x="460" y="2478"/>
-                </a:lnTo>
-                <a:lnTo>
-                  <a:pt x="453" y="2511"/>
-                </a:lnTo>
-                <a:lnTo>
-                  <a:pt x="448" y="2549"/>
-                </a:lnTo>
-                <a:lnTo>
-                  <a:pt x="447" y="2592"/>
-                </a:lnTo>
-                <a:lnTo>
-                  <a:pt x="448" y="2635"/>
-                </a:lnTo>
-                <a:lnTo>
-                  <a:pt x="453" y="2673"/>
-                </a:lnTo>
-                <a:lnTo>
-                  <a:pt x="460" y="2706"/>
-                </a:lnTo>
-                <a:lnTo>
-                  <a:pt x="469" y="2735"/>
-                </a:lnTo>
-                <a:lnTo>
-                  <a:pt x="479" y="2761"/>
-                </a:lnTo>
-                <a:lnTo>
-                  <a:pt x="491" y="2784"/>
-                </a:lnTo>
-                <a:lnTo>
-                  <a:pt x="515" y="2832"/>
-                </a:lnTo>
-                <a:lnTo>
-                  <a:pt x="525" y="2855"/>
-                </a:lnTo>
-                <a:lnTo>
-                  <a:pt x="535" y="2881"/>
-                </a:lnTo>
-                <a:lnTo>
-                  <a:pt x="545" y="2910"/>
-                </a:lnTo>
-                <a:lnTo>
-                  <a:pt x="552" y="2943"/>
-                </a:lnTo>
-                <a:lnTo>
-                  <a:pt x="556" y="2981"/>
-                </a:lnTo>
-                <a:lnTo>
-                  <a:pt x="558" y="3024"/>
-                </a:lnTo>
-                <a:lnTo>
-                  <a:pt x="556" y="3067"/>
-                </a:lnTo>
-                <a:lnTo>
-                  <a:pt x="552" y="3105"/>
-                </a:lnTo>
-                <a:lnTo>
-                  <a:pt x="545" y="3138"/>
-                </a:lnTo>
-                <a:lnTo>
-                  <a:pt x="535" y="3167"/>
-                </a:lnTo>
-                <a:lnTo>
-                  <a:pt x="525" y="3193"/>
-                </a:lnTo>
-                <a:lnTo>
-                  <a:pt x="515" y="3216"/>
-                </a:lnTo>
-                <a:lnTo>
-                  <a:pt x="503" y="3240"/>
-                </a:lnTo>
-                <a:lnTo>
-                  <a:pt x="491" y="3264"/>
-                </a:lnTo>
-                <a:lnTo>
-                  <a:pt x="479" y="3287"/>
-                </a:lnTo>
-                <a:lnTo>
-                  <a:pt x="469" y="3313"/>
-                </a:lnTo>
-                <a:lnTo>
-                  <a:pt x="460" y="3342"/>
-                </a:lnTo>
-                <a:lnTo>
-                  <a:pt x="453" y="3375"/>
-                </a:lnTo>
-                <a:lnTo>
-                  <a:pt x="448" y="3413"/>
-                </a:lnTo>
-                <a:lnTo>
-                  <a:pt x="447" y="3456"/>
-                </a:lnTo>
-                <a:lnTo>
-                  <a:pt x="448" y="3499"/>
-                </a:lnTo>
-                <a:lnTo>
-                  <a:pt x="453" y="3537"/>
-                </a:lnTo>
-                <a:lnTo>
-                  <a:pt x="460" y="3570"/>
-                </a:lnTo>
-                <a:lnTo>
-                  <a:pt x="469" y="3599"/>
-                </a:lnTo>
-                <a:lnTo>
-                  <a:pt x="479" y="3625"/>
-                </a:lnTo>
-                <a:lnTo>
-                  <a:pt x="491" y="3648"/>
-                </a:lnTo>
-                <a:lnTo>
-                  <a:pt x="503" y="3672"/>
-                </a:lnTo>
-                <a:lnTo>
-                  <a:pt x="515" y="3696"/>
-                </a:lnTo>
-                <a:lnTo>
-                  <a:pt x="525" y="3719"/>
-                </a:lnTo>
-                <a:lnTo>
-                  <a:pt x="535" y="3745"/>
-                </a:lnTo>
-                <a:lnTo>
-                  <a:pt x="545" y="3774"/>
-                </a:lnTo>
-                <a:lnTo>
-                  <a:pt x="552" y="3807"/>
-                </a:lnTo>
-                <a:lnTo>
-                  <a:pt x="556" y="3845"/>
-                </a:lnTo>
-                <a:lnTo>
-                  <a:pt x="558" y="3888"/>
-                </a:lnTo>
-                <a:lnTo>
-                  <a:pt x="556" y="3931"/>
-                </a:lnTo>
-                <a:lnTo>
-                  <a:pt x="552" y="3969"/>
-                </a:lnTo>
-                <a:lnTo>
-                  <a:pt x="545" y="4002"/>
-                </a:lnTo>
-                <a:lnTo>
-                  <a:pt x="535" y="4031"/>
-                </a:lnTo>
-                <a:lnTo>
-                  <a:pt x="525" y="4057"/>
-                </a:lnTo>
-                <a:lnTo>
-                  <a:pt x="515" y="4080"/>
-                </a:lnTo>
-                <a:lnTo>
-                  <a:pt x="503" y="4104"/>
-                </a:lnTo>
-                <a:lnTo>
-                  <a:pt x="491" y="4128"/>
-                </a:lnTo>
-                <a:lnTo>
-                  <a:pt x="479" y="4151"/>
-                </a:lnTo>
-                <a:lnTo>
-                  <a:pt x="469" y="4177"/>
-                </a:lnTo>
-                <a:lnTo>
-                  <a:pt x="460" y="4206"/>
-                </a:lnTo>
-                <a:lnTo>
-                  <a:pt x="453" y="4239"/>
-                </a:lnTo>
-                <a:lnTo>
-                  <a:pt x="448" y="4277"/>
-                </a:lnTo>
-                <a:lnTo>
-                  <a:pt x="447" y="4320"/>
-                </a:lnTo>
-                <a:lnTo>
-                  <a:pt x="0" y="4320"/>
-                </a:lnTo>
-                <a:lnTo>
-                  <a:pt x="0" y="0"/>
-                </a:lnTo>
-                <a:close/>
-              </a:path>
-            </a:pathLst>
-          </a:custGeom>
-          <a:solidFill>
-            <a:schemeClr val="accent1">
-              <a:lumMod val="75000"/>
-              <a:alpha val="70000"/>
-            </a:schemeClr>
-          </a:solidFill>
-          <a:ln w="0">
-            <a:noFill/>
-            <a:prstDash val="solid"/>
-            <a:round/>
-            <a:headEnd/>
-            <a:tailEnd/>
-          </a:ln>
-        </p:spPr>
-      </p:sp>
-      <p:sp>
-        <p:nvSpPr>
-          <p:cNvPr id="3" name="Content Placeholder 2"/>
-          <p:cNvSpPr>
-            <a:spLocks noGrp="1"/>
-          </p:cNvSpPr>
-          <p:nvPr>
-            <p:ph idx="1"/>
-          </p:nvPr>
-        </p:nvSpPr>
-        <p:spPr>
-          <a:xfrm>
-            <a:off x="5167062" y="1078378"/>
-            <a:ext cx="6552498" cy="4701244"/>
-          </a:xfrm>
-        </p:spPr>
-        <p:txBody>
-          <a:bodyPr anchor="ctr">
-            <a:normAutofit/>
-          </a:bodyPr>
-          <a:lstStyle/>
-          <a:p>
-            <a:r>
-              <a:rPr lang="en-US" sz="2800" dirty="0"/>
-              <a:t>Analyze</a:t>
-            </a:r>
-            <a:r>
-              <a:rPr lang="zh-TW" altLang="en-US" sz="2800" dirty="0"/>
-              <a:t> </a:t>
-            </a:r>
-            <a:r>
-              <a:rPr lang="en-US" altLang="zh-TW" sz="2800" dirty="0"/>
-              <a:t>the best model from each run</a:t>
-            </a:r>
-            <a:endParaRPr lang="en-US" sz="2800" dirty="0"/>
-          </a:p>
-          <a:p>
-            <a:r>
-              <a:rPr lang="en-US" sz="2800" dirty="0"/>
-              <a:t>Compare the different best model of different runtime</a:t>
-            </a:r>
-          </a:p>
-          <a:p>
-            <a:r>
-              <a:rPr lang="en-US" sz="2800" dirty="0"/>
-              <a:t>Find the best model</a:t>
-            </a:r>
-          </a:p>
-          <a:p>
-            <a:r>
-              <a:rPr lang="en-US" sz="2800" dirty="0"/>
-              <a:t>Make a conclusion</a:t>
-            </a:r>
-          </a:p>
-          <a:p>
-            <a:r>
-              <a:rPr lang="en-US" sz="2800" dirty="0"/>
-              <a:t>Complete the document</a:t>
-            </a:r>
-          </a:p>
-          <a:p>
-            <a:endParaRPr lang="en-US" sz="2800" dirty="0"/>
-          </a:p>
-        </p:txBody>
-      </p:sp>
-    </p:spTree>
-    <p:extLst>
-      <p:ext uri="{BB962C8B-B14F-4D97-AF65-F5344CB8AC3E}">
-        <p14:creationId xmlns:p14="http://schemas.microsoft.com/office/powerpoint/2010/main" val="1744284502"/>
       </p:ext>
     </p:extLst>
   </p:cSld>
